--- a/tampa-presentation.pptx
+++ b/tampa-presentation.pptx
@@ -1,34 +1,35 @@
 
 <file path=ppt/presentation.xml><?xml version="1.0" encoding="utf-8"?>
-<p:presentation xmlns:a="http://schemas.openxmlformats.org/drawingml/2006/main" xmlns:r="http://schemas.openxmlformats.org/officeDocument/2006/relationships" xmlns:p="http://schemas.openxmlformats.org/presentationml/2006/main" saveSubsetFonts="1">
+<p:presentation xmlns:a="http://schemas.openxmlformats.org/drawingml/2006/main" xmlns:r="http://schemas.openxmlformats.org/officeDocument/2006/relationships" xmlns:p="http://schemas.openxmlformats.org/presentationml/2006/main">
   <p:sldMasterIdLst>
     <p:sldMasterId id="2147483648" r:id="rId1"/>
   </p:sldMasterIdLst>
   <p:notesMasterIdLst>
-    <p:notesMasterId r:id="rId23"/>
+    <p:notesMasterId r:id="rId24"/>
   </p:notesMasterIdLst>
   <p:sldIdLst>
-    <p:sldId id="256" r:id="rId2"/>
-    <p:sldId id="257" r:id="rId3"/>
+    <p:sldId id="278" r:id="rId2"/>
+    <p:sldId id="256" r:id="rId3"/>
     <p:sldId id="258" r:id="rId4"/>
     <p:sldId id="259" r:id="rId5"/>
-    <p:sldId id="274" r:id="rId6"/>
-    <p:sldId id="260" r:id="rId7"/>
-    <p:sldId id="275" r:id="rId8"/>
-    <p:sldId id="261" r:id="rId9"/>
-    <p:sldId id="262" r:id="rId10"/>
-    <p:sldId id="263" r:id="rId11"/>
-    <p:sldId id="264" r:id="rId12"/>
-    <p:sldId id="265" r:id="rId13"/>
-    <p:sldId id="266" r:id="rId14"/>
-    <p:sldId id="267" r:id="rId15"/>
-    <p:sldId id="276" r:id="rId16"/>
-    <p:sldId id="268" r:id="rId17"/>
-    <p:sldId id="269" r:id="rId18"/>
-    <p:sldId id="270" r:id="rId19"/>
-    <p:sldId id="271" r:id="rId20"/>
-    <p:sldId id="272" r:id="rId21"/>
-    <p:sldId id="273" r:id="rId22"/>
+    <p:sldId id="279" r:id="rId6"/>
+    <p:sldId id="277" r:id="rId7"/>
+    <p:sldId id="281" r:id="rId8"/>
+    <p:sldId id="275" r:id="rId9"/>
+    <p:sldId id="296" r:id="rId10"/>
+    <p:sldId id="297" r:id="rId11"/>
+    <p:sldId id="285" r:id="rId12"/>
+    <p:sldId id="286" r:id="rId13"/>
+    <p:sldId id="287" r:id="rId14"/>
+    <p:sldId id="288" r:id="rId15"/>
+    <p:sldId id="289" r:id="rId16"/>
+    <p:sldId id="290" r:id="rId17"/>
+    <p:sldId id="291" r:id="rId18"/>
+    <p:sldId id="293" r:id="rId19"/>
+    <p:sldId id="276" r:id="rId20"/>
+    <p:sldId id="294" r:id="rId21"/>
+    <p:sldId id="298" r:id="rId22"/>
+    <p:sldId id="274" r:id="rId23"/>
   </p:sldIdLst>
   <p:sldSz cx="24384000" cy="13716000"/>
   <p:notesSz cx="6858000" cy="9144000"/>
@@ -332,7 +333,7 @@
   </p:defaultTextStyle>
   <p:extLst>
     <p:ext uri="{EFAFB233-063F-42B5-8137-9DF3F51BA10A}">
-      <p15:sldGuideLst xmlns:p15="http://schemas.microsoft.com/office/powerpoint/2012/main">
+      <p15:sldGuideLst xmlns="" xmlns:p15="http://schemas.microsoft.com/office/powerpoint/2012/main">
         <p15:guide id="1" orient="horz" pos="4320">
           <p15:clr>
             <a:srgbClr val="A4A3A4"/>
@@ -428,7 +429,7 @@
     </p:spTree>
     <p:extLst>
       <p:ext uri="{BB962C8B-B14F-4D97-AF65-F5344CB8AC3E}">
-        <p14:creationId xmlns:p14="http://schemas.microsoft.com/office/powerpoint/2010/main" val="3835821998"/>
+        <p14:creationId xmlns:p14="http://schemas.microsoft.com/office/powerpoint/2010/main" val="1992811131"/>
       </p:ext>
     </p:extLst>
   </p:cSld>
@@ -537,6 +538,600 @@
 </p:notesMaster>
 </file>
 
+<file path=ppt/notesSlides/notesSlide1.xml><?xml version="1.0" encoding="utf-8"?>
+<p:notes xmlns:a="http://schemas.openxmlformats.org/drawingml/2006/main" xmlns:r="http://schemas.openxmlformats.org/officeDocument/2006/relationships" xmlns:p="http://schemas.openxmlformats.org/presentationml/2006/main">
+  <p:cSld>
+    <p:spTree>
+      <p:nvGrpSpPr>
+        <p:cNvPr id="1" name=""/>
+        <p:cNvGrpSpPr/>
+        <p:nvPr/>
+      </p:nvGrpSpPr>
+      <p:grpSpPr>
+        <a:xfrm>
+          <a:off x="0" y="0"/>
+          <a:ext cx="0" cy="0"/>
+          <a:chOff x="0" y="0"/>
+          <a:chExt cx="0" cy="0"/>
+        </a:xfrm>
+      </p:grpSpPr>
+      <p:sp>
+        <p:nvSpPr>
+          <p:cNvPr id="2" name="Slide Image Placeholder 1"/>
+          <p:cNvSpPr>
+            <a:spLocks noGrp="1" noRot="1" noChangeAspect="1"/>
+          </p:cNvSpPr>
+          <p:nvPr>
+            <p:ph type="sldImg"/>
+          </p:nvPr>
+        </p:nvSpPr>
+        <p:spPr>
+          <a:xfrm>
+            <a:off x="381000" y="685800"/>
+            <a:ext cx="6096000" cy="3429000"/>
+          </a:xfrm>
+        </p:spPr>
+      </p:sp>
+      <p:sp>
+        <p:nvSpPr>
+          <p:cNvPr id="3" name="Notes Placeholder 2"/>
+          <p:cNvSpPr>
+            <a:spLocks noGrp="1"/>
+          </p:cNvSpPr>
+          <p:nvPr>
+            <p:ph type="body" idx="1"/>
+          </p:nvPr>
+        </p:nvSpPr>
+        <p:spPr/>
+        <p:txBody>
+          <a:bodyPr/>
+          <a:lstStyle/>
+          <a:p>
+            <a:endParaRPr lang="en-US" dirty="0"/>
+          </a:p>
+        </p:txBody>
+      </p:sp>
+    </p:spTree>
+    <p:extLst>
+      <p:ext uri="{BB962C8B-B14F-4D97-AF65-F5344CB8AC3E}">
+        <p14:creationId xmlns:p14="http://schemas.microsoft.com/office/powerpoint/2010/main" val="3652034112"/>
+      </p:ext>
+    </p:extLst>
+  </p:cSld>
+  <p:clrMapOvr>
+    <a:masterClrMapping/>
+  </p:clrMapOvr>
+</p:notes>
+</file>
+
+<file path=ppt/notesSlides/notesSlide2.xml><?xml version="1.0" encoding="utf-8"?>
+<p:notes xmlns:a="http://schemas.openxmlformats.org/drawingml/2006/main" xmlns:r="http://schemas.openxmlformats.org/officeDocument/2006/relationships" xmlns:p="http://schemas.openxmlformats.org/presentationml/2006/main">
+  <p:cSld>
+    <p:spTree>
+      <p:nvGrpSpPr>
+        <p:cNvPr id="1" name=""/>
+        <p:cNvGrpSpPr/>
+        <p:nvPr/>
+      </p:nvGrpSpPr>
+      <p:grpSpPr>
+        <a:xfrm>
+          <a:off x="0" y="0"/>
+          <a:ext cx="0" cy="0"/>
+          <a:chOff x="0" y="0"/>
+          <a:chExt cx="0" cy="0"/>
+        </a:xfrm>
+      </p:grpSpPr>
+      <p:sp>
+        <p:nvSpPr>
+          <p:cNvPr id="2" name="Slide Image Placeholder 1"/>
+          <p:cNvSpPr>
+            <a:spLocks noGrp="1" noRot="1" noChangeAspect="1"/>
+          </p:cNvSpPr>
+          <p:nvPr>
+            <p:ph type="sldImg"/>
+          </p:nvPr>
+        </p:nvSpPr>
+        <p:spPr>
+          <a:xfrm>
+            <a:off x="381000" y="685800"/>
+            <a:ext cx="6096000" cy="3429000"/>
+          </a:xfrm>
+        </p:spPr>
+      </p:sp>
+      <p:sp>
+        <p:nvSpPr>
+          <p:cNvPr id="3" name="Notes Placeholder 2"/>
+          <p:cNvSpPr>
+            <a:spLocks noGrp="1"/>
+          </p:cNvSpPr>
+          <p:nvPr>
+            <p:ph type="body" idx="1"/>
+          </p:nvPr>
+        </p:nvSpPr>
+        <p:spPr/>
+        <p:txBody>
+          <a:bodyPr/>
+          <a:lstStyle/>
+          <a:p>
+            <a:endParaRPr lang="en-US" dirty="0"/>
+          </a:p>
+        </p:txBody>
+      </p:sp>
+    </p:spTree>
+    <p:extLst>
+      <p:ext uri="{BB962C8B-B14F-4D97-AF65-F5344CB8AC3E}">
+        <p14:creationId xmlns:p14="http://schemas.microsoft.com/office/powerpoint/2010/main" val="789499480"/>
+      </p:ext>
+    </p:extLst>
+  </p:cSld>
+  <p:clrMapOvr>
+    <a:masterClrMapping/>
+  </p:clrMapOvr>
+</p:notes>
+</file>
+
+<file path=ppt/notesSlides/notesSlide3.xml><?xml version="1.0" encoding="utf-8"?>
+<p:notes xmlns:a="http://schemas.openxmlformats.org/drawingml/2006/main" xmlns:r="http://schemas.openxmlformats.org/officeDocument/2006/relationships" xmlns:p="http://schemas.openxmlformats.org/presentationml/2006/main">
+  <p:cSld>
+    <p:spTree>
+      <p:nvGrpSpPr>
+        <p:cNvPr id="1" name=""/>
+        <p:cNvGrpSpPr/>
+        <p:nvPr/>
+      </p:nvGrpSpPr>
+      <p:grpSpPr>
+        <a:xfrm>
+          <a:off x="0" y="0"/>
+          <a:ext cx="0" cy="0"/>
+          <a:chOff x="0" y="0"/>
+          <a:chExt cx="0" cy="0"/>
+        </a:xfrm>
+      </p:grpSpPr>
+      <p:sp>
+        <p:nvSpPr>
+          <p:cNvPr id="2" name="Slide Image Placeholder 1"/>
+          <p:cNvSpPr>
+            <a:spLocks noGrp="1" noRot="1" noChangeAspect="1"/>
+          </p:cNvSpPr>
+          <p:nvPr>
+            <p:ph type="sldImg"/>
+          </p:nvPr>
+        </p:nvSpPr>
+        <p:spPr>
+          <a:xfrm>
+            <a:off x="381000" y="685800"/>
+            <a:ext cx="6096000" cy="3429000"/>
+          </a:xfrm>
+        </p:spPr>
+      </p:sp>
+      <p:sp>
+        <p:nvSpPr>
+          <p:cNvPr id="3" name="Notes Placeholder 2"/>
+          <p:cNvSpPr>
+            <a:spLocks noGrp="1"/>
+          </p:cNvSpPr>
+          <p:nvPr>
+            <p:ph type="body" idx="1"/>
+          </p:nvPr>
+        </p:nvSpPr>
+        <p:spPr/>
+        <p:txBody>
+          <a:bodyPr/>
+          <a:lstStyle/>
+          <a:p>
+            <a:endParaRPr lang="en-US" dirty="0"/>
+          </a:p>
+        </p:txBody>
+      </p:sp>
+    </p:spTree>
+    <p:extLst>
+      <p:ext uri="{BB962C8B-B14F-4D97-AF65-F5344CB8AC3E}">
+        <p14:creationId xmlns:p14="http://schemas.microsoft.com/office/powerpoint/2010/main" val="789499480"/>
+      </p:ext>
+    </p:extLst>
+  </p:cSld>
+  <p:clrMapOvr>
+    <a:masterClrMapping/>
+  </p:clrMapOvr>
+</p:notes>
+</file>
+
+<file path=ppt/notesSlides/notesSlide4.xml><?xml version="1.0" encoding="utf-8"?>
+<p:notes xmlns:a="http://schemas.openxmlformats.org/drawingml/2006/main" xmlns:r="http://schemas.openxmlformats.org/officeDocument/2006/relationships" xmlns:p="http://schemas.openxmlformats.org/presentationml/2006/main">
+  <p:cSld>
+    <p:spTree>
+      <p:nvGrpSpPr>
+        <p:cNvPr id="1" name=""/>
+        <p:cNvGrpSpPr/>
+        <p:nvPr/>
+      </p:nvGrpSpPr>
+      <p:grpSpPr>
+        <a:xfrm>
+          <a:off x="0" y="0"/>
+          <a:ext cx="0" cy="0"/>
+          <a:chOff x="0" y="0"/>
+          <a:chExt cx="0" cy="0"/>
+        </a:xfrm>
+      </p:grpSpPr>
+      <p:sp>
+        <p:nvSpPr>
+          <p:cNvPr id="2" name="Slide Image Placeholder 1"/>
+          <p:cNvSpPr>
+            <a:spLocks noGrp="1" noRot="1" noChangeAspect="1"/>
+          </p:cNvSpPr>
+          <p:nvPr>
+            <p:ph type="sldImg"/>
+          </p:nvPr>
+        </p:nvSpPr>
+        <p:spPr>
+          <a:xfrm>
+            <a:off x="381000" y="685800"/>
+            <a:ext cx="6096000" cy="3429000"/>
+          </a:xfrm>
+        </p:spPr>
+      </p:sp>
+      <p:sp>
+        <p:nvSpPr>
+          <p:cNvPr id="3" name="Notes Placeholder 2"/>
+          <p:cNvSpPr>
+            <a:spLocks noGrp="1"/>
+          </p:cNvSpPr>
+          <p:nvPr>
+            <p:ph type="body" idx="1"/>
+          </p:nvPr>
+        </p:nvSpPr>
+        <p:spPr/>
+        <p:txBody>
+          <a:bodyPr/>
+          <a:lstStyle/>
+          <a:p>
+            <a:endParaRPr lang="en-US" dirty="0"/>
+          </a:p>
+        </p:txBody>
+      </p:sp>
+    </p:spTree>
+    <p:extLst>
+      <p:ext uri="{BB962C8B-B14F-4D97-AF65-F5344CB8AC3E}">
+        <p14:creationId xmlns:p14="http://schemas.microsoft.com/office/powerpoint/2010/main" val="3905818488"/>
+      </p:ext>
+    </p:extLst>
+  </p:cSld>
+  <p:clrMapOvr>
+    <a:masterClrMapping/>
+  </p:clrMapOvr>
+</p:notes>
+</file>
+
+<file path=ppt/notesSlides/notesSlide5.xml><?xml version="1.0" encoding="utf-8"?>
+<p:notes xmlns:a="http://schemas.openxmlformats.org/drawingml/2006/main" xmlns:r="http://schemas.openxmlformats.org/officeDocument/2006/relationships" xmlns:p="http://schemas.openxmlformats.org/presentationml/2006/main">
+  <p:cSld>
+    <p:spTree>
+      <p:nvGrpSpPr>
+        <p:cNvPr id="1" name=""/>
+        <p:cNvGrpSpPr/>
+        <p:nvPr/>
+      </p:nvGrpSpPr>
+      <p:grpSpPr>
+        <a:xfrm>
+          <a:off x="0" y="0"/>
+          <a:ext cx="0" cy="0"/>
+          <a:chOff x="0" y="0"/>
+          <a:chExt cx="0" cy="0"/>
+        </a:xfrm>
+      </p:grpSpPr>
+      <p:sp>
+        <p:nvSpPr>
+          <p:cNvPr id="2" name="Slide Image Placeholder 1"/>
+          <p:cNvSpPr>
+            <a:spLocks noGrp="1" noRot="1" noChangeAspect="1"/>
+          </p:cNvSpPr>
+          <p:nvPr>
+            <p:ph type="sldImg"/>
+          </p:nvPr>
+        </p:nvSpPr>
+        <p:spPr>
+          <a:xfrm>
+            <a:off x="381000" y="685800"/>
+            <a:ext cx="6096000" cy="3429000"/>
+          </a:xfrm>
+        </p:spPr>
+      </p:sp>
+      <p:sp>
+        <p:nvSpPr>
+          <p:cNvPr id="3" name="Notes Placeholder 2"/>
+          <p:cNvSpPr>
+            <a:spLocks noGrp="1"/>
+          </p:cNvSpPr>
+          <p:nvPr>
+            <p:ph type="body" idx="1"/>
+          </p:nvPr>
+        </p:nvSpPr>
+        <p:spPr/>
+        <p:txBody>
+          <a:bodyPr/>
+          <a:lstStyle/>
+          <a:p>
+            <a:endParaRPr lang="en-US" dirty="0"/>
+          </a:p>
+        </p:txBody>
+      </p:sp>
+    </p:spTree>
+    <p:extLst>
+      <p:ext uri="{BB962C8B-B14F-4D97-AF65-F5344CB8AC3E}">
+        <p14:creationId xmlns:p14="http://schemas.microsoft.com/office/powerpoint/2010/main" val="3905818488"/>
+      </p:ext>
+    </p:extLst>
+  </p:cSld>
+  <p:clrMapOvr>
+    <a:masterClrMapping/>
+  </p:clrMapOvr>
+</p:notes>
+</file>
+
+<file path=ppt/notesSlides/notesSlide6.xml><?xml version="1.0" encoding="utf-8"?>
+<p:notes xmlns:a="http://schemas.openxmlformats.org/drawingml/2006/main" xmlns:r="http://schemas.openxmlformats.org/officeDocument/2006/relationships" xmlns:p="http://schemas.openxmlformats.org/presentationml/2006/main">
+  <p:cSld>
+    <p:spTree>
+      <p:nvGrpSpPr>
+        <p:cNvPr id="1" name=""/>
+        <p:cNvGrpSpPr/>
+        <p:nvPr/>
+      </p:nvGrpSpPr>
+      <p:grpSpPr>
+        <a:xfrm>
+          <a:off x="0" y="0"/>
+          <a:ext cx="0" cy="0"/>
+          <a:chOff x="0" y="0"/>
+          <a:chExt cx="0" cy="0"/>
+        </a:xfrm>
+      </p:grpSpPr>
+      <p:sp>
+        <p:nvSpPr>
+          <p:cNvPr id="2" name="Slide Image Placeholder 1"/>
+          <p:cNvSpPr>
+            <a:spLocks noGrp="1" noRot="1" noChangeAspect="1"/>
+          </p:cNvSpPr>
+          <p:nvPr>
+            <p:ph type="sldImg"/>
+          </p:nvPr>
+        </p:nvSpPr>
+        <p:spPr>
+          <a:xfrm>
+            <a:off x="381000" y="685800"/>
+            <a:ext cx="6096000" cy="3429000"/>
+          </a:xfrm>
+        </p:spPr>
+      </p:sp>
+      <p:sp>
+        <p:nvSpPr>
+          <p:cNvPr id="3" name="Notes Placeholder 2"/>
+          <p:cNvSpPr>
+            <a:spLocks noGrp="1"/>
+          </p:cNvSpPr>
+          <p:nvPr>
+            <p:ph type="body" idx="1"/>
+          </p:nvPr>
+        </p:nvSpPr>
+        <p:spPr/>
+        <p:txBody>
+          <a:bodyPr/>
+          <a:lstStyle/>
+          <a:p>
+            <a:endParaRPr lang="en-US" dirty="0"/>
+          </a:p>
+        </p:txBody>
+      </p:sp>
+    </p:spTree>
+    <p:extLst>
+      <p:ext uri="{BB962C8B-B14F-4D97-AF65-F5344CB8AC3E}">
+        <p14:creationId xmlns:p14="http://schemas.microsoft.com/office/powerpoint/2010/main" val="1519830079"/>
+      </p:ext>
+    </p:extLst>
+  </p:cSld>
+  <p:clrMapOvr>
+    <a:masterClrMapping/>
+  </p:clrMapOvr>
+</p:notes>
+</file>
+
+<file path=ppt/notesSlides/notesSlide7.xml><?xml version="1.0" encoding="utf-8"?>
+<p:notes xmlns:a="http://schemas.openxmlformats.org/drawingml/2006/main" xmlns:r="http://schemas.openxmlformats.org/officeDocument/2006/relationships" xmlns:p="http://schemas.openxmlformats.org/presentationml/2006/main">
+  <p:cSld>
+    <p:spTree>
+      <p:nvGrpSpPr>
+        <p:cNvPr id="1" name=""/>
+        <p:cNvGrpSpPr/>
+        <p:nvPr/>
+      </p:nvGrpSpPr>
+      <p:grpSpPr>
+        <a:xfrm>
+          <a:off x="0" y="0"/>
+          <a:ext cx="0" cy="0"/>
+          <a:chOff x="0" y="0"/>
+          <a:chExt cx="0" cy="0"/>
+        </a:xfrm>
+      </p:grpSpPr>
+      <p:sp>
+        <p:nvSpPr>
+          <p:cNvPr id="2" name="Slide Image Placeholder 1"/>
+          <p:cNvSpPr>
+            <a:spLocks noGrp="1" noRot="1" noChangeAspect="1"/>
+          </p:cNvSpPr>
+          <p:nvPr>
+            <p:ph type="sldImg"/>
+          </p:nvPr>
+        </p:nvSpPr>
+        <p:spPr>
+          <a:xfrm>
+            <a:off x="381000" y="685800"/>
+            <a:ext cx="6096000" cy="3429000"/>
+          </a:xfrm>
+        </p:spPr>
+      </p:sp>
+      <p:sp>
+        <p:nvSpPr>
+          <p:cNvPr id="3" name="Notes Placeholder 2"/>
+          <p:cNvSpPr>
+            <a:spLocks noGrp="1"/>
+          </p:cNvSpPr>
+          <p:nvPr>
+            <p:ph type="body" idx="1"/>
+          </p:nvPr>
+        </p:nvSpPr>
+        <p:spPr/>
+        <p:txBody>
+          <a:bodyPr/>
+          <a:lstStyle/>
+          <a:p>
+            <a:endParaRPr lang="en-US" dirty="0"/>
+          </a:p>
+        </p:txBody>
+      </p:sp>
+    </p:spTree>
+    <p:extLst>
+      <p:ext uri="{BB962C8B-B14F-4D97-AF65-F5344CB8AC3E}">
+        <p14:creationId xmlns:p14="http://schemas.microsoft.com/office/powerpoint/2010/main" val="1519830079"/>
+      </p:ext>
+    </p:extLst>
+  </p:cSld>
+  <p:clrMapOvr>
+    <a:masterClrMapping/>
+  </p:clrMapOvr>
+</p:notes>
+</file>
+
+<file path=ppt/notesSlides/notesSlide8.xml><?xml version="1.0" encoding="utf-8"?>
+<p:notes xmlns:a="http://schemas.openxmlformats.org/drawingml/2006/main" xmlns:r="http://schemas.openxmlformats.org/officeDocument/2006/relationships" xmlns:p="http://schemas.openxmlformats.org/presentationml/2006/main">
+  <p:cSld>
+    <p:spTree>
+      <p:nvGrpSpPr>
+        <p:cNvPr id="1" name=""/>
+        <p:cNvGrpSpPr/>
+        <p:nvPr/>
+      </p:nvGrpSpPr>
+      <p:grpSpPr>
+        <a:xfrm>
+          <a:off x="0" y="0"/>
+          <a:ext cx="0" cy="0"/>
+          <a:chOff x="0" y="0"/>
+          <a:chExt cx="0" cy="0"/>
+        </a:xfrm>
+      </p:grpSpPr>
+      <p:sp>
+        <p:nvSpPr>
+          <p:cNvPr id="2" name="Slide Image Placeholder 1"/>
+          <p:cNvSpPr>
+            <a:spLocks noGrp="1" noRot="1" noChangeAspect="1"/>
+          </p:cNvSpPr>
+          <p:nvPr>
+            <p:ph type="sldImg"/>
+          </p:nvPr>
+        </p:nvSpPr>
+        <p:spPr>
+          <a:xfrm>
+            <a:off x="381000" y="685800"/>
+            <a:ext cx="6096000" cy="3429000"/>
+          </a:xfrm>
+        </p:spPr>
+      </p:sp>
+      <p:sp>
+        <p:nvSpPr>
+          <p:cNvPr id="3" name="Notes Placeholder 2"/>
+          <p:cNvSpPr>
+            <a:spLocks noGrp="1"/>
+          </p:cNvSpPr>
+          <p:nvPr>
+            <p:ph type="body" idx="1"/>
+          </p:nvPr>
+        </p:nvSpPr>
+        <p:spPr/>
+        <p:txBody>
+          <a:bodyPr/>
+          <a:lstStyle/>
+          <a:p>
+            <a:endParaRPr lang="en-US" dirty="0"/>
+          </a:p>
+        </p:txBody>
+      </p:sp>
+    </p:spTree>
+    <p:extLst>
+      <p:ext uri="{BB962C8B-B14F-4D97-AF65-F5344CB8AC3E}">
+        <p14:creationId xmlns:p14="http://schemas.microsoft.com/office/powerpoint/2010/main" val="1519830079"/>
+      </p:ext>
+    </p:extLst>
+  </p:cSld>
+  <p:clrMapOvr>
+    <a:masterClrMapping/>
+  </p:clrMapOvr>
+</p:notes>
+</file>
+
+<file path=ppt/notesSlides/notesSlide9.xml><?xml version="1.0" encoding="utf-8"?>
+<p:notes xmlns:a="http://schemas.openxmlformats.org/drawingml/2006/main" xmlns:r="http://schemas.openxmlformats.org/officeDocument/2006/relationships" xmlns:p="http://schemas.openxmlformats.org/presentationml/2006/main">
+  <p:cSld>
+    <p:spTree>
+      <p:nvGrpSpPr>
+        <p:cNvPr id="1" name=""/>
+        <p:cNvGrpSpPr/>
+        <p:nvPr/>
+      </p:nvGrpSpPr>
+      <p:grpSpPr>
+        <a:xfrm>
+          <a:off x="0" y="0"/>
+          <a:ext cx="0" cy="0"/>
+          <a:chOff x="0" y="0"/>
+          <a:chExt cx="0" cy="0"/>
+        </a:xfrm>
+      </p:grpSpPr>
+      <p:sp>
+        <p:nvSpPr>
+          <p:cNvPr id="2" name="Slide Image Placeholder 1"/>
+          <p:cNvSpPr>
+            <a:spLocks noGrp="1" noRot="1" noChangeAspect="1"/>
+          </p:cNvSpPr>
+          <p:nvPr>
+            <p:ph type="sldImg"/>
+          </p:nvPr>
+        </p:nvSpPr>
+        <p:spPr>
+          <a:xfrm>
+            <a:off x="381000" y="685800"/>
+            <a:ext cx="6096000" cy="3429000"/>
+          </a:xfrm>
+        </p:spPr>
+      </p:sp>
+      <p:sp>
+        <p:nvSpPr>
+          <p:cNvPr id="3" name="Notes Placeholder 2"/>
+          <p:cNvSpPr>
+            <a:spLocks noGrp="1"/>
+          </p:cNvSpPr>
+          <p:nvPr>
+            <p:ph type="body" idx="1"/>
+          </p:nvPr>
+        </p:nvSpPr>
+        <p:spPr/>
+        <p:txBody>
+          <a:bodyPr/>
+          <a:lstStyle/>
+          <a:p>
+            <a:endParaRPr lang="en-US" dirty="0"/>
+          </a:p>
+        </p:txBody>
+      </p:sp>
+    </p:spTree>
+    <p:extLst>
+      <p:ext uri="{BB962C8B-B14F-4D97-AF65-F5344CB8AC3E}">
+        <p14:creationId xmlns:p14="http://schemas.microsoft.com/office/powerpoint/2010/main" val="2355022924"/>
+      </p:ext>
+    </p:extLst>
+  </p:cSld>
+  <p:clrMapOvr>
+    <a:masterClrMapping/>
+  </p:clrMapOvr>
+</p:notes>
+</file>
+
 <file path=ppt/slideLayouts/slideLayout1.xml><?xml version="1.0" encoding="utf-8"?>
 <p:sldLayout xmlns:a="http://schemas.openxmlformats.org/drawingml/2006/main" xmlns:r="http://schemas.openxmlformats.org/officeDocument/2006/relationships" xmlns:p="http://schemas.openxmlformats.org/presentationml/2006/main" type="title">
   <p:cSld name="Title &amp; Subtitle">
@@ -565,6 +1160,10 @@
           </p:nvPr>
         </p:nvSpPr>
         <p:spPr>
+          <a:xfrm>
+            <a:off x="11959031" y="13081000"/>
+            <a:ext cx="453238" cy="469900"/>
+          </a:xfrm>
           <a:prstGeom prst="rect">
             <a:avLst/>
           </a:prstGeom>
@@ -590,7 +1189,7 @@
 </file>
 
 <file path=ppt/slideLayouts/slideLayout2.xml><?xml version="1.0" encoding="utf-8"?>
-<p:sldLayout xmlns:a="http://schemas.openxmlformats.org/drawingml/2006/main" xmlns:r="http://schemas.openxmlformats.org/officeDocument/2006/relationships" xmlns:p="http://schemas.openxmlformats.org/presentationml/2006/main" showMasterSp="0" type="tx">
+<p:sldLayout xmlns:a="http://schemas.openxmlformats.org/drawingml/2006/main" xmlns:r="http://schemas.openxmlformats.org/officeDocument/2006/relationships" xmlns:p="http://schemas.openxmlformats.org/presentationml/2006/main" type="tx">
   <p:cSld name="Title &amp; Subtitle copy">
     <p:spTree>
       <p:nvGrpSpPr>
@@ -617,6 +1216,10 @@
           </p:nvPr>
         </p:nvSpPr>
         <p:spPr>
+          <a:xfrm>
+            <a:off x="12134321" y="13081000"/>
+            <a:ext cx="102657" cy="471924"/>
+          </a:xfrm>
           <a:prstGeom prst="rect">
             <a:avLst/>
           </a:prstGeom>
@@ -625,10 +1228,7 @@
           <a:bodyPr/>
           <a:lstStyle/>
           <a:p>
-            <a:fld id="{86CB4B4D-7CA3-9044-876B-883B54F8677D}" type="slidenum">
-              <a:t>‹#›</a:t>
-            </a:fld>
-            <a:endParaRPr/>
+            <a:endParaRPr dirty="0"/>
           </a:p>
         </p:txBody>
       </p:sp>
@@ -646,8 +1246,10 @@
   <p:cSld>
     <p:bg>
       <p:bgPr>
-        <a:blipFill rotWithShape="1">
-          <a:blip r:embed="rId4"/>
+        <a:blipFill dpi="0" rotWithShape="1">
+          <a:blip r:embed="rId4">
+            <a:lum/>
+          </a:blip>
           <a:srcRect/>
           <a:stretch>
             <a:fillRect/>
@@ -670,78 +1272,6 @@
           <a:chExt cx="0" cy="0"/>
         </a:xfrm>
       </p:grpSpPr>
-      <p:pic>
-        <p:nvPicPr>
-          <p:cNvPr id="2" name="poly.png" descr="poly.png"/>
-          <p:cNvPicPr>
-            <a:picLocks noChangeAspect="1"/>
-          </p:cNvPicPr>
-          <p:nvPr/>
-        </p:nvPicPr>
-        <p:blipFill>
-          <a:blip r:embed="rId5">
-            <a:extLst/>
-          </a:blip>
-          <a:stretch>
-            <a:fillRect/>
-          </a:stretch>
-        </p:blipFill>
-        <p:spPr>
-          <a:xfrm>
-            <a:off x="8370272" y="6489253"/>
-            <a:ext cx="16542261" cy="7952348"/>
-          </a:xfrm>
-          <a:prstGeom prst="rect">
-            <a:avLst/>
-          </a:prstGeom>
-          <a:ln w="12700">
-            <a:miter lim="400000"/>
-          </a:ln>
-          <a:effectLst>
-            <a:outerShdw blurRad="63500" dist="67294" dir="5400000" rotWithShape="0">
-              <a:srgbClr val="000000">
-                <a:alpha val="21993"/>
-              </a:srgbClr>
-            </a:outerShdw>
-          </a:effectLst>
-        </p:spPr>
-      </p:pic>
-      <p:pic>
-        <p:nvPicPr>
-          <p:cNvPr id="3" name="clark-logo.png" descr="clark-logo.png"/>
-          <p:cNvPicPr>
-            <a:picLocks noChangeAspect="1"/>
-          </p:cNvPicPr>
-          <p:nvPr/>
-        </p:nvPicPr>
-        <p:blipFill>
-          <a:blip r:embed="rId6">
-            <a:extLst/>
-          </a:blip>
-          <a:stretch>
-            <a:fillRect/>
-          </a:stretch>
-        </p:blipFill>
-        <p:spPr>
-          <a:xfrm>
-            <a:off x="20730826" y="11831917"/>
-            <a:ext cx="3514892" cy="1590489"/>
-          </a:xfrm>
-          <a:prstGeom prst="rect">
-            <a:avLst/>
-          </a:prstGeom>
-          <a:ln w="12700">
-            <a:miter lim="400000"/>
-          </a:ln>
-          <a:effectLst>
-            <a:outerShdw blurRad="63500" dist="67294" dir="5400000" rotWithShape="0">
-              <a:srgbClr val="000000">
-                <a:alpha val="21993"/>
-              </a:srgbClr>
-            </a:outerShdw>
-          </a:effectLst>
-        </p:spPr>
-      </p:pic>
       <p:sp>
         <p:nvSpPr>
           <p:cNvPr id="4" name="Title Text"/>
@@ -765,7 +1295,7 @@
           </a:ln>
           <a:extLst>
             <a:ext uri="{C572A759-6A51-4108-AA02-DFA0A04FC94B}">
-              <ma14:wrappingTextBoxFlag xmlns:ma14="http://schemas.microsoft.com/office/mac/drawingml/2011/main" val="1"/>
+              <ma14:wrappingTextBoxFlag xmlns="" xmlns:ma14="http://schemas.microsoft.com/office/mac/drawingml/2011/main" val="1"/>
             </a:ext>
           </a:extLst>
         </p:spPr>
@@ -775,9 +1305,7 @@
           </a:bodyPr>
           <a:lstStyle/>
           <a:p>
-            <a:r>
-              <a:t>Title Text</a:t>
-            </a:r>
+            <a:endParaRPr dirty="0"/>
           </a:p>
         </p:txBody>
       </p:sp>
@@ -804,7 +1332,7 @@
           </a:ln>
           <a:extLst>
             <a:ext uri="{C572A759-6A51-4108-AA02-DFA0A04FC94B}">
-              <ma14:wrappingTextBoxFlag xmlns:ma14="http://schemas.microsoft.com/office/mac/drawingml/2011/main" val="1"/>
+              <ma14:wrappingTextBoxFlag xmlns="" xmlns:ma14="http://schemas.microsoft.com/office/mac/drawingml/2011/main" val="1"/>
             </a:ext>
           </a:extLst>
         </p:spPr>
@@ -814,72 +1342,7 @@
           </a:bodyPr>
           <a:lstStyle/>
           <a:p>
-            <a:r>
-              <a:t>Body Level One</a:t>
-            </a:r>
-          </a:p>
-          <a:p>
-            <a:pPr lvl="1"/>
-            <a:r>
-              <a:t>Body Level Two</a:t>
-            </a:r>
-          </a:p>
-          <a:p>
-            <a:pPr lvl="2"/>
-            <a:r>
-              <a:t>Body Level Three</a:t>
-            </a:r>
-          </a:p>
-          <a:p>
-            <a:pPr lvl="3"/>
-            <a:r>
-              <a:t>Body Level Four</a:t>
-            </a:r>
-          </a:p>
-          <a:p>
-            <a:pPr lvl="4"/>
-            <a:r>
-              <a:t>Body Level Five</a:t>
-            </a:r>
-          </a:p>
-        </p:txBody>
-      </p:sp>
-      <p:sp>
-        <p:nvSpPr>
-          <p:cNvPr id="6" name="Slide Number"/>
-          <p:cNvSpPr txBox="1">
-            <a:spLocks noGrp="1"/>
-          </p:cNvSpPr>
-          <p:nvPr>
-            <p:ph type="sldNum" sz="quarter" idx="2"/>
-          </p:nvPr>
-        </p:nvSpPr>
-        <p:spPr>
-          <a:xfrm>
-            <a:off x="11959031" y="13081000"/>
-            <a:ext cx="453238" cy="469900"/>
-          </a:xfrm>
-          <a:prstGeom prst="rect">
-            <a:avLst/>
-          </a:prstGeom>
-          <a:ln w="12700">
-            <a:miter lim="400000"/>
-          </a:ln>
-        </p:spPr>
-        <p:txBody>
-          <a:bodyPr wrap="none" lIns="50800" tIns="50800" rIns="50800" bIns="50800">
-            <a:spAutoFit/>
-          </a:bodyPr>
-          <a:lstStyle>
-            <a:lvl1pPr>
-              <a:defRPr sz="2400"/>
-            </a:lvl1pPr>
-          </a:lstStyle>
-          <a:p>
-            <a:fld id="{86CB4B4D-7CA3-9044-876B-883B54F8677D}" type="slidenum">
-              <a:t>‹#›</a:t>
-            </a:fld>
-            <a:endParaRPr/>
+            <a:endParaRPr dirty="0"/>
           </a:p>
         </p:txBody>
       </p:sp>
@@ -1688,6 +2151,20 @@
 <file path=ppt/slides/slide1.xml><?xml version="1.0" encoding="utf-8"?>
 <p:sld xmlns:a="http://schemas.openxmlformats.org/drawingml/2006/main" xmlns:r="http://schemas.openxmlformats.org/officeDocument/2006/relationships" xmlns:p="http://schemas.openxmlformats.org/presentationml/2006/main">
   <p:cSld>
+    <p:bg>
+      <p:bgPr>
+        <a:blipFill dpi="0" rotWithShape="1">
+          <a:blip r:embed="rId3">
+            <a:lum/>
+          </a:blip>
+          <a:srcRect/>
+          <a:stretch>
+            <a:fillRect/>
+          </a:stretch>
+        </a:blipFill>
+        <a:effectLst/>
+      </p:bgPr>
+    </p:bg>
     <p:spTree>
       <p:nvGrpSpPr>
         <p:cNvPr id="1" name=""/>
@@ -1710,8 +2187,8 @@
         </p:nvSpPr>
         <p:spPr>
           <a:xfrm>
-            <a:off x="2708688" y="4967364"/>
-            <a:ext cx="18536312" cy="3469641"/>
+            <a:off x="2708688" y="5351045"/>
+            <a:ext cx="18536312" cy="2702278"/>
           </a:xfrm>
           <a:prstGeom prst="rect">
             <a:avLst/>
@@ -1721,7 +2198,7 @@
           </a:ln>
           <a:extLst>
             <a:ext uri="{C572A759-6A51-4108-AA02-DFA0A04FC94B}">
-              <ma14:wrappingTextBoxFlag xmlns:ma14="http://schemas.microsoft.com/office/mac/drawingml/2011/main" val="1"/>
+              <ma14:wrappingTextBoxFlag xmlns="" xmlns:ma14="http://schemas.microsoft.com/office/mac/drawingml/2011/main" val="1"/>
             </a:ext>
           </a:extLst>
         </p:spPr>
@@ -1745,16 +2222,49 @@
                 <a:sym typeface="Proxima Nova Bold"/>
               </a:defRPr>
             </a:pPr>
-            <a:r>
-              <a:t>Unit Testing </a:t>
-            </a:r>
-          </a:p>
-          <a:p>
-            <a:pPr algn="l" defTabSz="457200">
+            <a:endParaRPr dirty="0"/>
+          </a:p>
+        </p:txBody>
+      </p:sp>
+      <p:sp>
+        <p:nvSpPr>
+          <p:cNvPr id="11" name="A LITTLE ABOUT ME">
+            <a:extLst>
+              <a:ext uri="{FF2B5EF4-FFF2-40B4-BE49-F238E27FC236}">
+                <a16:creationId xmlns="" xmlns:a16="http://schemas.microsoft.com/office/drawing/2014/main" id="{97FB3DD2-2666-0F46-8F31-3754586F5D5B}"/>
+              </a:ext>
+            </a:extLst>
+          </p:cNvPr>
+          <p:cNvSpPr txBox="1"/>
+          <p:nvPr/>
+        </p:nvSpPr>
+        <p:spPr>
+          <a:xfrm>
+            <a:off x="2344686" y="4009575"/>
+            <a:ext cx="21408932" cy="3092193"/>
+          </a:xfrm>
+          <a:prstGeom prst="rect">
+            <a:avLst/>
+          </a:prstGeom>
+          <a:ln w="12700">
+            <a:miter lim="400000"/>
+          </a:ln>
+          <a:extLst>
+            <a:ext uri="{C572A759-6A51-4108-AA02-DFA0A04FC94B}">
+              <ma14:wrappingTextBoxFlag xmlns="" xmlns:ma14="http://schemas.microsoft.com/office/mac/drawingml/2011/main" val="1"/>
+            </a:ext>
+          </a:extLst>
+        </p:spPr>
+        <p:txBody>
+          <a:bodyPr wrap="square" lIns="50800" tIns="50800" rIns="50800" bIns="50800" anchor="ctr">
+            <a:spAutoFit/>
+          </a:bodyPr>
+          <a:lstStyle>
+            <a:lvl1pPr algn="l" defTabSz="457200">
               <a:lnSpc>
                 <a:spcPct val="80000"/>
               </a:lnSpc>
-              <a:defRPr sz="5800">
+              <a:defRPr sz="6000">
                 <a:solidFill>
                   <a:srgbClr val="313836"/>
                 </a:solidFill>
@@ -1763,19 +2273,94 @@
                 <a:cs typeface="Proxima Nova Bold"/>
                 <a:sym typeface="Proxima Nova Bold"/>
               </a:defRPr>
-            </a:pPr>
-            <a:r>
-              <a:t> with Dependency Injection and Moq</a:t>
-            </a:r>
+            </a:lvl1pPr>
+          </a:lstStyle>
+          <a:p>
+            <a:endParaRPr lang="en-US" sz="23000" spc="-300" dirty="0">
+              <a:solidFill>
+                <a:schemeClr val="tx1"/>
+              </a:solidFill>
+            </a:endParaRPr>
+          </a:p>
+        </p:txBody>
+      </p:sp>
+      <p:sp>
+        <p:nvSpPr>
+          <p:cNvPr id="12" name="A LITTLE ABOUT ME">
+            <a:extLst>
+              <a:ext uri="{FF2B5EF4-FFF2-40B4-BE49-F238E27FC236}">
+                <a16:creationId xmlns="" xmlns:a16="http://schemas.microsoft.com/office/drawing/2014/main" id="{B68D60C2-F09F-2747-AF01-79E5E8404867}"/>
+              </a:ext>
+            </a:extLst>
+          </p:cNvPr>
+          <p:cNvSpPr txBox="1"/>
+          <p:nvPr/>
+        </p:nvSpPr>
+        <p:spPr>
+          <a:xfrm>
+            <a:off x="2704905" y="6595539"/>
+            <a:ext cx="21408932" cy="1012457"/>
+          </a:xfrm>
+          <a:prstGeom prst="rect">
+            <a:avLst/>
+          </a:prstGeom>
+          <a:ln w="12700">
+            <a:miter lim="400000"/>
+          </a:ln>
+          <a:extLst>
+            <a:ext uri="{C572A759-6A51-4108-AA02-DFA0A04FC94B}">
+              <ma14:wrappingTextBoxFlag xmlns="" xmlns:ma14="http://schemas.microsoft.com/office/mac/drawingml/2011/main" val="1"/>
+            </a:ext>
+          </a:extLst>
+        </p:spPr>
+        <p:txBody>
+          <a:bodyPr wrap="square" lIns="50800" tIns="50800" rIns="50800" bIns="50800" anchor="ctr">
+            <a:spAutoFit/>
+          </a:bodyPr>
+          <a:lstStyle>
+            <a:lvl1pPr algn="l" defTabSz="457200">
+              <a:lnSpc>
+                <a:spcPct val="80000"/>
+              </a:lnSpc>
+              <a:defRPr sz="6000">
+                <a:solidFill>
+                  <a:srgbClr val="313836"/>
+                </a:solidFill>
+                <a:latin typeface="Proxima Nova Bold"/>
+                <a:ea typeface="Proxima Nova Bold"/>
+                <a:cs typeface="Proxima Nova Bold"/>
+                <a:sym typeface="Proxima Nova Bold"/>
+              </a:defRPr>
+            </a:lvl1pPr>
+          </a:lstStyle>
+          <a:p>
+            <a:endParaRPr lang="en-US" sz="7000" b="1" spc="-300" dirty="0">
+              <a:solidFill>
+                <a:schemeClr val="tx1"/>
+              </a:solidFill>
+              <a:latin typeface="Proxima Nova Semibold" panose="02000506030000020004" pitchFamily="2" charset="0"/>
+            </a:endParaRPr>
           </a:p>
         </p:txBody>
       </p:sp>
     </p:spTree>
+    <p:extLst>
+      <p:ext uri="{BB962C8B-B14F-4D97-AF65-F5344CB8AC3E}">
+        <p14:creationId xmlns:p14="http://schemas.microsoft.com/office/powerpoint/2010/main" val="1967113139"/>
+      </p:ext>
+    </p:extLst>
   </p:cSld>
   <p:clrMapOvr>
     <a:masterClrMapping/>
   </p:clrMapOvr>
   <p:transition spd="med"/>
+  <p:timing>
+    <p:tnLst>
+      <p:par>
+        <p:cTn id="1" dur="indefinite" restart="never" nodeType="tmRoot"/>
+      </p:par>
+    </p:tnLst>
+  </p:timing>
 </p:sld>
 </file>
 
@@ -1798,14 +2383,14 @@
       </p:grpSpPr>
       <p:sp>
         <p:nvSpPr>
-          <p:cNvPr id="62" name="But How Do We Unit Test with DI?"/>
+          <p:cNvPr id="50" name="Benefits of Dependency Injection"/>
           <p:cNvSpPr txBox="1"/>
           <p:nvPr/>
         </p:nvSpPr>
         <p:spPr>
           <a:xfrm>
-            <a:off x="2727898" y="4080061"/>
-            <a:ext cx="18536312" cy="876301"/>
+            <a:off x="1874432" y="4650084"/>
+            <a:ext cx="20547233" cy="3864648"/>
           </a:xfrm>
           <a:prstGeom prst="rect">
             <a:avLst/>
@@ -1815,7 +2400,91 @@
           </a:ln>
           <a:extLst>
             <a:ext uri="{C572A759-6A51-4108-AA02-DFA0A04FC94B}">
-              <ma14:wrappingTextBoxFlag xmlns:ma14="http://schemas.microsoft.com/office/mac/drawingml/2011/main" val="1"/>
+              <ma14:wrappingTextBoxFlag xmlns="" xmlns:ma14="http://schemas.microsoft.com/office/mac/drawingml/2011/main" val="1"/>
+            </a:ext>
+          </a:extLst>
+        </p:spPr>
+        <p:txBody>
+          <a:bodyPr wrap="square" lIns="50800" tIns="50800" rIns="50800" bIns="50800" anchor="ctr">
+            <a:spAutoFit/>
+          </a:bodyPr>
+          <a:lstStyle>
+            <a:lvl1pPr algn="l" defTabSz="457200">
+              <a:lnSpc>
+                <a:spcPct val="80000"/>
+              </a:lnSpc>
+              <a:defRPr sz="10000">
+                <a:solidFill>
+                  <a:srgbClr val="313836"/>
+                </a:solidFill>
+                <a:latin typeface="Proxima Nova Bold"/>
+                <a:ea typeface="Proxima Nova Bold"/>
+                <a:cs typeface="Proxima Nova Bold"/>
+                <a:sym typeface="Proxima Nova Bold"/>
+              </a:defRPr>
+            </a:lvl1pPr>
+          </a:lstStyle>
+          <a:p>
+            <a:pPr algn="ctr"/>
+            <a:r>
+              <a:rPr lang="en-US" dirty="0">
+                <a:solidFill>
+                  <a:schemeClr val="tx1"/>
+                </a:solidFill>
+              </a:rPr>
+              <a:t>How do we ensure we</a:t>
+            </a:r>
+          </a:p>
+          <a:p>
+            <a:pPr algn="ctr"/>
+            <a:r>
+              <a:rPr lang="en-US" dirty="0">
+                <a:solidFill>
+                  <a:schemeClr val="tx1"/>
+                </a:solidFill>
+              </a:rPr>
+              <a:t>are covering all possible</a:t>
+            </a:r>
+          </a:p>
+          <a:p>
+            <a:pPr algn="ctr"/>
+            <a:r>
+              <a:rPr lang="en-US" dirty="0">
+                <a:solidFill>
+                  <a:schemeClr val="tx1"/>
+                </a:solidFill>
+              </a:rPr>
+              <a:t>execution paths in the code?</a:t>
+            </a:r>
+          </a:p>
+        </p:txBody>
+      </p:sp>
+      <p:sp>
+        <p:nvSpPr>
+          <p:cNvPr id="4" name="Benefits of Dependency Injection">
+            <a:extLst>
+              <a:ext uri="{FF2B5EF4-FFF2-40B4-BE49-F238E27FC236}">
+                <a16:creationId xmlns="" xmlns:a16="http://schemas.microsoft.com/office/drawing/2014/main" id="{8EA67313-1D79-EE49-8B15-9D7C9D51D360}"/>
+              </a:ext>
+            </a:extLst>
+          </p:cNvPr>
+          <p:cNvSpPr txBox="1"/>
+          <p:nvPr/>
+        </p:nvSpPr>
+        <p:spPr>
+          <a:xfrm>
+            <a:off x="1874432" y="3163704"/>
+            <a:ext cx="20547233" cy="841256"/>
+          </a:xfrm>
+          <a:prstGeom prst="rect">
+            <a:avLst/>
+          </a:prstGeom>
+          <a:ln w="12700">
+            <a:miter lim="400000"/>
+          </a:ln>
+          <a:extLst>
+            <a:ext uri="{C572A759-6A51-4108-AA02-DFA0A04FC94B}">
+              <ma14:wrappingTextBoxFlag xmlns="" xmlns:ma14="http://schemas.microsoft.com/office/mac/drawingml/2011/main" val="1"/>
             </a:ext>
           </a:extLst>
         </p:spPr>
@@ -1828,7 +2497,7 @@
               <a:lnSpc>
                 <a:spcPct val="80000"/>
               </a:lnSpc>
-              <a:defRPr cap="all">
+              <a:defRPr sz="10000">
                 <a:solidFill>
                   <a:srgbClr val="313836"/>
                 </a:solidFill>
@@ -1840,68 +2509,43 @@
             </a:lvl1pPr>
           </a:lstStyle>
           <a:p>
-            <a:r>
-              <a:t>But How Do We Unit Test with DI? </a:t>
-            </a:r>
-          </a:p>
-        </p:txBody>
-      </p:sp>
-      <p:sp>
-        <p:nvSpPr>
-          <p:cNvPr id="63" name="How do we ensure we are covering all possible execution paths in the code?"/>
-          <p:cNvSpPr txBox="1"/>
-          <p:nvPr/>
-        </p:nvSpPr>
-        <p:spPr>
-          <a:xfrm>
-            <a:off x="2779635" y="5021174"/>
-            <a:ext cx="18079072" cy="4439921"/>
-          </a:xfrm>
-          <a:prstGeom prst="rect">
-            <a:avLst/>
-          </a:prstGeom>
-          <a:ln w="12700">
-            <a:miter lim="400000"/>
-          </a:ln>
-          <a:extLst>
-            <a:ext uri="{C572A759-6A51-4108-AA02-DFA0A04FC94B}">
-              <ma14:wrappingTextBoxFlag xmlns:ma14="http://schemas.microsoft.com/office/mac/drawingml/2011/main" val="1"/>
-            </a:ext>
-          </a:extLst>
-        </p:spPr>
-        <p:txBody>
-          <a:bodyPr lIns="50800" tIns="50800" rIns="50800" bIns="50800" anchor="ctr">
-            <a:spAutoFit/>
-          </a:bodyPr>
-          <a:lstStyle>
-            <a:lvl1pPr algn="l" defTabSz="457200">
-              <a:lnSpc>
-                <a:spcPct val="90000"/>
-              </a:lnSpc>
-              <a:defRPr sz="10000">
-                <a:solidFill>
-                  <a:srgbClr val="313836"/>
-                </a:solidFill>
-                <a:latin typeface="Proxima Nova Regular"/>
-                <a:ea typeface="Proxima Nova Regular"/>
-                <a:cs typeface="Proxima Nova Regular"/>
-                <a:sym typeface="Proxima Nova Regular"/>
-              </a:defRPr>
-            </a:lvl1pPr>
-          </a:lstStyle>
-          <a:p>
-            <a:r>
-              <a:t>How do we ensure we are covering all possible execution paths in the code?</a:t>
-            </a:r>
+            <a:pPr algn="ctr"/>
+            <a:r>
+              <a:rPr lang="en-US" sz="6000" spc="600" dirty="0">
+                <a:solidFill>
+                  <a:schemeClr val="tx1"/>
+                </a:solidFill>
+                <a:latin typeface="Proxima Nova Light" panose="02000506030000020004" pitchFamily="2" charset="0"/>
+              </a:rPr>
+              <a:t>BUT HOW DO WE UNIT TEST WITH DI?</a:t>
+            </a:r>
+            <a:endParaRPr sz="6000" spc="600" dirty="0">
+              <a:solidFill>
+                <a:schemeClr val="tx1"/>
+              </a:solidFill>
+              <a:latin typeface="Proxima Nova Light" panose="02000506030000020004" pitchFamily="2" charset="0"/>
+            </a:endParaRPr>
           </a:p>
         </p:txBody>
       </p:sp>
     </p:spTree>
+    <p:extLst>
+      <p:ext uri="{BB962C8B-B14F-4D97-AF65-F5344CB8AC3E}">
+        <p14:creationId xmlns:p14="http://schemas.microsoft.com/office/powerpoint/2010/main" val="2243889300"/>
+      </p:ext>
+    </p:extLst>
   </p:cSld>
   <p:clrMapOvr>
     <a:masterClrMapping/>
   </p:clrMapOvr>
   <p:transition spd="med"/>
+  <p:timing>
+    <p:tnLst>
+      <p:par>
+        <p:cTn id="1" dur="indefinite" restart="never" nodeType="tmRoot"/>
+      </p:par>
+    </p:tnLst>
+  </p:timing>
 </p:sld>
 </file>
 
@@ -1930,8 +2574,8 @@
         </p:nvSpPr>
         <p:spPr>
           <a:xfrm>
-            <a:off x="780119" y="4038760"/>
-            <a:ext cx="22823763" cy="2120901"/>
+            <a:off x="780119" y="3980995"/>
+            <a:ext cx="22823763" cy="1703030"/>
           </a:xfrm>
           <a:prstGeom prst="rect">
             <a:avLst/>
@@ -1941,7 +2585,7 @@
           </a:ln>
           <a:extLst>
             <a:ext uri="{C572A759-6A51-4108-AA02-DFA0A04FC94B}">
-              <ma14:wrappingTextBoxFlag xmlns:ma14="http://schemas.microsoft.com/office/mac/drawingml/2011/main" val="1"/>
+              <ma14:wrappingTextBoxFlag xmlns="" xmlns:ma14="http://schemas.microsoft.com/office/mac/drawingml/2011/main" val="1"/>
             </a:ext>
           </a:extLst>
         </p:spPr>
@@ -1967,7 +2611,52 @@
           </a:lstStyle>
           <a:p>
             <a:r>
-              <a:t>AutoMock = Autofac + Moq </a:t>
+              <a:rPr sz="12000" dirty="0" err="1">
+                <a:solidFill>
+                  <a:schemeClr val="tx1"/>
+                </a:solidFill>
+              </a:rPr>
+              <a:t>AutoMock</a:t>
+            </a:r>
+            <a:r>
+              <a:rPr sz="12000" dirty="0">
+                <a:solidFill>
+                  <a:schemeClr val="tx1"/>
+                </a:solidFill>
+              </a:rPr>
+              <a:t> = </a:t>
+            </a:r>
+            <a:r>
+              <a:rPr sz="12000" dirty="0" err="1">
+                <a:solidFill>
+                  <a:schemeClr val="tx1"/>
+                </a:solidFill>
+              </a:rPr>
+              <a:t>Autofac</a:t>
+            </a:r>
+            <a:r>
+              <a:rPr sz="12000" dirty="0">
+                <a:solidFill>
+                  <a:schemeClr val="tx1"/>
+                </a:solidFill>
+              </a:rPr>
+              <a:t> + </a:t>
+            </a:r>
+            <a:r>
+              <a:rPr sz="12000" dirty="0" err="1">
+                <a:solidFill>
+                  <a:schemeClr val="tx1"/>
+                </a:solidFill>
+              </a:rPr>
+              <a:t>Moq</a:t>
+            </a:r>
+            <a:r>
+              <a:rPr sz="12000" dirty="0">
+                <a:solidFill>
+                  <a:schemeClr val="tx1"/>
+                </a:solidFill>
+              </a:rPr>
+              <a:t> </a:t>
             </a:r>
           </a:p>
         </p:txBody>
@@ -1980,8 +2669,8 @@
         </p:nvSpPr>
         <p:spPr>
           <a:xfrm>
-            <a:off x="1960005" y="7860408"/>
-            <a:ext cx="20463989" cy="2270761"/>
+            <a:off x="1960005" y="7523630"/>
+            <a:ext cx="20463989" cy="2410916"/>
           </a:xfrm>
           <a:prstGeom prst="rect">
             <a:avLst/>
@@ -1991,7 +2680,7 @@
           </a:ln>
           <a:extLst>
             <a:ext uri="{C572A759-6A51-4108-AA02-DFA0A04FC94B}">
-              <ma14:wrappingTextBoxFlag xmlns:ma14="http://schemas.microsoft.com/office/mac/drawingml/2011/main" val="1"/>
+              <ma14:wrappingTextBoxFlag xmlns="" xmlns:ma14="http://schemas.microsoft.com/office/mac/drawingml/2011/main" val="1"/>
             </a:ext>
           </a:extLst>
         </p:spPr>
@@ -2002,9 +2691,6 @@
           <a:lstStyle/>
           <a:p>
             <a:pPr defTabSz="457200">
-              <a:lnSpc>
-                <a:spcPct val="90000"/>
-              </a:lnSpc>
               <a:defRPr>
                 <a:solidFill>
                   <a:srgbClr val="313836"/>
@@ -2016,14 +2702,16 @@
               </a:defRPr>
             </a:pPr>
             <a:r>
+              <a:rPr dirty="0">
+                <a:solidFill>
+                  <a:schemeClr val="tx1"/>
+                </a:solidFill>
+              </a:rPr>
               <a:t>Includes as dependencies:</a:t>
             </a:r>
           </a:p>
           <a:p>
             <a:pPr defTabSz="457200">
-              <a:lnSpc>
-                <a:spcPct val="90000"/>
-              </a:lnSpc>
               <a:defRPr>
                 <a:solidFill>
                   <a:srgbClr val="313836"/>
@@ -2035,23 +2723,40 @@
               </a:defRPr>
             </a:pPr>
             <a:r>
-              <a:rPr>
+              <a:rPr dirty="0" err="1">
+                <a:solidFill>
+                  <a:schemeClr val="tx1"/>
+                </a:solidFill>
                 <a:latin typeface="Proxima Nova Bold"/>
                 <a:ea typeface="Proxima Nova Bold"/>
                 <a:cs typeface="Proxima Nova Bold"/>
                 <a:sym typeface="Proxima Nova Bold"/>
               </a:rPr>
-              <a:t>Autofac:</a:t>
-            </a:r>
-            <a:r>
+              <a:t>Autofac</a:t>
+            </a:r>
+            <a:r>
+              <a:rPr dirty="0">
+                <a:solidFill>
+                  <a:schemeClr val="tx1"/>
+                </a:solidFill>
+                <a:latin typeface="Proxima Nova Bold"/>
+                <a:ea typeface="Proxima Nova Bold"/>
+                <a:cs typeface="Proxima Nova Bold"/>
+                <a:sym typeface="Proxima Nova Bold"/>
+              </a:rPr>
+              <a:t>:</a:t>
+            </a:r>
+            <a:r>
+              <a:rPr dirty="0">
+                <a:solidFill>
+                  <a:schemeClr val="tx1"/>
+                </a:solidFill>
+              </a:rPr>
               <a:t> DI framework for .NET</a:t>
             </a:r>
           </a:p>
           <a:p>
             <a:pPr defTabSz="457200">
-              <a:lnSpc>
-                <a:spcPct val="90000"/>
-              </a:lnSpc>
               <a:defRPr>
                 <a:solidFill>
                   <a:srgbClr val="313836"/>
@@ -2063,15 +2768,35 @@
               </a:defRPr>
             </a:pPr>
             <a:r>
-              <a:rPr>
+              <a:rPr dirty="0" err="1">
+                <a:solidFill>
+                  <a:schemeClr val="tx1"/>
+                </a:solidFill>
                 <a:latin typeface="Proxima Nova Bold"/>
                 <a:ea typeface="Proxima Nova Bold"/>
                 <a:cs typeface="Proxima Nova Bold"/>
                 <a:sym typeface="Proxima Nova Bold"/>
               </a:rPr>
-              <a:t>Moq:</a:t>
-            </a:r>
-            <a:r>
+              <a:t>Moq</a:t>
+            </a:r>
+            <a:r>
+              <a:rPr dirty="0">
+                <a:solidFill>
+                  <a:schemeClr val="tx1"/>
+                </a:solidFill>
+                <a:latin typeface="Proxima Nova Bold"/>
+                <a:ea typeface="Proxima Nova Bold"/>
+                <a:cs typeface="Proxima Nova Bold"/>
+                <a:sym typeface="Proxima Nova Bold"/>
+              </a:rPr>
+              <a:t>:</a:t>
+            </a:r>
+            <a:r>
+              <a:rPr dirty="0">
+                <a:solidFill>
+                  <a:schemeClr val="tx1"/>
+                </a:solidFill>
+              </a:rPr>
               <a:t> Unit Testing framework for .NET</a:t>
             </a:r>
           </a:p>
@@ -2085,8 +2810,8 @@
         </p:nvSpPr>
         <p:spPr>
           <a:xfrm>
-            <a:off x="1960005" y="5969693"/>
-            <a:ext cx="20463989" cy="1181101"/>
+            <a:off x="1960005" y="5757499"/>
+            <a:ext cx="20463989" cy="1072088"/>
           </a:xfrm>
           <a:prstGeom prst="rect">
             <a:avLst/>
@@ -2096,7 +2821,7 @@
           </a:ln>
           <a:extLst>
             <a:ext uri="{C572A759-6A51-4108-AA02-DFA0A04FC94B}">
-              <ma14:wrappingTextBoxFlag xmlns:ma14="http://schemas.microsoft.com/office/mac/drawingml/2011/main" val="1"/>
+              <ma14:wrappingTextBoxFlag xmlns="" xmlns:ma14="http://schemas.microsoft.com/office/mac/drawingml/2011/main" val="1"/>
             </a:ext>
           </a:extLst>
         </p:spPr>
@@ -2122,17 +2847,47 @@
           </a:lstStyle>
           <a:p>
             <a:r>
-              <a:t>Available for download via NuGet</a:t>
-            </a:r>
+              <a:rPr dirty="0">
+                <a:solidFill>
+                  <a:schemeClr val="tx1"/>
+                </a:solidFill>
+              </a:rPr>
+              <a:t>Available for download via </a:t>
+            </a:r>
+            <a:r>
+              <a:rPr dirty="0" err="1">
+                <a:solidFill>
+                  <a:schemeClr val="tx1"/>
+                </a:solidFill>
+              </a:rPr>
+              <a:t>NuGet</a:t>
+            </a:r>
+            <a:endParaRPr dirty="0">
+              <a:solidFill>
+                <a:schemeClr val="tx1"/>
+              </a:solidFill>
+            </a:endParaRPr>
           </a:p>
         </p:txBody>
       </p:sp>
     </p:spTree>
+    <p:extLst>
+      <p:ext uri="{BB962C8B-B14F-4D97-AF65-F5344CB8AC3E}">
+        <p14:creationId xmlns:p14="http://schemas.microsoft.com/office/powerpoint/2010/main" val="3202995346"/>
+      </p:ext>
+    </p:extLst>
   </p:cSld>
   <p:clrMapOvr>
     <a:masterClrMapping/>
   </p:clrMapOvr>
   <p:transition spd="med"/>
+  <p:timing>
+    <p:tnLst>
+      <p:par>
+        <p:cTn id="1" dur="indefinite" restart="never" nodeType="tmRoot"/>
+      </p:par>
+    </p:tnLst>
+  </p:timing>
 </p:sld>
 </file>
 
@@ -2161,8 +2916,8 @@
         </p:nvSpPr>
         <p:spPr>
           <a:xfrm>
-            <a:off x="780119" y="4673760"/>
-            <a:ext cx="22823763" cy="2120901"/>
+            <a:off x="780119" y="4220350"/>
+            <a:ext cx="22823763" cy="1579920"/>
           </a:xfrm>
           <a:prstGeom prst="rect">
             <a:avLst/>
@@ -2172,7 +2927,7 @@
           </a:ln>
           <a:extLst>
             <a:ext uri="{C572A759-6A51-4108-AA02-DFA0A04FC94B}">
-              <ma14:wrappingTextBoxFlag xmlns:ma14="http://schemas.microsoft.com/office/mac/drawingml/2011/main" val="1"/>
+              <ma14:wrappingTextBoxFlag xmlns="" xmlns:ma14="http://schemas.microsoft.com/office/mac/drawingml/2011/main" val="1"/>
             </a:ext>
           </a:extLst>
         </p:spPr>
@@ -2198,7 +2953,52 @@
           </a:lstStyle>
           <a:p>
             <a:r>
-              <a:t>AutoMock = Autofac + Moq </a:t>
+              <a:rPr sz="12000" dirty="0" err="1">
+                <a:solidFill>
+                  <a:schemeClr val="tx1"/>
+                </a:solidFill>
+              </a:rPr>
+              <a:t>AutoMock</a:t>
+            </a:r>
+            <a:r>
+              <a:rPr sz="12000" dirty="0">
+                <a:solidFill>
+                  <a:schemeClr val="tx1"/>
+                </a:solidFill>
+              </a:rPr>
+              <a:t> = </a:t>
+            </a:r>
+            <a:r>
+              <a:rPr sz="12000" dirty="0" err="1">
+                <a:solidFill>
+                  <a:schemeClr val="tx1"/>
+                </a:solidFill>
+              </a:rPr>
+              <a:t>Autofac</a:t>
+            </a:r>
+            <a:r>
+              <a:rPr sz="12000" dirty="0">
+                <a:solidFill>
+                  <a:schemeClr val="tx1"/>
+                </a:solidFill>
+              </a:rPr>
+              <a:t> + </a:t>
+            </a:r>
+            <a:r>
+              <a:rPr sz="12000" dirty="0" err="1">
+                <a:solidFill>
+                  <a:schemeClr val="tx1"/>
+                </a:solidFill>
+              </a:rPr>
+              <a:t>Moq</a:t>
+            </a:r>
+            <a:r>
+              <a:rPr sz="12000" dirty="0">
+                <a:solidFill>
+                  <a:schemeClr val="tx1"/>
+                </a:solidFill>
+              </a:rPr>
+              <a:t> </a:t>
             </a:r>
           </a:p>
         </p:txBody>
@@ -2211,8 +3011,8 @@
         </p:nvSpPr>
         <p:spPr>
           <a:xfrm>
-            <a:off x="1960005" y="6575419"/>
-            <a:ext cx="20463990" cy="2697481"/>
+            <a:off x="1960005" y="6007155"/>
+            <a:ext cx="20463990" cy="3795911"/>
           </a:xfrm>
           <a:prstGeom prst="rect">
             <a:avLst/>
@@ -2222,7 +3022,7 @@
           </a:ln>
           <a:extLst>
             <a:ext uri="{C572A759-6A51-4108-AA02-DFA0A04FC94B}">
-              <ma14:wrappingTextBoxFlag xmlns:ma14="http://schemas.microsoft.com/office/mac/drawingml/2011/main" val="1"/>
+              <ma14:wrappingTextBoxFlag xmlns="" xmlns:ma14="http://schemas.microsoft.com/office/mac/drawingml/2011/main" val="1"/>
             </a:ext>
           </a:extLst>
         </p:spPr>
@@ -2247,18 +3047,108 @@
             </a:lvl1pPr>
           </a:lstStyle>
           <a:p>
-            <a:r>
-              <a:t>Automock creates mocks/stubs on the fly for any system under test that depends on a set of dependencies through constructor based dependency injection</a:t>
+            <a:pPr>
+              <a:lnSpc>
+                <a:spcPct val="100000"/>
+              </a:lnSpc>
+            </a:pPr>
+            <a:r>
+              <a:rPr dirty="0" err="1">
+                <a:solidFill>
+                  <a:schemeClr val="tx1"/>
+                </a:solidFill>
+              </a:rPr>
+              <a:t>Automock</a:t>
+            </a:r>
+            <a:r>
+              <a:rPr dirty="0">
+                <a:solidFill>
+                  <a:schemeClr val="tx1"/>
+                </a:solidFill>
+              </a:rPr>
+              <a:t> creates mocks/stubs on the fly for</a:t>
+            </a:r>
+            <a:endParaRPr lang="en-US" dirty="0">
+              <a:solidFill>
+                <a:schemeClr val="tx1"/>
+              </a:solidFill>
+            </a:endParaRPr>
+          </a:p>
+          <a:p>
+            <a:pPr>
+              <a:lnSpc>
+                <a:spcPct val="100000"/>
+              </a:lnSpc>
+            </a:pPr>
+            <a:r>
+              <a:rPr dirty="0">
+                <a:solidFill>
+                  <a:schemeClr val="tx1"/>
+                </a:solidFill>
+              </a:rPr>
+              <a:t>any system under test that depends on a set</a:t>
+            </a:r>
+            <a:endParaRPr lang="en-US" dirty="0">
+              <a:solidFill>
+                <a:schemeClr val="tx1"/>
+              </a:solidFill>
+            </a:endParaRPr>
+          </a:p>
+          <a:p>
+            <a:pPr>
+              <a:lnSpc>
+                <a:spcPct val="100000"/>
+              </a:lnSpc>
+            </a:pPr>
+            <a:r>
+              <a:rPr dirty="0">
+                <a:solidFill>
+                  <a:schemeClr val="tx1"/>
+                </a:solidFill>
+              </a:rPr>
+              <a:t>of dependencies through constructor based</a:t>
+            </a:r>
+            <a:endParaRPr lang="en-US" dirty="0">
+              <a:solidFill>
+                <a:schemeClr val="tx1"/>
+              </a:solidFill>
+            </a:endParaRPr>
+          </a:p>
+          <a:p>
+            <a:pPr>
+              <a:lnSpc>
+                <a:spcPct val="100000"/>
+              </a:lnSpc>
+            </a:pPr>
+            <a:r>
+              <a:rPr dirty="0">
+                <a:solidFill>
+                  <a:schemeClr val="tx1"/>
+                </a:solidFill>
+              </a:rPr>
+              <a:t>dependency injection</a:t>
             </a:r>
           </a:p>
         </p:txBody>
       </p:sp>
     </p:spTree>
+    <p:extLst>
+      <p:ext uri="{BB962C8B-B14F-4D97-AF65-F5344CB8AC3E}">
+        <p14:creationId xmlns:p14="http://schemas.microsoft.com/office/powerpoint/2010/main" val="3208362715"/>
+      </p:ext>
+    </p:extLst>
   </p:cSld>
   <p:clrMapOvr>
     <a:masterClrMapping/>
   </p:clrMapOvr>
   <p:transition spd="med"/>
+  <p:timing>
+    <p:tnLst>
+      <p:par>
+        <p:cTn id="1" dur="indefinite" restart="never" nodeType="tmRoot"/>
+      </p:par>
+    </p:tnLst>
+  </p:timing>
 </p:sld>
 </file>
 
@@ -2287,8 +3177,8 @@
         </p:nvSpPr>
         <p:spPr>
           <a:xfrm>
-            <a:off x="2766829" y="4319451"/>
-            <a:ext cx="18850342" cy="3164841"/>
+            <a:off x="2766829" y="4191558"/>
+            <a:ext cx="18850342" cy="2811026"/>
           </a:xfrm>
           <a:prstGeom prst="rect">
             <a:avLst/>
@@ -2298,7 +3188,7 @@
           </a:ln>
           <a:extLst>
             <a:ext uri="{C572A759-6A51-4108-AA02-DFA0A04FC94B}">
-              <ma14:wrappingTextBoxFlag xmlns:ma14="http://schemas.microsoft.com/office/mac/drawingml/2011/main" val="1"/>
+              <ma14:wrappingTextBoxFlag xmlns="" xmlns:ma14="http://schemas.microsoft.com/office/mac/drawingml/2011/main" val="1"/>
             </a:ext>
           </a:extLst>
         </p:spPr>
@@ -2324,6 +3214,11 @@
           </a:lstStyle>
           <a:p>
             <a:r>
+              <a:rPr dirty="0">
+                <a:solidFill>
+                  <a:schemeClr val="tx1"/>
+                </a:solidFill>
+              </a:rPr>
               <a:t>What happens when we have a concrete dependency? </a:t>
             </a:r>
           </a:p>
@@ -2337,8 +3232,8 @@
         </p:nvSpPr>
         <p:spPr>
           <a:xfrm>
-            <a:off x="4048102" y="7710602"/>
-            <a:ext cx="16287796" cy="1573531"/>
+            <a:off x="4048102" y="7314680"/>
+            <a:ext cx="16287796" cy="1641475"/>
           </a:xfrm>
           <a:prstGeom prst="rect">
             <a:avLst/>
@@ -2348,7 +3243,7 @@
           </a:ln>
           <a:extLst>
             <a:ext uri="{C572A759-6A51-4108-AA02-DFA0A04FC94B}">
-              <ma14:wrappingTextBoxFlag xmlns:ma14="http://schemas.microsoft.com/office/mac/drawingml/2011/main" val="1"/>
+              <ma14:wrappingTextBoxFlag xmlns="" xmlns:ma14="http://schemas.microsoft.com/office/mac/drawingml/2011/main" val="1"/>
             </a:ext>
           </a:extLst>
         </p:spPr>
@@ -2373,18 +3268,56 @@
             </a:lvl1pPr>
           </a:lstStyle>
           <a:p>
-            <a:r>
-              <a:t>We still want to mock the functionality but AutoMock can’t force a mocked replacement since it’s concrete</a:t>
+            <a:pPr>
+              <a:lnSpc>
+                <a:spcPct val="100000"/>
+              </a:lnSpc>
+            </a:pPr>
+            <a:r>
+              <a:rPr dirty="0">
+                <a:solidFill>
+                  <a:schemeClr val="tx1"/>
+                </a:solidFill>
+              </a:rPr>
+              <a:t>We still want to mock the functionality but </a:t>
+            </a:r>
+            <a:r>
+              <a:rPr dirty="0" err="1">
+                <a:solidFill>
+                  <a:schemeClr val="tx1"/>
+                </a:solidFill>
+              </a:rPr>
+              <a:t>AutoMock</a:t>
+            </a:r>
+            <a:r>
+              <a:rPr dirty="0">
+                <a:solidFill>
+                  <a:schemeClr val="tx1"/>
+                </a:solidFill>
+              </a:rPr>
+              <a:t> can’t force a mocked replacement since it’s concrete</a:t>
             </a:r>
           </a:p>
         </p:txBody>
       </p:sp>
     </p:spTree>
+    <p:extLst>
+      <p:ext uri="{BB962C8B-B14F-4D97-AF65-F5344CB8AC3E}">
+        <p14:creationId xmlns:p14="http://schemas.microsoft.com/office/powerpoint/2010/main" val="16684511"/>
+      </p:ext>
+    </p:extLst>
   </p:cSld>
   <p:clrMapOvr>
     <a:masterClrMapping/>
   </p:clrMapOvr>
   <p:transition spd="med"/>
+  <p:timing>
+    <p:tnLst>
+      <p:par>
+        <p:cTn id="1" dur="indefinite" restart="never" nodeType="tmRoot"/>
+      </p:par>
+    </p:tnLst>
+  </p:timing>
 </p:sld>
 </file>
 
@@ -2413,8 +3346,8 @@
         </p:nvSpPr>
         <p:spPr>
           <a:xfrm>
-            <a:off x="2766829" y="5095421"/>
-            <a:ext cx="18850342" cy="2120901"/>
+            <a:off x="2766829" y="5285306"/>
+            <a:ext cx="18850342" cy="1703030"/>
           </a:xfrm>
           <a:prstGeom prst="rect">
             <a:avLst/>
@@ -2424,7 +3357,7 @@
           </a:ln>
           <a:extLst>
             <a:ext uri="{C572A759-6A51-4108-AA02-DFA0A04FC94B}">
-              <ma14:wrappingTextBoxFlag xmlns:ma14="http://schemas.microsoft.com/office/mac/drawingml/2011/main" val="1"/>
+              <ma14:wrappingTextBoxFlag xmlns="" xmlns:ma14="http://schemas.microsoft.com/office/mac/drawingml/2011/main" val="1"/>
             </a:ext>
           </a:extLst>
         </p:spPr>
@@ -2450,7 +3383,20 @@
           </a:lstStyle>
           <a:p>
             <a:r>
-              <a:t>mock.Provide()</a:t>
+              <a:rPr dirty="0" err="1">
+                <a:solidFill>
+                  <a:schemeClr val="tx1"/>
+                </a:solidFill>
+              </a:rPr>
+              <a:t>mock.Provide</a:t>
+            </a:r>
+            <a:r>
+              <a:rPr dirty="0">
+                <a:solidFill>
+                  <a:schemeClr val="tx1"/>
+                </a:solidFill>
+              </a:rPr>
+              <a:t>()</a:t>
             </a:r>
           </a:p>
         </p:txBody>
@@ -2463,8 +3409,8 @@
         </p:nvSpPr>
         <p:spPr>
           <a:xfrm>
-            <a:off x="4048102" y="4419600"/>
-            <a:ext cx="16287796" cy="795089"/>
+            <a:off x="4048102" y="4036477"/>
+            <a:ext cx="16287796" cy="951735"/>
           </a:xfrm>
           <a:prstGeom prst="rect">
             <a:avLst/>
@@ -2474,7 +3420,7 @@
           </a:ln>
           <a:extLst>
             <a:ext uri="{C572A759-6A51-4108-AA02-DFA0A04FC94B}">
-              <ma14:wrappingTextBoxFlag xmlns:ma14="http://schemas.microsoft.com/office/mac/drawingml/2011/main" val="1"/>
+              <ma14:wrappingTextBoxFlag xmlns="" xmlns:ma14="http://schemas.microsoft.com/office/mac/drawingml/2011/main" val="1"/>
             </a:ext>
           </a:extLst>
         </p:spPr>
@@ -2500,18 +3446,38 @@
           </a:lstStyle>
           <a:p>
             <a:r>
-              <a:rPr dirty="0" smtClean="0"/>
+              <a:rPr sz="6000" dirty="0" smtClean="0">
+                <a:solidFill>
+                  <a:schemeClr val="tx1"/>
+                </a:solidFill>
+                <a:latin typeface="Proxima Nova Light"/>
+              </a:rPr>
               <a:t>ANSWER</a:t>
             </a:r>
             <a:r>
-              <a:rPr lang="en-US" dirty="0" smtClean="0"/>
+              <a:rPr lang="en-US" sz="6000" dirty="0" smtClean="0">
+                <a:solidFill>
+                  <a:schemeClr val="tx1"/>
+                </a:solidFill>
+                <a:latin typeface="Proxima Nova Light"/>
+              </a:rPr>
               <a:t> 1</a:t>
             </a:r>
             <a:r>
-              <a:rPr dirty="0" smtClean="0"/>
+              <a:rPr sz="6000" dirty="0" smtClean="0">
+                <a:solidFill>
+                  <a:schemeClr val="tx1"/>
+                </a:solidFill>
+                <a:latin typeface="Proxima Nova Light"/>
+              </a:rPr>
               <a:t>:</a:t>
             </a:r>
-            <a:endParaRPr dirty="0"/>
+            <a:endParaRPr sz="6000" dirty="0">
+              <a:solidFill>
+                <a:schemeClr val="tx1"/>
+              </a:solidFill>
+              <a:latin typeface="Proxima Nova Light"/>
+            </a:endParaRPr>
           </a:p>
         </p:txBody>
       </p:sp>
@@ -2523,7 +3489,7 @@
         </p:nvSpPr>
         <p:spPr>
           <a:xfrm>
-            <a:off x="6498321" y="7146322"/>
+            <a:off x="6498321" y="7279672"/>
             <a:ext cx="11387358" cy="1487587"/>
           </a:xfrm>
           <a:prstGeom prst="rect">
@@ -2534,7 +3500,7 @@
           </a:ln>
           <a:extLst>
             <a:ext uri="{C572A759-6A51-4108-AA02-DFA0A04FC94B}">
-              <ma14:wrappingTextBoxFlag xmlns:ma14="http://schemas.microsoft.com/office/mac/drawingml/2011/main" val="1"/>
+              <ma14:wrappingTextBoxFlag xmlns="" xmlns:ma14="http://schemas.microsoft.com/office/mac/drawingml/2011/main" val="1"/>
             </a:ext>
           </a:extLst>
         </p:spPr>
@@ -2560,43 +3526,79 @@
           </a:lstStyle>
           <a:p>
             <a:r>
-              <a:rPr dirty="0"/>
+              <a:rPr dirty="0">
+                <a:solidFill>
+                  <a:schemeClr val="tx1"/>
+                </a:solidFill>
+              </a:rPr>
               <a:t>We can </a:t>
             </a:r>
             <a:r>
-              <a:rPr lang="en-US" dirty="0" smtClean="0"/>
+              <a:rPr lang="en-US" dirty="0">
+                <a:solidFill>
+                  <a:schemeClr val="tx1"/>
+                </a:solidFill>
+              </a:rPr>
               <a:t>now </a:t>
             </a:r>
             <a:r>
-              <a:rPr dirty="0" smtClean="0"/>
+              <a:rPr dirty="0">
+                <a:solidFill>
+                  <a:schemeClr val="tx1"/>
+                </a:solidFill>
+              </a:rPr>
               <a:t>create </a:t>
             </a:r>
             <a:r>
-              <a:rPr lang="en-US" dirty="0" smtClean="0"/>
+              <a:rPr lang="en-US" dirty="0">
+                <a:solidFill>
+                  <a:schemeClr val="tx1"/>
+                </a:solidFill>
+              </a:rPr>
               <a:t>our </a:t>
             </a:r>
             <a:r>
-              <a:rPr dirty="0" smtClean="0"/>
-              <a:t>own </a:t>
-            </a:r>
-            <a:r>
-              <a:rPr dirty="0"/>
-              <a:t>“fake” version and provide it to </a:t>
-            </a:r>
-            <a:r>
-              <a:rPr dirty="0" err="1" smtClean="0"/>
+              <a:rPr dirty="0">
+                <a:solidFill>
+                  <a:schemeClr val="tx1"/>
+                </a:solidFill>
+              </a:rPr>
+              <a:t>own “fake” version and provide it to </a:t>
+            </a:r>
+            <a:r>
+              <a:rPr dirty="0" err="1">
+                <a:solidFill>
+                  <a:schemeClr val="tx1"/>
+                </a:solidFill>
+              </a:rPr>
               <a:t>AutoMock</a:t>
             </a:r>
-            <a:endParaRPr dirty="0"/>
+            <a:endParaRPr dirty="0">
+              <a:solidFill>
+                <a:schemeClr val="tx1"/>
+              </a:solidFill>
+            </a:endParaRPr>
           </a:p>
         </p:txBody>
       </p:sp>
     </p:spTree>
+    <p:extLst>
+      <p:ext uri="{BB962C8B-B14F-4D97-AF65-F5344CB8AC3E}">
+        <p14:creationId xmlns:p14="http://schemas.microsoft.com/office/powerpoint/2010/main" val="1254346625"/>
+      </p:ext>
+    </p:extLst>
   </p:cSld>
   <p:clrMapOvr>
     <a:masterClrMapping/>
   </p:clrMapOvr>
   <p:transition spd="med"/>
+  <p:timing>
+    <p:tnLst>
+      <p:par>
+        <p:cTn id="1" dur="indefinite" restart="never" nodeType="tmRoot"/>
+      </p:par>
+    </p:tnLst>
+  </p:timing>
 </p:sld>
 </file>
 
@@ -2625,7 +3627,7 @@
         </p:nvSpPr>
         <p:spPr>
           <a:xfrm>
-            <a:off x="2766829" y="5480490"/>
+            <a:off x="2766829" y="5137590"/>
             <a:ext cx="18850342" cy="2633541"/>
           </a:xfrm>
           <a:prstGeom prst="rect">
@@ -2636,7 +3638,7 @@
           </a:ln>
           <a:extLst>
             <a:ext uri="{C572A759-6A51-4108-AA02-DFA0A04FC94B}">
-              <ma14:wrappingTextBoxFlag xmlns:ma14="http://schemas.microsoft.com/office/mac/drawingml/2011/main" val="1"/>
+              <ma14:wrappingTextBoxFlag xmlns="" xmlns:ma14="http://schemas.microsoft.com/office/mac/drawingml/2011/main" val="1"/>
             </a:ext>
           </a:extLst>
         </p:spPr>
@@ -2662,18 +3664,18 @@
           </a:lstStyle>
           <a:p>
             <a:r>
-              <a:rPr lang="en-US" sz="10000" dirty="0" smtClean="0"/>
-              <a:t>Wrap your dependency </a:t>
-            </a:r>
-            <a:r>
-              <a:rPr lang="en-US" sz="10000" dirty="0" smtClean="0"/>
-              <a:t>in </a:t>
-            </a:r>
-            <a:r>
-              <a:rPr lang="en-US" sz="10000" dirty="0" smtClean="0"/>
-              <a:t>an interface and inject</a:t>
-            </a:r>
-            <a:endParaRPr sz="10000" dirty="0"/>
+              <a:rPr lang="en-US" sz="10000" dirty="0">
+                <a:solidFill>
+                  <a:schemeClr val="tx1"/>
+                </a:solidFill>
+              </a:rPr>
+              <a:t>Wrap your dependency in an interface and inject</a:t>
+            </a:r>
+            <a:endParaRPr sz="10000" dirty="0">
+              <a:solidFill>
+                <a:schemeClr val="tx1"/>
+              </a:solidFill>
+            </a:endParaRPr>
           </a:p>
         </p:txBody>
       </p:sp>
@@ -2685,8 +3687,8 @@
         </p:nvSpPr>
         <p:spPr>
           <a:xfrm>
-            <a:off x="4048102" y="4595050"/>
-            <a:ext cx="16287796" cy="795089"/>
+            <a:off x="4048102" y="3916200"/>
+            <a:ext cx="16287796" cy="933589"/>
           </a:xfrm>
           <a:prstGeom prst="rect">
             <a:avLst/>
@@ -2696,7 +3698,7 @@
           </a:ln>
           <a:extLst>
             <a:ext uri="{C572A759-6A51-4108-AA02-DFA0A04FC94B}">
-              <ma14:wrappingTextBoxFlag xmlns:ma14="http://schemas.microsoft.com/office/mac/drawingml/2011/main" val="1"/>
+              <ma14:wrappingTextBoxFlag xmlns="" xmlns:ma14="http://schemas.microsoft.com/office/mac/drawingml/2011/main" val="1"/>
             </a:ext>
           </a:extLst>
         </p:spPr>
@@ -2722,18 +3724,32 @@
           </a:lstStyle>
           <a:p>
             <a:r>
-              <a:rPr dirty="0" smtClean="0"/>
+              <a:rPr sz="6000" dirty="0">
+                <a:solidFill>
+                  <a:schemeClr val="tx1"/>
+                </a:solidFill>
+                <a:latin typeface="Proxima Nova Light"/>
+              </a:rPr>
               <a:t>ANSWER</a:t>
             </a:r>
             <a:r>
-              <a:rPr lang="en-US" dirty="0" smtClean="0"/>
+              <a:rPr lang="en-US" sz="6000" dirty="0">
+                <a:solidFill>
+                  <a:schemeClr val="tx1"/>
+                </a:solidFill>
+                <a:latin typeface="Proxima Nova Light"/>
+              </a:rPr>
               <a:t> 2</a:t>
             </a:r>
             <a:r>
-              <a:rPr dirty="0" smtClean="0"/>
+              <a:rPr sz="6000" dirty="0">
+                <a:solidFill>
+                  <a:schemeClr val="tx1"/>
+                </a:solidFill>
+                <a:latin typeface="Proxima Nova Light"/>
+              </a:rPr>
               <a:t>:</a:t>
             </a:r>
-            <a:endParaRPr dirty="0"/>
           </a:p>
         </p:txBody>
       </p:sp>
@@ -2745,7 +3761,7 @@
         </p:nvSpPr>
         <p:spPr>
           <a:xfrm>
-            <a:off x="6498321" y="8204382"/>
+            <a:off x="6498321" y="7975782"/>
             <a:ext cx="11387358" cy="1487587"/>
           </a:xfrm>
           <a:prstGeom prst="rect">
@@ -2756,7 +3772,7 @@
           </a:ln>
           <a:extLst>
             <a:ext uri="{C572A759-6A51-4108-AA02-DFA0A04FC94B}">
-              <ma14:wrappingTextBoxFlag xmlns:ma14="http://schemas.microsoft.com/office/mac/drawingml/2011/main" val="1"/>
+              <ma14:wrappingTextBoxFlag xmlns="" xmlns:ma14="http://schemas.microsoft.com/office/mac/drawingml/2011/main" val="1"/>
             </a:ext>
           </a:extLst>
         </p:spPr>
@@ -2782,21 +3798,33 @@
           </a:lstStyle>
           <a:p>
             <a:r>
-              <a:rPr dirty="0"/>
+              <a:rPr dirty="0">
+                <a:solidFill>
+                  <a:schemeClr val="tx1"/>
+                </a:solidFill>
+              </a:rPr>
               <a:t>We can </a:t>
             </a:r>
             <a:r>
-              <a:rPr lang="en-US" dirty="0" smtClean="0"/>
+              <a:rPr lang="en-US" dirty="0">
+                <a:solidFill>
+                  <a:schemeClr val="tx1"/>
+                </a:solidFill>
+              </a:rPr>
               <a:t>now inject the dependency, return test data, and verify our calls</a:t>
             </a:r>
-            <a:endParaRPr dirty="0"/>
+            <a:endParaRPr dirty="0">
+              <a:solidFill>
+                <a:schemeClr val="tx1"/>
+              </a:solidFill>
+            </a:endParaRPr>
           </a:p>
         </p:txBody>
       </p:sp>
     </p:spTree>
     <p:extLst>
       <p:ext uri="{BB962C8B-B14F-4D97-AF65-F5344CB8AC3E}">
-        <p14:creationId xmlns:p14="http://schemas.microsoft.com/office/powerpoint/2010/main" val="178865816"/>
+        <p14:creationId xmlns:p14="http://schemas.microsoft.com/office/powerpoint/2010/main" val="1125846088"/>
       </p:ext>
     </p:extLst>
   </p:cSld>
@@ -2804,6 +3832,13 @@
     <a:masterClrMapping/>
   </p:clrMapOvr>
   <p:transition spd="med"/>
+  <p:timing>
+    <p:tnLst>
+      <p:par>
+        <p:cTn id="1" dur="indefinite" restart="never" nodeType="tmRoot"/>
+      </p:par>
+    </p:tnLst>
+  </p:timing>
 </p:sld>
 </file>
 
@@ -2832,8 +3867,8 @@
         </p:nvSpPr>
         <p:spPr>
           <a:xfrm>
-            <a:off x="2727898" y="4763087"/>
-            <a:ext cx="20783291" cy="876301"/>
+            <a:off x="1832548" y="4437710"/>
+            <a:ext cx="20783291" cy="841256"/>
           </a:xfrm>
           <a:prstGeom prst="rect">
             <a:avLst/>
@@ -2843,7 +3878,7 @@
           </a:ln>
           <a:extLst>
             <a:ext uri="{C572A759-6A51-4108-AA02-DFA0A04FC94B}">
-              <ma14:wrappingTextBoxFlag xmlns:ma14="http://schemas.microsoft.com/office/mac/drawingml/2011/main" val="1"/>
+              <ma14:wrappingTextBoxFlag xmlns="" xmlns:ma14="http://schemas.microsoft.com/office/mac/drawingml/2011/main" val="1"/>
             </a:ext>
           </a:extLst>
         </p:spPr>
@@ -2868,7 +3903,14 @@
             </a:lvl1pPr>
           </a:lstStyle>
           <a:p>
-            <a:r>
+            <a:pPr algn="ctr"/>
+            <a:r>
+              <a:rPr sz="6000" dirty="0">
+                <a:solidFill>
+                  <a:schemeClr val="tx1"/>
+                </a:solidFill>
+                <a:latin typeface="Proxima Nova Light"/>
+              </a:rPr>
               <a:t>Best Practices</a:t>
             </a:r>
           </a:p>
@@ -2882,8 +3924,8 @@
         </p:nvSpPr>
         <p:spPr>
           <a:xfrm>
-            <a:off x="2779635" y="5718404"/>
-            <a:ext cx="15385723" cy="3045461"/>
+            <a:off x="1832549" y="5446812"/>
+            <a:ext cx="20783290" cy="2902846"/>
           </a:xfrm>
           <a:prstGeom prst="rect">
             <a:avLst/>
@@ -2893,12 +3935,12 @@
           </a:ln>
           <a:extLst>
             <a:ext uri="{C572A759-6A51-4108-AA02-DFA0A04FC94B}">
-              <ma14:wrappingTextBoxFlag xmlns:ma14="http://schemas.microsoft.com/office/mac/drawingml/2011/main" val="1"/>
+              <ma14:wrappingTextBoxFlag xmlns="" xmlns:ma14="http://schemas.microsoft.com/office/mac/drawingml/2011/main" val="1"/>
             </a:ext>
           </a:extLst>
         </p:spPr>
         <p:txBody>
-          <a:bodyPr lIns="50800" tIns="50800" rIns="50800" bIns="50800" anchor="ctr">
+          <a:bodyPr wrap="square" lIns="50800" tIns="50800" rIns="50800" bIns="50800" anchor="ctr">
             <a:spAutoFit/>
           </a:bodyPr>
           <a:lstStyle>
@@ -2918,18 +3960,55 @@
             </a:lvl1pPr>
           </a:lstStyle>
           <a:p>
-            <a:r>
-              <a:t>Use at least one Verify call for each Setup</a:t>
+            <a:pPr algn="ctr"/>
+            <a:r>
+              <a:rPr dirty="0">
+                <a:solidFill>
+                  <a:schemeClr val="tx1"/>
+                </a:solidFill>
+                <a:latin typeface="Proxima Nova Bold"/>
+              </a:rPr>
+              <a:t>Use at least one</a:t>
+            </a:r>
+            <a:endParaRPr lang="en-US" dirty="0">
+              <a:solidFill>
+                <a:schemeClr val="tx1"/>
+              </a:solidFill>
+              <a:latin typeface="Proxima Nova Bold"/>
+            </a:endParaRPr>
+          </a:p>
+          <a:p>
+            <a:pPr algn="ctr"/>
+            <a:r>
+              <a:rPr dirty="0">
+                <a:solidFill>
+                  <a:schemeClr val="tx1"/>
+                </a:solidFill>
+                <a:latin typeface="Proxima Nova Bold"/>
+              </a:rPr>
+              <a:t>Verify call for each Setup</a:t>
             </a:r>
           </a:p>
         </p:txBody>
       </p:sp>
     </p:spTree>
+    <p:extLst>
+      <p:ext uri="{BB962C8B-B14F-4D97-AF65-F5344CB8AC3E}">
+        <p14:creationId xmlns:p14="http://schemas.microsoft.com/office/powerpoint/2010/main" val="992373619"/>
+      </p:ext>
+    </p:extLst>
   </p:cSld>
   <p:clrMapOvr>
     <a:masterClrMapping/>
   </p:clrMapOvr>
   <p:transition spd="med"/>
+  <p:timing>
+    <p:tnLst>
+      <p:par>
+        <p:cTn id="1" dur="indefinite" restart="never" nodeType="tmRoot"/>
+      </p:par>
+    </p:tnLst>
+  </p:timing>
 </p:sld>
 </file>
 
@@ -2958,8 +4037,8 @@
         </p:nvSpPr>
         <p:spPr>
           <a:xfrm>
-            <a:off x="2727898" y="4763087"/>
-            <a:ext cx="20783291" cy="876301"/>
+            <a:off x="1870648" y="4200395"/>
+            <a:ext cx="20783291" cy="841256"/>
           </a:xfrm>
           <a:prstGeom prst="rect">
             <a:avLst/>
@@ -2969,7 +4048,7 @@
           </a:ln>
           <a:extLst>
             <a:ext uri="{C572A759-6A51-4108-AA02-DFA0A04FC94B}">
-              <ma14:wrappingTextBoxFlag xmlns:ma14="http://schemas.microsoft.com/office/mac/drawingml/2011/main" val="1"/>
+              <ma14:wrappingTextBoxFlag xmlns="" xmlns:ma14="http://schemas.microsoft.com/office/mac/drawingml/2011/main" val="1"/>
             </a:ext>
           </a:extLst>
         </p:spPr>
@@ -2994,7 +4073,14 @@
             </a:lvl1pPr>
           </a:lstStyle>
           <a:p>
-            <a:r>
+            <a:pPr algn="ctr"/>
+            <a:r>
+              <a:rPr sz="6000" dirty="0">
+                <a:solidFill>
+                  <a:schemeClr val="tx1"/>
+                </a:solidFill>
+                <a:latin typeface="Proxima Nova Light"/>
+              </a:rPr>
               <a:t>Best Practices</a:t>
             </a:r>
           </a:p>
@@ -3008,8 +4094,8 @@
         </p:nvSpPr>
         <p:spPr>
           <a:xfrm>
-            <a:off x="2779635" y="5718404"/>
-            <a:ext cx="18004898" cy="3045461"/>
+            <a:off x="1870647" y="5339898"/>
+            <a:ext cx="20783291" cy="2902846"/>
           </a:xfrm>
           <a:prstGeom prst="rect">
             <a:avLst/>
@@ -3019,12 +4105,12 @@
           </a:ln>
           <a:extLst>
             <a:ext uri="{C572A759-6A51-4108-AA02-DFA0A04FC94B}">
-              <ma14:wrappingTextBoxFlag xmlns:ma14="http://schemas.microsoft.com/office/mac/drawingml/2011/main" val="1"/>
+              <ma14:wrappingTextBoxFlag xmlns="" xmlns:ma14="http://schemas.microsoft.com/office/mac/drawingml/2011/main" val="1"/>
             </a:ext>
           </a:extLst>
         </p:spPr>
         <p:txBody>
-          <a:bodyPr lIns="50800" tIns="50800" rIns="50800" bIns="50800" anchor="ctr">
+          <a:bodyPr wrap="square" lIns="50800" tIns="50800" rIns="50800" bIns="50800" anchor="ctr">
             <a:spAutoFit/>
           </a:bodyPr>
           <a:lstStyle>
@@ -3044,198 +4130,59 @@
             </a:lvl1pPr>
           </a:lstStyle>
           <a:p>
-            <a:r>
-              <a:t>Remember to Verify with Times.Never as appropriate</a:t>
+            <a:pPr algn="ctr"/>
+            <a:r>
+              <a:rPr dirty="0">
+                <a:solidFill>
+                  <a:schemeClr val="tx1"/>
+                </a:solidFill>
+                <a:latin typeface="Proxima Nova Bold"/>
+              </a:rPr>
+              <a:t>Remember to Verify with </a:t>
+            </a:r>
+            <a:r>
+              <a:rPr dirty="0" err="1">
+                <a:solidFill>
+                  <a:schemeClr val="tx1"/>
+                </a:solidFill>
+                <a:latin typeface="Proxima Nova Bold"/>
+              </a:rPr>
+              <a:t>Times.Never</a:t>
+            </a:r>
+            <a:r>
+              <a:rPr dirty="0">
+                <a:solidFill>
+                  <a:schemeClr val="tx1"/>
+                </a:solidFill>
+                <a:latin typeface="Proxima Nova Bold"/>
+              </a:rPr>
+              <a:t> as appropriate</a:t>
             </a:r>
           </a:p>
         </p:txBody>
       </p:sp>
     </p:spTree>
+    <p:extLst>
+      <p:ext uri="{BB962C8B-B14F-4D97-AF65-F5344CB8AC3E}">
+        <p14:creationId xmlns:p14="http://schemas.microsoft.com/office/powerpoint/2010/main" val="266770186"/>
+      </p:ext>
+    </p:extLst>
   </p:cSld>
   <p:clrMapOvr>
     <a:masterClrMapping/>
   </p:clrMapOvr>
   <p:transition spd="med"/>
+  <p:timing>
+    <p:tnLst>
+      <p:par>
+        <p:cTn id="1" dur="indefinite" restart="never" nodeType="tmRoot"/>
+      </p:par>
+    </p:tnLst>
+  </p:timing>
 </p:sld>
 </file>
 
 <file path=ppt/slides/slide18.xml><?xml version="1.0" encoding="utf-8"?>
-<p:sld xmlns:a="http://schemas.openxmlformats.org/drawingml/2006/main" xmlns:r="http://schemas.openxmlformats.org/officeDocument/2006/relationships" xmlns:p="http://schemas.openxmlformats.org/presentationml/2006/main">
-  <p:cSld>
-    <p:spTree>
-      <p:nvGrpSpPr>
-        <p:cNvPr id="1" name=""/>
-        <p:cNvGrpSpPr/>
-        <p:nvPr/>
-      </p:nvGrpSpPr>
-      <p:grpSpPr>
-        <a:xfrm>
-          <a:off x="0" y="0"/>
-          <a:ext cx="0" cy="0"/>
-          <a:chOff x="0" y="0"/>
-          <a:chExt cx="0" cy="0"/>
-        </a:xfrm>
-      </p:grpSpPr>
-      <p:sp>
-        <p:nvSpPr>
-          <p:cNvPr id="85" name="Best Practices"/>
-          <p:cNvSpPr txBox="1"/>
-          <p:nvPr/>
-        </p:nvSpPr>
-        <p:spPr>
-          <a:xfrm>
-            <a:off x="2727898" y="4128087"/>
-            <a:ext cx="20783291" cy="876301"/>
-          </a:xfrm>
-          <a:prstGeom prst="rect">
-            <a:avLst/>
-          </a:prstGeom>
-          <a:ln w="12700">
-            <a:miter lim="400000"/>
-          </a:ln>
-          <a:extLst>
-            <a:ext uri="{C572A759-6A51-4108-AA02-DFA0A04FC94B}">
-              <ma14:wrappingTextBoxFlag xmlns:ma14="http://schemas.microsoft.com/office/mac/drawingml/2011/main" val="1"/>
-            </a:ext>
-          </a:extLst>
-        </p:spPr>
-        <p:txBody>
-          <a:bodyPr lIns="50800" tIns="50800" rIns="50800" bIns="50800" anchor="ctr">
-            <a:spAutoFit/>
-          </a:bodyPr>
-          <a:lstStyle>
-            <a:lvl1pPr algn="l" defTabSz="457200">
-              <a:lnSpc>
-                <a:spcPct val="80000"/>
-              </a:lnSpc>
-              <a:defRPr cap="all">
-                <a:solidFill>
-                  <a:srgbClr val="313836"/>
-                </a:solidFill>
-                <a:latin typeface="Proxima Nova Bold"/>
-                <a:ea typeface="Proxima Nova Bold"/>
-                <a:cs typeface="Proxima Nova Bold"/>
-                <a:sym typeface="Proxima Nova Bold"/>
-              </a:defRPr>
-            </a:lvl1pPr>
-          </a:lstStyle>
-          <a:p>
-            <a:r>
-              <a:t>Best Practices</a:t>
-            </a:r>
-          </a:p>
-        </p:txBody>
-      </p:sp>
-      <p:sp>
-        <p:nvSpPr>
-          <p:cNvPr id="86" name="Keep track of nested dependency chains to avoid circular references"/>
-          <p:cNvSpPr txBox="1"/>
-          <p:nvPr/>
-        </p:nvSpPr>
-        <p:spPr>
-          <a:xfrm>
-            <a:off x="2779635" y="5083404"/>
-            <a:ext cx="19452258" cy="3045461"/>
-          </a:xfrm>
-          <a:prstGeom prst="rect">
-            <a:avLst/>
-          </a:prstGeom>
-          <a:ln w="12700">
-            <a:miter lim="400000"/>
-          </a:ln>
-          <a:extLst>
-            <a:ext uri="{C572A759-6A51-4108-AA02-DFA0A04FC94B}">
-              <ma14:wrappingTextBoxFlag xmlns:ma14="http://schemas.microsoft.com/office/mac/drawingml/2011/main" val="1"/>
-            </a:ext>
-          </a:extLst>
-        </p:spPr>
-        <p:txBody>
-          <a:bodyPr lIns="50800" tIns="50800" rIns="50800" bIns="50800" anchor="ctr">
-            <a:spAutoFit/>
-          </a:bodyPr>
-          <a:lstStyle>
-            <a:lvl1pPr algn="l" defTabSz="457200">
-              <a:lnSpc>
-                <a:spcPct val="90000"/>
-              </a:lnSpc>
-              <a:defRPr sz="10000">
-                <a:solidFill>
-                  <a:srgbClr val="313836"/>
-                </a:solidFill>
-                <a:latin typeface="Proxima Nova Regular"/>
-                <a:ea typeface="Proxima Nova Regular"/>
-                <a:cs typeface="Proxima Nova Regular"/>
-                <a:sym typeface="Proxima Nova Regular"/>
-              </a:defRPr>
-            </a:lvl1pPr>
-          </a:lstStyle>
-          <a:p>
-            <a:r>
-              <a:t>Keep track of nested dependency chains to avoid circular references </a:t>
-            </a:r>
-          </a:p>
-        </p:txBody>
-      </p:sp>
-      <p:sp>
-        <p:nvSpPr>
-          <p:cNvPr id="87" name="This is a sign that code needs to be refactored or isolated into a new shared dependency"/>
-          <p:cNvSpPr txBox="1"/>
-          <p:nvPr/>
-        </p:nvSpPr>
-        <p:spPr>
-          <a:xfrm>
-            <a:off x="2779635" y="8202487"/>
-            <a:ext cx="13721782" cy="1573531"/>
-          </a:xfrm>
-          <a:prstGeom prst="rect">
-            <a:avLst/>
-          </a:prstGeom>
-          <a:ln w="12700">
-            <a:miter lim="400000"/>
-          </a:ln>
-          <a:extLst>
-            <a:ext uri="{C572A759-6A51-4108-AA02-DFA0A04FC94B}">
-              <ma14:wrappingTextBoxFlag xmlns:ma14="http://schemas.microsoft.com/office/mac/drawingml/2011/main" val="1"/>
-            </a:ext>
-          </a:extLst>
-        </p:spPr>
-        <p:txBody>
-          <a:bodyPr lIns="50800" tIns="50800" rIns="50800" bIns="50800" anchor="ctr">
-            <a:spAutoFit/>
-          </a:bodyPr>
-          <a:lstStyle>
-            <a:lvl1pPr algn="l" defTabSz="457200">
-              <a:lnSpc>
-                <a:spcPct val="90000"/>
-              </a:lnSpc>
-              <a:defRPr>
-                <a:solidFill>
-                  <a:srgbClr val="313836"/>
-                </a:solidFill>
-                <a:latin typeface="Proxima Nova Regular"/>
-                <a:ea typeface="Proxima Nova Regular"/>
-                <a:cs typeface="Proxima Nova Regular"/>
-                <a:sym typeface="Proxima Nova Regular"/>
-              </a:defRPr>
-            </a:lvl1pPr>
-          </a:lstStyle>
-          <a:p>
-            <a:r>
-              <a:t>This is a sign that code needs to be refactored or isolated into a new shared dependency </a:t>
-            </a:r>
-          </a:p>
-        </p:txBody>
-      </p:sp>
-    </p:spTree>
-  </p:cSld>
-  <p:clrMapOvr>
-    <a:masterClrMapping/>
-  </p:clrMapOvr>
-  <p:transition spd="med"/>
-</p:sld>
-</file>
-
-<file path=ppt/slides/slide19.xml><?xml version="1.0" encoding="utf-8"?>
 <p:sld xmlns:a="http://schemas.openxmlformats.org/drawingml/2006/main" xmlns:r="http://schemas.openxmlformats.org/officeDocument/2006/relationships" xmlns:p="http://schemas.openxmlformats.org/presentationml/2006/main">
   <p:cSld>
     <p:spTree>
@@ -3260,8 +4207,8 @@
         </p:nvSpPr>
         <p:spPr>
           <a:xfrm>
-            <a:off x="2727898" y="4763087"/>
-            <a:ext cx="20783291" cy="876301"/>
+            <a:off x="3238888" y="4274676"/>
+            <a:ext cx="17744871" cy="882486"/>
           </a:xfrm>
           <a:prstGeom prst="rect">
             <a:avLst/>
@@ -3271,7 +4218,377 @@
           </a:ln>
           <a:extLst>
             <a:ext uri="{C572A759-6A51-4108-AA02-DFA0A04FC94B}">
-              <ma14:wrappingTextBoxFlag xmlns:ma14="http://schemas.microsoft.com/office/mac/drawingml/2011/main" val="1"/>
+              <ma14:wrappingTextBoxFlag xmlns="" xmlns:ma14="http://schemas.microsoft.com/office/mac/drawingml/2011/main" val="1"/>
+            </a:ext>
+          </a:extLst>
+        </p:spPr>
+        <p:txBody>
+          <a:bodyPr wrap="square" lIns="50800" tIns="50800" rIns="50800" bIns="50800" anchor="ctr">
+            <a:spAutoFit/>
+          </a:bodyPr>
+          <a:lstStyle>
+            <a:lvl1pPr algn="l" defTabSz="457200">
+              <a:lnSpc>
+                <a:spcPct val="80000"/>
+              </a:lnSpc>
+              <a:defRPr cap="all">
+                <a:solidFill>
+                  <a:srgbClr val="313836"/>
+                </a:solidFill>
+                <a:latin typeface="Proxima Nova Bold"/>
+                <a:ea typeface="Proxima Nova Bold"/>
+                <a:cs typeface="Proxima Nova Bold"/>
+                <a:sym typeface="Proxima Nova Bold"/>
+              </a:defRPr>
+            </a:lvl1pPr>
+          </a:lstStyle>
+          <a:p>
+            <a:pPr algn="ctr"/>
+            <a:r>
+              <a:rPr sz="6000" dirty="0">
+                <a:solidFill>
+                  <a:schemeClr val="tx1"/>
+                </a:solidFill>
+                <a:latin typeface="Proxima Nova Light"/>
+              </a:rPr>
+              <a:t>Best Practices</a:t>
+            </a:r>
+          </a:p>
+        </p:txBody>
+      </p:sp>
+      <p:sp>
+        <p:nvSpPr>
+          <p:cNvPr id="90" name="Determine your need for strict vs loose mocking behavior"/>
+          <p:cNvSpPr txBox="1"/>
+          <p:nvPr/>
+        </p:nvSpPr>
+        <p:spPr>
+          <a:xfrm>
+            <a:off x="2186467" y="5454403"/>
+            <a:ext cx="19849712" cy="2872581"/>
+          </a:xfrm>
+          <a:prstGeom prst="rect">
+            <a:avLst/>
+          </a:prstGeom>
+          <a:ln w="12700">
+            <a:miter lim="400000"/>
+          </a:ln>
+          <a:extLst>
+            <a:ext uri="{C572A759-6A51-4108-AA02-DFA0A04FC94B}">
+              <ma14:wrappingTextBoxFlag xmlns="" xmlns:ma14="http://schemas.microsoft.com/office/mac/drawingml/2011/main" val="1"/>
+            </a:ext>
+          </a:extLst>
+        </p:spPr>
+        <p:txBody>
+          <a:bodyPr wrap="square" lIns="50800" tIns="50800" rIns="50800" bIns="50800" anchor="ctr">
+            <a:spAutoFit/>
+          </a:bodyPr>
+          <a:lstStyle>
+            <a:lvl1pPr algn="l" defTabSz="457200">
+              <a:lnSpc>
+                <a:spcPct val="90000"/>
+              </a:lnSpc>
+              <a:defRPr sz="10000">
+                <a:solidFill>
+                  <a:srgbClr val="313836"/>
+                </a:solidFill>
+                <a:latin typeface="Proxima Nova Regular"/>
+                <a:ea typeface="Proxima Nova Regular"/>
+                <a:cs typeface="Proxima Nova Regular"/>
+                <a:sym typeface="Proxima Nova Regular"/>
+              </a:defRPr>
+            </a:lvl1pPr>
+          </a:lstStyle>
+          <a:p>
+            <a:pPr algn="ctr"/>
+            <a:r>
+              <a:rPr dirty="0">
+                <a:solidFill>
+                  <a:schemeClr val="tx1"/>
+                </a:solidFill>
+                <a:latin typeface="Proxima Nova Bold"/>
+              </a:rPr>
+              <a:t>Determine your need</a:t>
+            </a:r>
+            <a:r>
+              <a:rPr lang="en-US" dirty="0">
+                <a:solidFill>
+                  <a:schemeClr val="tx1"/>
+                </a:solidFill>
+                <a:latin typeface="Proxima Nova Bold"/>
+              </a:rPr>
+              <a:t> </a:t>
+            </a:r>
+            <a:r>
+              <a:rPr dirty="0">
+                <a:solidFill>
+                  <a:schemeClr val="tx1"/>
+                </a:solidFill>
+                <a:latin typeface="Proxima Nova Bold"/>
+              </a:rPr>
+              <a:t>for</a:t>
+            </a:r>
+            <a:endParaRPr lang="en-US" dirty="0">
+              <a:solidFill>
+                <a:schemeClr val="tx1"/>
+              </a:solidFill>
+              <a:latin typeface="Proxima Nova Bold"/>
+            </a:endParaRPr>
+          </a:p>
+          <a:p>
+            <a:pPr algn="ctr"/>
+            <a:r>
+              <a:rPr dirty="0">
+                <a:solidFill>
+                  <a:schemeClr val="tx1"/>
+                </a:solidFill>
+                <a:latin typeface="Proxima Nova Bold"/>
+              </a:rPr>
+              <a:t>strict vs loose</a:t>
+            </a:r>
+            <a:r>
+              <a:rPr lang="en-US" dirty="0">
+                <a:solidFill>
+                  <a:schemeClr val="tx1"/>
+                </a:solidFill>
+                <a:latin typeface="Proxima Nova Bold"/>
+              </a:rPr>
+              <a:t> </a:t>
+            </a:r>
+            <a:r>
+              <a:rPr dirty="0">
+                <a:solidFill>
+                  <a:schemeClr val="tx1"/>
+                </a:solidFill>
+                <a:latin typeface="Proxima Nova Bold"/>
+              </a:rPr>
+              <a:t>mocking</a:t>
+            </a:r>
+            <a:r>
+              <a:rPr lang="en-US" dirty="0">
+                <a:solidFill>
+                  <a:schemeClr val="tx1"/>
+                </a:solidFill>
+                <a:latin typeface="Proxima Nova Bold"/>
+              </a:rPr>
+              <a:t> </a:t>
+            </a:r>
+            <a:r>
+              <a:rPr dirty="0">
+                <a:solidFill>
+                  <a:schemeClr val="tx1"/>
+                </a:solidFill>
+                <a:latin typeface="Proxima Nova Bold"/>
+              </a:rPr>
+              <a:t>behavior</a:t>
+            </a:r>
+          </a:p>
+        </p:txBody>
+      </p:sp>
+    </p:spTree>
+    <p:extLst>
+      <p:ext uri="{BB962C8B-B14F-4D97-AF65-F5344CB8AC3E}">
+        <p14:creationId xmlns:p14="http://schemas.microsoft.com/office/powerpoint/2010/main" val="1189210002"/>
+      </p:ext>
+    </p:extLst>
+  </p:cSld>
+  <p:clrMapOvr>
+    <a:masterClrMapping/>
+  </p:clrMapOvr>
+  <p:transition spd="med"/>
+  <p:timing>
+    <p:tnLst>
+      <p:par>
+        <p:cTn id="1" dur="indefinite" restart="never" nodeType="tmRoot"/>
+      </p:par>
+    </p:tnLst>
+  </p:timing>
+</p:sld>
+</file>
+
+<file path=ppt/slides/slide19.xml><?xml version="1.0" encoding="utf-8"?>
+<p:sld xmlns:a="http://schemas.openxmlformats.org/drawingml/2006/main" xmlns:r="http://schemas.openxmlformats.org/officeDocument/2006/relationships" xmlns:p="http://schemas.openxmlformats.org/presentationml/2006/main">
+  <p:cSld>
+    <p:spTree>
+      <p:nvGrpSpPr>
+        <p:cNvPr id="1" name=""/>
+        <p:cNvGrpSpPr/>
+        <p:nvPr/>
+      </p:nvGrpSpPr>
+      <p:grpSpPr>
+        <a:xfrm>
+          <a:off x="0" y="0"/>
+          <a:ext cx="0" cy="0"/>
+          <a:chOff x="0" y="0"/>
+          <a:chExt cx="0" cy="0"/>
+        </a:xfrm>
+      </p:grpSpPr>
+      <p:sp>
+        <p:nvSpPr>
+          <p:cNvPr id="50" name="Benefits of Dependency Injection"/>
+          <p:cNvSpPr txBox="1"/>
+          <p:nvPr/>
+        </p:nvSpPr>
+        <p:spPr>
+          <a:xfrm>
+            <a:off x="1855383" y="4718241"/>
+            <a:ext cx="20547233" cy="2633541"/>
+          </a:xfrm>
+          <a:prstGeom prst="rect">
+            <a:avLst/>
+          </a:prstGeom>
+          <a:ln w="12700">
+            <a:miter lim="400000"/>
+          </a:ln>
+          <a:extLst>
+            <a:ext uri="{C572A759-6A51-4108-AA02-DFA0A04FC94B}">
+              <ma14:wrappingTextBoxFlag xmlns="" xmlns:ma14="http://schemas.microsoft.com/office/mac/drawingml/2011/main" val="1"/>
+            </a:ext>
+          </a:extLst>
+        </p:spPr>
+        <p:txBody>
+          <a:bodyPr wrap="square" lIns="50800" tIns="50800" rIns="50800" bIns="50800" anchor="ctr">
+            <a:spAutoFit/>
+          </a:bodyPr>
+          <a:lstStyle>
+            <a:lvl1pPr algn="l" defTabSz="457200">
+              <a:lnSpc>
+                <a:spcPct val="80000"/>
+              </a:lnSpc>
+              <a:defRPr sz="10000">
+                <a:solidFill>
+                  <a:srgbClr val="313836"/>
+                </a:solidFill>
+                <a:latin typeface="Proxima Nova Bold"/>
+                <a:ea typeface="Proxima Nova Bold"/>
+                <a:cs typeface="Proxima Nova Bold"/>
+                <a:sym typeface="Proxima Nova Bold"/>
+              </a:defRPr>
+            </a:lvl1pPr>
+          </a:lstStyle>
+          <a:p>
+            <a:pPr algn="ctr"/>
+            <a:r>
+              <a:rPr lang="en-US" dirty="0">
+                <a:solidFill>
+                  <a:schemeClr val="tx1"/>
+                </a:solidFill>
+              </a:rPr>
+              <a:t>Keep track of nested dependency chains to avoid circular references</a:t>
+            </a:r>
+            <a:endParaRPr dirty="0">
+              <a:solidFill>
+                <a:schemeClr val="tx1"/>
+              </a:solidFill>
+            </a:endParaRPr>
+          </a:p>
+        </p:txBody>
+      </p:sp>
+      <p:sp>
+        <p:nvSpPr>
+          <p:cNvPr id="51" name="Single Responsibility Principle…"/>
+          <p:cNvSpPr txBox="1"/>
+          <p:nvPr/>
+        </p:nvSpPr>
+        <p:spPr>
+          <a:xfrm>
+            <a:off x="1855382" y="7606588"/>
+            <a:ext cx="20547233" cy="1949252"/>
+          </a:xfrm>
+          <a:prstGeom prst="rect">
+            <a:avLst/>
+          </a:prstGeom>
+          <a:ln w="12700">
+            <a:miter lim="400000"/>
+          </a:ln>
+          <a:extLst>
+            <a:ext uri="{C572A759-6A51-4108-AA02-DFA0A04FC94B}">
+              <ma14:wrappingTextBoxFlag xmlns="" xmlns:ma14="http://schemas.microsoft.com/office/mac/drawingml/2011/main" val="1"/>
+            </a:ext>
+          </a:extLst>
+        </p:spPr>
+        <p:txBody>
+          <a:bodyPr wrap="square" lIns="50800" tIns="50800" rIns="50800" bIns="50800" anchor="ctr">
+            <a:spAutoFit/>
+          </a:bodyPr>
+          <a:lstStyle/>
+          <a:p>
+            <a:pPr defTabSz="457200">
+              <a:buSzPct val="75000"/>
+              <a:defRPr sz="6000">
+                <a:solidFill>
+                  <a:srgbClr val="313836"/>
+                </a:solidFill>
+                <a:latin typeface="Proxima Nova Regular"/>
+                <a:ea typeface="Proxima Nova Regular"/>
+                <a:cs typeface="Proxima Nova Regular"/>
+                <a:sym typeface="Proxima Nova Regular"/>
+              </a:defRPr>
+            </a:pPr>
+            <a:r>
+              <a:rPr lang="en-US" dirty="0">
+                <a:solidFill>
+                  <a:schemeClr val="tx1"/>
+                </a:solidFill>
+              </a:rPr>
+              <a:t>This is a sign that code needs to be refactored or</a:t>
+            </a:r>
+          </a:p>
+          <a:p>
+            <a:pPr defTabSz="457200">
+              <a:buSzPct val="75000"/>
+              <a:defRPr sz="6000">
+                <a:solidFill>
+                  <a:srgbClr val="313836"/>
+                </a:solidFill>
+                <a:latin typeface="Proxima Nova Regular"/>
+                <a:ea typeface="Proxima Nova Regular"/>
+                <a:cs typeface="Proxima Nova Regular"/>
+                <a:sym typeface="Proxima Nova Regular"/>
+              </a:defRPr>
+            </a:pPr>
+            <a:r>
+              <a:rPr lang="en-US" dirty="0">
+                <a:solidFill>
+                  <a:schemeClr val="tx1"/>
+                </a:solidFill>
+              </a:rPr>
+              <a:t>isolated into a new shared dependency</a:t>
+            </a:r>
+            <a:endParaRPr dirty="0">
+              <a:solidFill>
+                <a:schemeClr val="tx1"/>
+              </a:solidFill>
+            </a:endParaRPr>
+          </a:p>
+        </p:txBody>
+      </p:sp>
+      <p:sp>
+        <p:nvSpPr>
+          <p:cNvPr id="4" name="Benefits of Dependency Injection">
+            <a:extLst>
+              <a:ext uri="{FF2B5EF4-FFF2-40B4-BE49-F238E27FC236}">
+                <a16:creationId xmlns="" xmlns:a16="http://schemas.microsoft.com/office/drawing/2014/main" id="{8EA67313-1D79-EE49-8B15-9D7C9D51D360}"/>
+              </a:ext>
+            </a:extLst>
+          </p:cNvPr>
+          <p:cNvSpPr txBox="1"/>
+          <p:nvPr/>
+        </p:nvSpPr>
+        <p:spPr>
+          <a:xfrm>
+            <a:off x="1855383" y="3503511"/>
+            <a:ext cx="20547233" cy="882486"/>
+          </a:xfrm>
+          <a:prstGeom prst="rect">
+            <a:avLst/>
+          </a:prstGeom>
+          <a:ln w="12700">
+            <a:miter lim="400000"/>
+          </a:ln>
+          <a:extLst>
+            <a:ext uri="{C572A759-6A51-4108-AA02-DFA0A04FC94B}">
+              <ma14:wrappingTextBoxFlag xmlns="" xmlns:ma14="http://schemas.microsoft.com/office/mac/drawingml/2011/main" val="1"/>
             </a:ext>
           </a:extLst>
         </p:spPr>
@@ -3284,7 +4601,7 @@
               <a:lnSpc>
                 <a:spcPct val="80000"/>
               </a:lnSpc>
-              <a:defRPr cap="all">
+              <a:defRPr sz="10000">
                 <a:solidFill>
                   <a:srgbClr val="313836"/>
                 </a:solidFill>
@@ -3296,68 +4613,43 @@
             </a:lvl1pPr>
           </a:lstStyle>
           <a:p>
-            <a:r>
-              <a:t>Best Practices</a:t>
-            </a:r>
-          </a:p>
-        </p:txBody>
-      </p:sp>
-      <p:sp>
-        <p:nvSpPr>
-          <p:cNvPr id="90" name="Determine your need for strict vs loose mocking behavior"/>
-          <p:cNvSpPr txBox="1"/>
-          <p:nvPr/>
-        </p:nvSpPr>
-        <p:spPr>
-          <a:xfrm>
-            <a:off x="2779635" y="5718404"/>
-            <a:ext cx="18004898" cy="3045461"/>
-          </a:xfrm>
-          <a:prstGeom prst="rect">
-            <a:avLst/>
-          </a:prstGeom>
-          <a:ln w="12700">
-            <a:miter lim="400000"/>
-          </a:ln>
-          <a:extLst>
-            <a:ext uri="{C572A759-6A51-4108-AA02-DFA0A04FC94B}">
-              <ma14:wrappingTextBoxFlag xmlns:ma14="http://schemas.microsoft.com/office/mac/drawingml/2011/main" val="1"/>
-            </a:ext>
-          </a:extLst>
-        </p:spPr>
-        <p:txBody>
-          <a:bodyPr lIns="50800" tIns="50800" rIns="50800" bIns="50800" anchor="ctr">
-            <a:spAutoFit/>
-          </a:bodyPr>
-          <a:lstStyle>
-            <a:lvl1pPr algn="l" defTabSz="457200">
-              <a:lnSpc>
-                <a:spcPct val="90000"/>
-              </a:lnSpc>
-              <a:defRPr sz="10000">
-                <a:solidFill>
-                  <a:srgbClr val="313836"/>
-                </a:solidFill>
-                <a:latin typeface="Proxima Nova Regular"/>
-                <a:ea typeface="Proxima Nova Regular"/>
-                <a:cs typeface="Proxima Nova Regular"/>
-                <a:sym typeface="Proxima Nova Regular"/>
-              </a:defRPr>
-            </a:lvl1pPr>
-          </a:lstStyle>
-          <a:p>
-            <a:r>
-              <a:t>Determine your need for strict vs loose mocking behavior</a:t>
-            </a:r>
+            <a:pPr algn="ctr"/>
+            <a:r>
+              <a:rPr lang="en-US" sz="6000" spc="600" dirty="0">
+                <a:solidFill>
+                  <a:schemeClr val="tx1"/>
+                </a:solidFill>
+                <a:latin typeface="Proxima Nova Light" panose="02000506030000020004" pitchFamily="2" charset="0"/>
+              </a:rPr>
+              <a:t>BEST PRACTICES</a:t>
+            </a:r>
+            <a:endParaRPr sz="6000" spc="600" dirty="0">
+              <a:solidFill>
+                <a:schemeClr val="tx1"/>
+              </a:solidFill>
+              <a:latin typeface="Proxima Nova Light" panose="02000506030000020004" pitchFamily="2" charset="0"/>
+            </a:endParaRPr>
           </a:p>
         </p:txBody>
       </p:sp>
     </p:spTree>
+    <p:extLst>
+      <p:ext uri="{BB962C8B-B14F-4D97-AF65-F5344CB8AC3E}">
+        <p14:creationId xmlns:p14="http://schemas.microsoft.com/office/powerpoint/2010/main" val="1142231361"/>
+      </p:ext>
+    </p:extLst>
   </p:cSld>
   <p:clrMapOvr>
     <a:masterClrMapping/>
   </p:clrMapOvr>
   <p:transition spd="med"/>
+  <p:timing>
+    <p:tnLst>
+      <p:par>
+        <p:cTn id="1" dur="indefinite" restart="never" nodeType="tmRoot"/>
+      </p:par>
+    </p:tnLst>
+  </p:timing>
 </p:sld>
 </file>
 
@@ -3380,14 +4672,14 @@
       </p:grpSpPr>
       <p:sp>
         <p:nvSpPr>
-          <p:cNvPr id="31" name="Clark Associates is a collective of dynamic companies leading the food service industry in equipment, supplies, &amp; service."/>
+          <p:cNvPr id="29" name="Unit Testing…"/>
           <p:cNvSpPr txBox="1"/>
           <p:nvPr/>
         </p:nvSpPr>
         <p:spPr>
           <a:xfrm>
-            <a:off x="1960005" y="4937760"/>
-            <a:ext cx="20463989" cy="3586481"/>
+            <a:off x="2708688" y="5351045"/>
+            <a:ext cx="18536312" cy="2702278"/>
           </a:xfrm>
           <a:prstGeom prst="rect">
             <a:avLst/>
@@ -3397,7 +4689,7 @@
           </a:ln>
           <a:extLst>
             <a:ext uri="{C572A759-6A51-4108-AA02-DFA0A04FC94B}">
-              <ma14:wrappingTextBoxFlag xmlns:ma14="http://schemas.microsoft.com/office/mac/drawingml/2011/main" val="1"/>
+              <ma14:wrappingTextBoxFlag xmlns="" xmlns:ma14="http://schemas.microsoft.com/office/mac/drawingml/2011/main" val="1"/>
             </a:ext>
           </a:extLst>
         </p:spPr>
@@ -3405,68 +4697,42 @@
           <a:bodyPr lIns="50800" tIns="50800" rIns="50800" bIns="50800" anchor="ctr">
             <a:spAutoFit/>
           </a:bodyPr>
-          <a:lstStyle>
-            <a:lvl1pPr defTabSz="457200">
+          <a:lstStyle/>
+          <a:p>
+            <a:pPr algn="l" defTabSz="457200">
               <a:lnSpc>
-                <a:spcPct val="90000"/>
+                <a:spcPct val="80000"/>
               </a:lnSpc>
-              <a:defRPr sz="8000">
+              <a:defRPr sz="20000">
                 <a:solidFill>
                   <a:srgbClr val="313836"/>
                 </a:solidFill>
-                <a:latin typeface="Proxima Nova Regular"/>
-                <a:ea typeface="Proxima Nova Regular"/>
-                <a:cs typeface="Proxima Nova Regular"/>
-                <a:sym typeface="Proxima Nova Regular"/>
+                <a:latin typeface="Proxima Nova Bold"/>
+                <a:ea typeface="Proxima Nova Bold"/>
+                <a:cs typeface="Proxima Nova Bold"/>
+                <a:sym typeface="Proxima Nova Bold"/>
               </a:defRPr>
-            </a:lvl1pPr>
-          </a:lstStyle>
-          <a:p>
-            <a:r>
-              <a:t>Clark Associates is a collective of dynamic companies leading the food service industry in equipment, supplies, &amp; service.</a:t>
-            </a:r>
+            </a:pPr>
+            <a:endParaRPr dirty="0"/>
           </a:p>
         </p:txBody>
       </p:sp>
-      <p:pic>
-        <p:nvPicPr>
-          <p:cNvPr id="32" name="clark-logo-2.png" descr="clark-logo-2.png"/>
-          <p:cNvPicPr>
-            <a:picLocks noChangeAspect="1"/>
-          </p:cNvPicPr>
-          <p:nvPr/>
-        </p:nvPicPr>
-        <p:blipFill>
-          <a:blip r:embed="rId2">
-            <a:extLst/>
-          </a:blip>
-          <a:stretch>
-            <a:fillRect/>
-          </a:stretch>
-        </p:blipFill>
-        <p:spPr>
-          <a:xfrm>
-            <a:off x="6081924" y="846936"/>
-            <a:ext cx="11931734" cy="3913205"/>
-          </a:xfrm>
-          <a:prstGeom prst="rect">
-            <a:avLst/>
-          </a:prstGeom>
-          <a:ln w="12700">
-            <a:miter lim="400000"/>
-          </a:ln>
-        </p:spPr>
-      </p:pic>
       <p:sp>
         <p:nvSpPr>
-          <p:cNvPr id="33" name="Rated in the top 50 fastest growing companies for…"/>
+          <p:cNvPr id="11" name="A LITTLE ABOUT ME">
+            <a:extLst>
+              <a:ext uri="{FF2B5EF4-FFF2-40B4-BE49-F238E27FC236}">
+                <a16:creationId xmlns="" xmlns:a16="http://schemas.microsoft.com/office/drawing/2014/main" id="{97FB3DD2-2666-0F46-8F31-3754586F5D5B}"/>
+              </a:ext>
+            </a:extLst>
+          </p:cNvPr>
           <p:cNvSpPr txBox="1"/>
           <p:nvPr/>
         </p:nvSpPr>
         <p:spPr>
           <a:xfrm>
-            <a:off x="5106190" y="9105857"/>
-            <a:ext cx="6891398" cy="1844041"/>
+            <a:off x="2344686" y="4009575"/>
+            <a:ext cx="21408932" cy="3092193"/>
           </a:xfrm>
           <a:prstGeom prst="rect">
             <a:avLst/>
@@ -3476,65 +4742,58 @@
           </a:ln>
           <a:extLst>
             <a:ext uri="{C572A759-6A51-4108-AA02-DFA0A04FC94B}">
-              <ma14:wrappingTextBoxFlag xmlns:ma14="http://schemas.microsoft.com/office/mac/drawingml/2011/main" val="1"/>
+              <ma14:wrappingTextBoxFlag xmlns="" xmlns:ma14="http://schemas.microsoft.com/office/mac/drawingml/2011/main" val="1"/>
             </a:ext>
           </a:extLst>
         </p:spPr>
         <p:txBody>
-          <a:bodyPr lIns="50800" tIns="50800" rIns="50800" bIns="50800" anchor="ctr">
+          <a:bodyPr wrap="square" lIns="50800" tIns="50800" rIns="50800" bIns="50800" anchor="ctr">
             <a:spAutoFit/>
           </a:bodyPr>
-          <a:lstStyle/>
-          <a:p>
-            <a:pPr algn="l" defTabSz="457200">
+          <a:lstStyle>
+            <a:lvl1pPr algn="l" defTabSz="457200">
               <a:lnSpc>
-                <a:spcPct val="90000"/>
+                <a:spcPct val="80000"/>
               </a:lnSpc>
-              <a:defRPr sz="4000">
+              <a:defRPr sz="6000">
                 <a:solidFill>
                   <a:srgbClr val="313836"/>
                 </a:solidFill>
-                <a:latin typeface="Proxima Nova Regular"/>
-                <a:ea typeface="Proxima Nova Regular"/>
-                <a:cs typeface="Proxima Nova Regular"/>
-                <a:sym typeface="Proxima Nova Regular"/>
+                <a:latin typeface="Proxima Nova Bold"/>
+                <a:ea typeface="Proxima Nova Bold"/>
+                <a:cs typeface="Proxima Nova Bold"/>
+                <a:sym typeface="Proxima Nova Bold"/>
               </a:defRPr>
-            </a:pPr>
-            <a:r>
-              <a:t>Rated in the top 50 fastest growing companies for </a:t>
-            </a:r>
-          </a:p>
-          <a:p>
-            <a:pPr algn="l" defTabSz="457200">
-              <a:lnSpc>
-                <a:spcPct val="90000"/>
-              </a:lnSpc>
-              <a:defRPr sz="4000">
-                <a:solidFill>
-                  <a:srgbClr val="313836"/>
-                </a:solidFill>
-                <a:latin typeface="Proxima Nova Regular"/>
-                <a:ea typeface="Proxima Nova Regular"/>
-                <a:cs typeface="Proxima Nova Regular"/>
-                <a:sym typeface="Proxima Nova Regular"/>
-              </a:defRPr>
-            </a:pPr>
-            <a:r>
-              <a:t>9 years in a row</a:t>
+            </a:lvl1pPr>
+          </a:lstStyle>
+          <a:p>
+            <a:r>
+              <a:rPr lang="en-US" sz="23000" spc="-300" dirty="0">
+                <a:solidFill>
+                  <a:schemeClr val="tx1"/>
+                </a:solidFill>
+              </a:rPr>
+              <a:t>Unit Testing</a:t>
             </a:r>
           </a:p>
         </p:txBody>
       </p:sp>
       <p:sp>
         <p:nvSpPr>
-          <p:cNvPr id="34" name="Retail websites such as WebstaurantStore.com grossing $1B this year and growing"/>
+          <p:cNvPr id="12" name="A LITTLE ABOUT ME">
+            <a:extLst>
+              <a:ext uri="{FF2B5EF4-FFF2-40B4-BE49-F238E27FC236}">
+                <a16:creationId xmlns="" xmlns:a16="http://schemas.microsoft.com/office/drawing/2014/main" id="{B68D60C2-F09F-2747-AF01-79E5E8404867}"/>
+              </a:ext>
+            </a:extLst>
+          </p:cNvPr>
           <p:cNvSpPr txBox="1"/>
           <p:nvPr/>
         </p:nvSpPr>
         <p:spPr>
           <a:xfrm>
-            <a:off x="13879862" y="9105857"/>
-            <a:ext cx="7875848" cy="1844041"/>
+            <a:off x="2704905" y="6714834"/>
+            <a:ext cx="21408932" cy="964367"/>
           </a:xfrm>
           <a:prstGeom prst="rect">
             <a:avLst/>
@@ -3544,187 +4803,56 @@
           </a:ln>
           <a:extLst>
             <a:ext uri="{C572A759-6A51-4108-AA02-DFA0A04FC94B}">
-              <ma14:wrappingTextBoxFlag xmlns:ma14="http://schemas.microsoft.com/office/mac/drawingml/2011/main" val="1"/>
+              <ma14:wrappingTextBoxFlag xmlns="" xmlns:ma14="http://schemas.microsoft.com/office/mac/drawingml/2011/main" val="1"/>
             </a:ext>
           </a:extLst>
         </p:spPr>
         <p:txBody>
-          <a:bodyPr lIns="50800" tIns="50800" rIns="50800" bIns="50800" anchor="ctr">
+          <a:bodyPr wrap="square" lIns="50800" tIns="50800" rIns="50800" bIns="50800" anchor="ctr">
             <a:spAutoFit/>
           </a:bodyPr>
           <a:lstStyle>
             <a:lvl1pPr algn="l" defTabSz="457200">
               <a:lnSpc>
-                <a:spcPct val="90000"/>
+                <a:spcPct val="80000"/>
               </a:lnSpc>
-              <a:defRPr sz="4000">
+              <a:defRPr sz="6000">
                 <a:solidFill>
                   <a:srgbClr val="313836"/>
                 </a:solidFill>
-                <a:latin typeface="Proxima Nova Regular"/>
-                <a:ea typeface="Proxima Nova Regular"/>
-                <a:cs typeface="Proxima Nova Regular"/>
-                <a:sym typeface="Proxima Nova Regular"/>
+                <a:latin typeface="Proxima Nova Bold"/>
+                <a:ea typeface="Proxima Nova Bold"/>
+                <a:cs typeface="Proxima Nova Bold"/>
+                <a:sym typeface="Proxima Nova Bold"/>
               </a:defRPr>
             </a:lvl1pPr>
           </a:lstStyle>
           <a:p>
             <a:r>
-              <a:t>Retail websites such as WebstaurantStore.com grossing $1B this year and growing</a:t>
+              <a:rPr lang="en-US" sz="7000" spc="-300" dirty="0">
+                <a:solidFill>
+                  <a:schemeClr val="tx1"/>
+                </a:solidFill>
+                <a:latin typeface="Proxima Nova Regular"/>
+              </a:rPr>
+              <a:t>With Dependency Injection and Moq</a:t>
             </a:r>
           </a:p>
         </p:txBody>
       </p:sp>
-      <p:pic>
-        <p:nvPicPr>
-          <p:cNvPr id="35" name="ribbon.png" descr="ribbon.png"/>
-          <p:cNvPicPr>
-            <a:picLocks noChangeAspect="1"/>
-          </p:cNvPicPr>
-          <p:nvPr/>
-        </p:nvPicPr>
-        <p:blipFill>
-          <a:blip r:embed="rId3">
-            <a:extLst/>
-          </a:blip>
-          <a:stretch>
-            <a:fillRect/>
-          </a:stretch>
-        </p:blipFill>
-        <p:spPr>
-          <a:xfrm>
-            <a:off x="3730889" y="9420401"/>
-            <a:ext cx="971935" cy="1295913"/>
-          </a:xfrm>
-          <a:prstGeom prst="rect">
-            <a:avLst/>
-          </a:prstGeom>
-          <a:ln w="12700">
-            <a:miter lim="400000"/>
-          </a:ln>
-        </p:spPr>
-      </p:pic>
-      <p:pic>
-        <p:nvPicPr>
-          <p:cNvPr id="36" name="growth.png" descr="growth.png"/>
-          <p:cNvPicPr>
-            <a:picLocks noChangeAspect="1"/>
-          </p:cNvPicPr>
-          <p:nvPr/>
-        </p:nvPicPr>
-        <p:blipFill>
-          <a:blip r:embed="rId4">
-            <a:extLst/>
-          </a:blip>
-          <a:stretch>
-            <a:fillRect/>
-          </a:stretch>
-        </p:blipFill>
-        <p:spPr>
-          <a:xfrm>
-            <a:off x="11769783" y="9330208"/>
-            <a:ext cx="1900815" cy="1476299"/>
-          </a:xfrm>
-          <a:prstGeom prst="rect">
-            <a:avLst/>
-          </a:prstGeom>
-          <a:ln w="12700">
-            <a:miter lim="400000"/>
-          </a:ln>
-        </p:spPr>
-      </p:pic>
-      <p:sp>
-        <p:nvSpPr>
-          <p:cNvPr id="37" name="(Yes, we’re hiring developers. See our booth!)"/>
-          <p:cNvSpPr txBox="1"/>
-          <p:nvPr/>
-        </p:nvSpPr>
-        <p:spPr>
-          <a:xfrm>
-            <a:off x="1960005" y="11984797"/>
-            <a:ext cx="20463989" cy="723901"/>
-          </a:xfrm>
-          <a:prstGeom prst="rect">
-            <a:avLst/>
-          </a:prstGeom>
-          <a:ln w="12700">
-            <a:miter lim="400000"/>
-          </a:ln>
-          <a:extLst>
-            <a:ext uri="{C572A759-6A51-4108-AA02-DFA0A04FC94B}">
-              <ma14:wrappingTextBoxFlag xmlns:ma14="http://schemas.microsoft.com/office/mac/drawingml/2011/main" val="1"/>
-            </a:ext>
-          </a:extLst>
-        </p:spPr>
-        <p:txBody>
-          <a:bodyPr lIns="50800" tIns="50800" rIns="50800" bIns="50800" anchor="ctr">
-            <a:spAutoFit/>
-          </a:bodyPr>
-          <a:lstStyle>
-            <a:lvl1pPr defTabSz="457200">
-              <a:lnSpc>
-                <a:spcPct val="90000"/>
-              </a:lnSpc>
-              <a:defRPr sz="4000">
-                <a:solidFill>
-                  <a:srgbClr val="313836"/>
-                </a:solidFill>
-                <a:latin typeface="Proxima Nova Regular"/>
-                <a:ea typeface="Proxima Nova Regular"/>
-                <a:cs typeface="Proxima Nova Regular"/>
-                <a:sym typeface="Proxima Nova Regular"/>
-              </a:defRPr>
-            </a:lvl1pPr>
-          </a:lstStyle>
-          <a:p>
-            <a:r>
-              <a:t>(Yes, we’re hiring developers. See our booth!)</a:t>
-            </a:r>
-          </a:p>
-        </p:txBody>
-      </p:sp>
-      <p:pic>
-        <p:nvPicPr>
-          <p:cNvPr id="38" name="clark-logo.png" descr="clark-logo.png"/>
-          <p:cNvPicPr>
-            <a:picLocks noChangeAspect="1"/>
-          </p:cNvPicPr>
-          <p:nvPr/>
-        </p:nvPicPr>
-        <p:blipFill>
-          <a:blip r:embed="rId5">
-            <a:extLst/>
-          </a:blip>
-          <a:stretch>
-            <a:fillRect/>
-          </a:stretch>
-        </p:blipFill>
-        <p:spPr>
-          <a:xfrm>
-            <a:off x="20730826" y="11831917"/>
-            <a:ext cx="3514892" cy="1590489"/>
-          </a:xfrm>
-          <a:prstGeom prst="rect">
-            <a:avLst/>
-          </a:prstGeom>
-          <a:ln w="12700">
-            <a:miter lim="400000"/>
-          </a:ln>
-          <a:effectLst>
-            <a:outerShdw blurRad="63500" dist="67294" dir="5400000" rotWithShape="0">
-              <a:srgbClr val="000000">
-                <a:alpha val="21993"/>
-              </a:srgbClr>
-            </a:outerShdw>
-          </a:effectLst>
-        </p:spPr>
-      </p:pic>
     </p:spTree>
   </p:cSld>
   <p:clrMapOvr>
     <a:masterClrMapping/>
   </p:clrMapOvr>
   <p:transition spd="med"/>
+  <p:timing>
+    <p:tnLst>
+      <p:par>
+        <p:cTn id="1" dur="indefinite" restart="never" nodeType="tmRoot"/>
+      </p:par>
+    </p:tnLst>
+  </p:timing>
 </p:sld>
 </file>
 
@@ -3753,8 +4881,8 @@
         </p:nvSpPr>
         <p:spPr>
           <a:xfrm>
-            <a:off x="1838898" y="2518709"/>
-            <a:ext cx="20783291" cy="876301"/>
+            <a:off x="1648398" y="1599415"/>
+            <a:ext cx="20783291" cy="1038489"/>
           </a:xfrm>
           <a:prstGeom prst="rect">
             <a:avLst/>
@@ -3764,7 +4892,7 @@
           </a:ln>
           <a:extLst>
             <a:ext uri="{C572A759-6A51-4108-AA02-DFA0A04FC94B}">
-              <ma14:wrappingTextBoxFlag xmlns:ma14="http://schemas.microsoft.com/office/mac/drawingml/2011/main" val="1"/>
+              <ma14:wrappingTextBoxFlag xmlns="" xmlns:ma14="http://schemas.microsoft.com/office/mac/drawingml/2011/main" val="1"/>
             </a:ext>
           </a:extLst>
         </p:spPr>
@@ -3790,6 +4918,11 @@
           </a:lstStyle>
           <a:p>
             <a:r>
+              <a:rPr lang="en-US" sz="7200" cap="none" dirty="0">
+                <a:solidFill>
+                  <a:schemeClr val="tx1"/>
+                </a:solidFill>
+              </a:rPr>
               <a:t>Dependencies and Sources </a:t>
             </a:r>
           </a:p>
@@ -3803,8 +4936,8 @@
         </p:nvSpPr>
         <p:spPr>
           <a:xfrm>
-            <a:off x="1890635" y="3732839"/>
-            <a:ext cx="17766306" cy="7035801"/>
+            <a:off x="1648398" y="2940460"/>
+            <a:ext cx="19859052" cy="7858562"/>
           </a:xfrm>
           <a:prstGeom prst="rect">
             <a:avLst/>
@@ -3814,12 +4947,12 @@
           </a:ln>
           <a:extLst>
             <a:ext uri="{C572A759-6A51-4108-AA02-DFA0A04FC94B}">
-              <ma14:wrappingTextBoxFlag xmlns:ma14="http://schemas.microsoft.com/office/mac/drawingml/2011/main" val="1"/>
+              <ma14:wrappingTextBoxFlag xmlns="" xmlns:ma14="http://schemas.microsoft.com/office/mac/drawingml/2011/main" val="1"/>
             </a:ext>
           </a:extLst>
         </p:spPr>
         <p:txBody>
-          <a:bodyPr lIns="50800" tIns="50800" rIns="50800" bIns="50800" anchor="ctr">
+          <a:bodyPr wrap="square" lIns="50800" tIns="50800" rIns="50800" bIns="50800" anchor="ctr">
             <a:spAutoFit/>
           </a:bodyPr>
           <a:lstStyle/>
@@ -3836,11 +4969,19 @@
               </a:defRPr>
             </a:pPr>
             <a:r>
-              <a:rPr dirty="0" err="1"/>
+              <a:rPr sz="3600" dirty="0" err="1">
+                <a:solidFill>
+                  <a:schemeClr val="tx1"/>
+                </a:solidFill>
+              </a:rPr>
               <a:t>xunit</a:t>
             </a:r>
             <a:r>
-              <a:rPr dirty="0"/>
+              <a:rPr sz="3600" dirty="0">
+                <a:solidFill>
+                  <a:schemeClr val="tx1"/>
+                </a:solidFill>
+              </a:rPr>
               <a:t> 2.3.0</a:t>
             </a:r>
           </a:p>
@@ -3857,11 +4998,19 @@
               </a:defRPr>
             </a:pPr>
             <a:r>
-              <a:rPr dirty="0" err="1"/>
+              <a:rPr sz="3600" dirty="0" err="1">
+                <a:solidFill>
+                  <a:schemeClr val="tx1"/>
+                </a:solidFill>
+              </a:rPr>
               <a:t>autofac.extras.moq</a:t>
             </a:r>
             <a:r>
-              <a:rPr dirty="0"/>
+              <a:rPr sz="3600" dirty="0">
+                <a:solidFill>
+                  <a:schemeClr val="tx1"/>
+                </a:solidFill>
+              </a:rPr>
               <a:t> 4.2.0</a:t>
             </a:r>
           </a:p>
@@ -3878,19 +5027,35 @@
               </a:defRPr>
             </a:pPr>
             <a:r>
-              <a:rPr dirty="0" err="1"/>
+              <a:rPr sz="3600" dirty="0" err="1">
+                <a:solidFill>
+                  <a:schemeClr val="tx1"/>
+                </a:solidFill>
+              </a:rPr>
               <a:t>autofac</a:t>
             </a:r>
             <a:r>
-              <a:rPr dirty="0"/>
+              <a:rPr sz="3600" dirty="0">
+                <a:solidFill>
+                  <a:schemeClr val="tx1"/>
+                </a:solidFill>
+              </a:rPr>
               <a:t> (included with </a:t>
             </a:r>
             <a:r>
-              <a:rPr dirty="0" err="1"/>
+              <a:rPr sz="3600" dirty="0" err="1">
+                <a:solidFill>
+                  <a:schemeClr val="tx1"/>
+                </a:solidFill>
+              </a:rPr>
               <a:t>autofac.extras.moq</a:t>
             </a:r>
             <a:r>
-              <a:rPr dirty="0"/>
+              <a:rPr sz="3600" dirty="0">
+                <a:solidFill>
+                  <a:schemeClr val="tx1"/>
+                </a:solidFill>
+              </a:rPr>
               <a:t>)</a:t>
             </a:r>
           </a:p>
@@ -3907,19 +5072,35 @@
               </a:defRPr>
             </a:pPr>
             <a:r>
-              <a:rPr dirty="0" err="1"/>
+              <a:rPr sz="3600" dirty="0" err="1">
+                <a:solidFill>
+                  <a:schemeClr val="tx1"/>
+                </a:solidFill>
+              </a:rPr>
               <a:t>moq</a:t>
             </a:r>
             <a:r>
-              <a:rPr dirty="0"/>
+              <a:rPr sz="3600" dirty="0">
+                <a:solidFill>
+                  <a:schemeClr val="tx1"/>
+                </a:solidFill>
+              </a:rPr>
               <a:t> (included with </a:t>
             </a:r>
             <a:r>
-              <a:rPr dirty="0" err="1"/>
+              <a:rPr sz="3600" dirty="0" err="1">
+                <a:solidFill>
+                  <a:schemeClr val="tx1"/>
+                </a:solidFill>
+              </a:rPr>
               <a:t>autofac.extras.moq</a:t>
             </a:r>
             <a:r>
-              <a:rPr dirty="0"/>
+              <a:rPr sz="3600" dirty="0">
+                <a:solidFill>
+                  <a:schemeClr val="tx1"/>
+                </a:solidFill>
+              </a:rPr>
               <a:t>)</a:t>
             </a:r>
           </a:p>
@@ -3936,11 +5117,19 @@
               </a:defRPr>
             </a:pPr>
             <a:r>
-              <a:rPr dirty="0" err="1"/>
+              <a:rPr sz="3600" dirty="0" err="1">
+                <a:solidFill>
+                  <a:schemeClr val="tx1"/>
+                </a:solidFill>
+              </a:rPr>
               <a:t>newtonsoft.json</a:t>
             </a:r>
             <a:r>
-              <a:rPr dirty="0"/>
+              <a:rPr sz="3600" dirty="0">
+                <a:solidFill>
+                  <a:schemeClr val="tx1"/>
+                </a:solidFill>
+              </a:rPr>
               <a:t> (internally for examples)</a:t>
             </a:r>
           </a:p>
@@ -3956,7 +5145,11 @@
                 <a:sym typeface="Proxima Nova Regular"/>
               </a:defRPr>
             </a:pPr>
-            <a:endParaRPr dirty="0"/>
+            <a:endParaRPr sz="3600" dirty="0">
+              <a:solidFill>
+                <a:schemeClr val="tx1"/>
+              </a:solidFill>
+            </a:endParaRPr>
           </a:p>
           <a:p>
             <a:pPr algn="l" defTabSz="457200">
@@ -3971,22 +5164,42 @@
               </a:defRPr>
             </a:pPr>
             <a:r>
-              <a:rPr dirty="0"/>
+              <a:rPr sz="3600" dirty="0">
+                <a:solidFill>
+                  <a:schemeClr val="tx1"/>
+                </a:solidFill>
+              </a:rPr>
               <a:t>github.com/</a:t>
             </a:r>
             <a:r>
-              <a:rPr dirty="0" err="1"/>
+              <a:rPr sz="3600" dirty="0" err="1">
+                <a:solidFill>
+                  <a:schemeClr val="tx1"/>
+                </a:solidFill>
+              </a:rPr>
               <a:t>Moq</a:t>
             </a:r>
             <a:r>
-              <a:rPr dirty="0"/>
+              <a:rPr sz="3600" dirty="0">
+                <a:solidFill>
+                  <a:schemeClr val="tx1"/>
+                </a:solidFill>
+              </a:rPr>
               <a:t>/moq4/wiki/</a:t>
             </a:r>
             <a:r>
-              <a:rPr dirty="0" err="1"/>
+              <a:rPr sz="3600" dirty="0" err="1">
+                <a:solidFill>
+                  <a:schemeClr val="tx1"/>
+                </a:solidFill>
+              </a:rPr>
               <a:t>Quickstart</a:t>
             </a:r>
-            <a:endParaRPr dirty="0"/>
+            <a:endParaRPr sz="3600" dirty="0">
+              <a:solidFill>
+                <a:schemeClr val="tx1"/>
+              </a:solidFill>
+            </a:endParaRPr>
           </a:p>
           <a:p>
             <a:pPr algn="l" defTabSz="457200">
@@ -4001,15 +5214,27 @@
               </a:defRPr>
             </a:pPr>
             <a:r>
-              <a:rPr dirty="0"/>
+              <a:rPr sz="3600" dirty="0">
+                <a:solidFill>
+                  <a:schemeClr val="tx1"/>
+                </a:solidFill>
+              </a:rPr>
               <a:t>docs.autofac.org/</a:t>
             </a:r>
             <a:r>
-              <a:rPr dirty="0" err="1"/>
+              <a:rPr sz="3600" dirty="0" err="1">
+                <a:solidFill>
+                  <a:schemeClr val="tx1"/>
+                </a:solidFill>
+              </a:rPr>
               <a:t>en</a:t>
             </a:r>
             <a:r>
-              <a:rPr dirty="0"/>
+              <a:rPr sz="3600" dirty="0">
+                <a:solidFill>
+                  <a:schemeClr val="tx1"/>
+                </a:solidFill>
+              </a:rPr>
               <a:t>/latest/integration/moq.html</a:t>
             </a:r>
           </a:p>
@@ -4026,7 +5251,11 @@
               </a:defRPr>
             </a:pPr>
             <a:r>
-              <a:rPr dirty="0"/>
+              <a:rPr sz="3600" dirty="0">
+                <a:solidFill>
+                  <a:schemeClr val="tx1"/>
+                </a:solidFill>
+              </a:rPr>
               <a:t>automock.codeplex.com/</a:t>
             </a:r>
           </a:p>
@@ -4043,6 +5272,11 @@
               </a:defRPr>
             </a:pPr>
             <a:r>
+              <a:rPr sz="3600" dirty="0">
+                <a:solidFill>
+                  <a:schemeClr val="tx1"/>
+                </a:solidFill>
+              </a:rPr>
               <a:t>www.experts-exchange.com/questions/28976449/Unit-testing-moq-best-practices.html</a:t>
             </a:r>
           </a:p>
@@ -4059,7 +5293,11 @@
               </a:defRPr>
             </a:pPr>
             <a:r>
-              <a:rPr dirty="0"/>
+              <a:rPr sz="3600" dirty="0">
+                <a:solidFill>
+                  <a:schemeClr val="tx1"/>
+                </a:solidFill>
+              </a:rPr>
               <a:t>decayingcode.com/post/part-3-advanced-mocking-functionalities/</a:t>
             </a:r>
           </a:p>
@@ -4076,7 +5314,11 @@
               </a:defRPr>
             </a:pPr>
             <a:r>
-              <a:rPr dirty="0"/>
+              <a:rPr sz="3600" dirty="0">
+                <a:solidFill>
+                  <a:schemeClr val="tx1"/>
+                </a:solidFill>
+              </a:rPr>
               <a:t>blackwasp.co.uk/MoqTimes.aspx</a:t>
             </a:r>
           </a:p>
@@ -4093,15 +5335,27 @@
               </a:defRPr>
             </a:pPr>
             <a:r>
-              <a:rPr dirty="0"/>
+              <a:rPr sz="3600" dirty="0">
+                <a:solidFill>
+                  <a:schemeClr val="tx1"/>
+                </a:solidFill>
+              </a:rPr>
               <a:t>jasonpolites.github.io/</a:t>
             </a:r>
             <a:r>
-              <a:rPr dirty="0" err="1"/>
+              <a:rPr sz="3600" dirty="0" err="1">
+                <a:solidFill>
+                  <a:schemeClr val="tx1"/>
+                </a:solidFill>
+              </a:rPr>
               <a:t>tao</a:t>
             </a:r>
             <a:r>
-              <a:rPr dirty="0"/>
+              <a:rPr sz="3600" dirty="0">
+                <a:solidFill>
+                  <a:schemeClr val="tx1"/>
+                </a:solidFill>
+              </a:rPr>
               <a:t>-of-testing/ch3-1.1.html</a:t>
             </a:r>
           </a:p>
@@ -4118,26 +5372,50 @@
               </a:defRPr>
             </a:pPr>
             <a:r>
-              <a:rPr dirty="0"/>
+              <a:rPr sz="3600" dirty="0">
+                <a:solidFill>
+                  <a:schemeClr val="tx1"/>
+                </a:solidFill>
+              </a:rPr>
               <a:t>c-sharpcorner.com/</a:t>
             </a:r>
             <a:r>
-              <a:rPr dirty="0" err="1"/>
+              <a:rPr sz="3600" dirty="0" err="1">
+                <a:solidFill>
+                  <a:schemeClr val="tx1"/>
+                </a:solidFill>
+              </a:rPr>
               <a:t>UploadFile</a:t>
             </a:r>
             <a:r>
-              <a:rPr dirty="0"/>
+              <a:rPr sz="3600" dirty="0">
+                <a:solidFill>
+                  <a:schemeClr val="tx1"/>
+                </a:solidFill>
+              </a:rPr>
               <a:t>/dacca2/unit-test-using-mock-object-in-dependency-injection/</a:t>
             </a:r>
           </a:p>
         </p:txBody>
       </p:sp>
     </p:spTree>
+    <p:extLst>
+      <p:ext uri="{BB962C8B-B14F-4D97-AF65-F5344CB8AC3E}">
+        <p14:creationId xmlns:p14="http://schemas.microsoft.com/office/powerpoint/2010/main" val="1913206978"/>
+      </p:ext>
+    </p:extLst>
   </p:cSld>
   <p:clrMapOvr>
     <a:masterClrMapping/>
   </p:clrMapOvr>
   <p:transition spd="med"/>
+  <p:timing>
+    <p:tnLst>
+      <p:par>
+        <p:cTn id="1" dur="indefinite" restart="never" nodeType="tmRoot"/>
+      </p:par>
+    </p:tnLst>
+  </p:timing>
 </p:sld>
 </file>
 
@@ -4160,14 +5438,14 @@
       </p:grpSpPr>
       <p:sp>
         <p:nvSpPr>
-          <p:cNvPr id="95" name="Any Questions?"/>
+          <p:cNvPr id="92" name="Dependencies and Sources"/>
           <p:cNvSpPr txBox="1"/>
           <p:nvPr/>
         </p:nvSpPr>
         <p:spPr>
           <a:xfrm>
-            <a:off x="2708688" y="5724284"/>
-            <a:ext cx="11691585" cy="1955801"/>
+            <a:off x="1819848" y="4573791"/>
+            <a:ext cx="20783291" cy="2633541"/>
           </a:xfrm>
           <a:prstGeom prst="rect">
             <a:avLst/>
@@ -4177,7 +5455,7 @@
           </a:ln>
           <a:extLst>
             <a:ext uri="{C572A759-6A51-4108-AA02-DFA0A04FC94B}">
-              <ma14:wrappingTextBoxFlag xmlns:ma14="http://schemas.microsoft.com/office/mac/drawingml/2011/main" val="1"/>
+              <ma14:wrappingTextBoxFlag xmlns="" xmlns:ma14="http://schemas.microsoft.com/office/mac/drawingml/2011/main" val="1"/>
             </a:ext>
           </a:extLst>
         </p:spPr>
@@ -4190,7 +5468,7 @@
               <a:lnSpc>
                 <a:spcPct val="80000"/>
               </a:lnSpc>
-              <a:defRPr sz="12000">
+              <a:defRPr cap="all">
                 <a:solidFill>
                   <a:srgbClr val="313836"/>
                 </a:solidFill>
@@ -4202,18 +5480,192 @@
             </a:lvl1pPr>
           </a:lstStyle>
           <a:p>
-            <a:r>
-              <a:t>Any Questions? </a:t>
-            </a:r>
+            <a:pPr algn="ctr"/>
+            <a:r>
+              <a:rPr lang="en-US" sz="10000" cap="none" dirty="0">
+                <a:solidFill>
+                  <a:schemeClr val="tx1"/>
+                </a:solidFill>
+              </a:rPr>
+              <a:t>Slides and code samples</a:t>
+            </a:r>
+          </a:p>
+          <a:p>
+            <a:pPr algn="ctr"/>
+            <a:r>
+              <a:rPr lang="en-US" sz="10000" cap="none" dirty="0">
+                <a:solidFill>
+                  <a:schemeClr val="tx1"/>
+                </a:solidFill>
+              </a:rPr>
+              <a:t>available </a:t>
+            </a:r>
+            <a:r>
+              <a:rPr lang="en-US" sz="10000" cap="none">
+                <a:solidFill>
+                  <a:schemeClr val="tx1"/>
+                </a:solidFill>
+              </a:rPr>
+              <a:t>on </a:t>
+            </a:r>
+            <a:r>
+              <a:rPr lang="en-US" sz="10000" cap="none" smtClean="0">
+                <a:solidFill>
+                  <a:schemeClr val="tx1"/>
+                </a:solidFill>
+              </a:rPr>
+              <a:t>GitHub</a:t>
+            </a:r>
+            <a:endParaRPr lang="en-US" sz="10000" cap="none" dirty="0">
+              <a:solidFill>
+                <a:schemeClr val="tx1"/>
+              </a:solidFill>
+            </a:endParaRPr>
+          </a:p>
+        </p:txBody>
+      </p:sp>
+      <p:sp>
+        <p:nvSpPr>
+          <p:cNvPr id="93" name="xunit 2.3.0…"/>
+          <p:cNvSpPr txBox="1"/>
+          <p:nvPr/>
+        </p:nvSpPr>
+        <p:spPr>
+          <a:xfrm>
+            <a:off x="1819847" y="7493425"/>
+            <a:ext cx="20783291" cy="779701"/>
+          </a:xfrm>
+          <a:prstGeom prst="rect">
+            <a:avLst/>
+          </a:prstGeom>
+          <a:ln w="12700">
+            <a:miter lim="400000"/>
+          </a:ln>
+          <a:extLst>
+            <a:ext uri="{C572A759-6A51-4108-AA02-DFA0A04FC94B}">
+              <ma14:wrappingTextBoxFlag xmlns="" xmlns:ma14="http://schemas.microsoft.com/office/mac/drawingml/2011/main" val="1"/>
+            </a:ext>
+          </a:extLst>
+        </p:spPr>
+        <p:txBody>
+          <a:bodyPr wrap="square" lIns="50800" tIns="50800" rIns="50800" bIns="50800" anchor="ctr">
+            <a:spAutoFit/>
+          </a:bodyPr>
+          <a:lstStyle/>
+          <a:p>
+            <a:pPr defTabSz="457200">
+              <a:defRPr sz="3200">
+                <a:solidFill>
+                  <a:srgbClr val="313836"/>
+                </a:solidFill>
+                <a:latin typeface="Proxima Nova Regular"/>
+                <a:ea typeface="Proxima Nova Regular"/>
+                <a:cs typeface="Proxima Nova Regular"/>
+                <a:sym typeface="Proxima Nova Regular"/>
+              </a:defRPr>
+            </a:pPr>
+            <a:r>
+              <a:rPr lang="en-US" sz="4400" dirty="0">
+                <a:solidFill>
+                  <a:schemeClr val="tx1"/>
+                </a:solidFill>
+              </a:rPr>
+              <a:t>https://github.com/sdreier2/codecamp-unittests</a:t>
+            </a:r>
+            <a:endParaRPr sz="4400" dirty="0">
+              <a:solidFill>
+                <a:schemeClr val="tx1"/>
+              </a:solidFill>
+            </a:endParaRPr>
           </a:p>
         </p:txBody>
       </p:sp>
     </p:spTree>
+    <p:extLst>
+      <p:ext uri="{BB962C8B-B14F-4D97-AF65-F5344CB8AC3E}">
+        <p14:creationId xmlns:p14="http://schemas.microsoft.com/office/powerpoint/2010/main" val="740444688"/>
+      </p:ext>
+    </p:extLst>
   </p:cSld>
   <p:clrMapOvr>
     <a:masterClrMapping/>
   </p:clrMapOvr>
   <p:transition spd="med"/>
+  <p:timing>
+    <p:tnLst>
+      <p:par>
+        <p:cTn id="1" dur="indefinite" restart="never" nodeType="tmRoot"/>
+      </p:par>
+    </p:tnLst>
+  </p:timing>
+</p:sld>
+</file>
+
+<file path=ppt/slides/slide22.xml><?xml version="1.0" encoding="utf-8"?>
+<p:sld xmlns:a="http://schemas.openxmlformats.org/drawingml/2006/main" xmlns:r="http://schemas.openxmlformats.org/officeDocument/2006/relationships" xmlns:p="http://schemas.openxmlformats.org/presentationml/2006/main">
+  <p:cSld>
+    <p:spTree>
+      <p:nvGrpSpPr>
+        <p:cNvPr id="1" name=""/>
+        <p:cNvGrpSpPr/>
+        <p:nvPr/>
+      </p:nvGrpSpPr>
+      <p:grpSpPr>
+        <a:xfrm>
+          <a:off x="0" y="0"/>
+          <a:ext cx="0" cy="0"/>
+          <a:chOff x="0" y="0"/>
+          <a:chExt cx="0" cy="0"/>
+        </a:xfrm>
+      </p:grpSpPr>
+      <p:pic>
+        <p:nvPicPr>
+          <p:cNvPr id="2" name="Picture 1">
+            <a:extLst>
+              <a:ext uri="{FF2B5EF4-FFF2-40B4-BE49-F238E27FC236}">
+                <a16:creationId xmlns="" xmlns:a16="http://schemas.microsoft.com/office/drawing/2014/main" id="{5F03F44C-02C3-144B-BE65-0CC3E07E7AF6}"/>
+              </a:ext>
+            </a:extLst>
+          </p:cNvPr>
+          <p:cNvPicPr>
+            <a:picLocks noChangeAspect="1"/>
+          </p:cNvPicPr>
+          <p:nvPr/>
+        </p:nvPicPr>
+        <p:blipFill>
+          <a:blip r:embed="rId2"/>
+          <a:stretch>
+            <a:fillRect/>
+          </a:stretch>
+        </p:blipFill>
+        <p:spPr>
+          <a:xfrm>
+            <a:off x="9237518" y="3998191"/>
+            <a:ext cx="5867400" cy="4140200"/>
+          </a:xfrm>
+          <a:prstGeom prst="rect">
+            <a:avLst/>
+          </a:prstGeom>
+        </p:spPr>
+      </p:pic>
+    </p:spTree>
+    <p:extLst>
+      <p:ext uri="{BB962C8B-B14F-4D97-AF65-F5344CB8AC3E}">
+        <p14:creationId xmlns:p14="http://schemas.microsoft.com/office/powerpoint/2010/main" val="926910511"/>
+      </p:ext>
+    </p:extLst>
+  </p:cSld>
+  <p:clrMapOvr>
+    <a:masterClrMapping/>
+  </p:clrMapOvr>
+  <p:transition spd="med"/>
+  <p:timing>
+    <p:tnLst>
+      <p:par>
+        <p:cTn id="1" dur="indefinite" restart="never" nodeType="tmRoot"/>
+      </p:par>
+    </p:tnLst>
+  </p:timing>
 </p:sld>
 </file>
 
@@ -4236,14 +5688,14 @@
       </p:grpSpPr>
       <p:sp>
         <p:nvSpPr>
-          <p:cNvPr id="40" name="A LITTLE ABOUT ME"/>
+          <p:cNvPr id="41" name="Graduated USF in 2010…"/>
           <p:cNvSpPr txBox="1"/>
           <p:nvPr/>
         </p:nvSpPr>
         <p:spPr>
           <a:xfrm>
-            <a:off x="1908268" y="3981449"/>
-            <a:ext cx="18536312" cy="1028701"/>
+            <a:off x="1748864" y="4092614"/>
+            <a:ext cx="13902345" cy="4380302"/>
           </a:xfrm>
           <a:prstGeom prst="rect">
             <a:avLst/>
@@ -4253,7 +5705,7 @@
           </a:ln>
           <a:extLst>
             <a:ext uri="{C572A759-6A51-4108-AA02-DFA0A04FC94B}">
-              <ma14:wrappingTextBoxFlag xmlns:ma14="http://schemas.microsoft.com/office/mac/drawingml/2011/main" val="1"/>
+              <ma14:wrappingTextBoxFlag xmlns="" xmlns:ma14="http://schemas.microsoft.com/office/mac/drawingml/2011/main" val="1"/>
             </a:ext>
           </a:extLst>
         </p:spPr>
@@ -4261,39 +5713,229 @@
           <a:bodyPr lIns="50800" tIns="50800" rIns="50800" bIns="50800" anchor="ctr">
             <a:spAutoFit/>
           </a:bodyPr>
-          <a:lstStyle>
-            <a:lvl1pPr algn="l" defTabSz="457200">
+          <a:lstStyle/>
+          <a:p>
+            <a:pPr algn="l" defTabSz="457200">
               <a:lnSpc>
                 <a:spcPct val="80000"/>
               </a:lnSpc>
-              <a:defRPr sz="6000">
+              <a:spcBef>
+                <a:spcPts val="3600"/>
+              </a:spcBef>
+              <a:defRPr sz="9000">
                 <a:solidFill>
                   <a:srgbClr val="313836"/>
                 </a:solidFill>
-                <a:latin typeface="Proxima Nova Bold"/>
-                <a:ea typeface="Proxima Nova Bold"/>
-                <a:cs typeface="Proxima Nova Bold"/>
-                <a:sym typeface="Proxima Nova Bold"/>
+                <a:latin typeface="Proxima Nova Regular"/>
+                <a:ea typeface="Proxima Nova Regular"/>
+                <a:cs typeface="Proxima Nova Regular"/>
+                <a:sym typeface="Proxima Nova Regular"/>
               </a:defRPr>
-            </a:lvl1pPr>
-          </a:lstStyle>
-          <a:p>
-            <a:r>
-              <a:t>A LITTLE ABOUT ME</a:t>
+            </a:pPr>
+            <a:r>
+              <a:rPr lang="en-US" sz="8000" dirty="0">
+                <a:solidFill>
+                  <a:schemeClr val="tx1"/>
+                </a:solidFill>
+                <a:latin typeface="Proxima Nova" panose="02000506030000020004" pitchFamily="2" charset="0"/>
+              </a:rPr>
+              <a:t>Graduated USF in 2010</a:t>
+            </a:r>
+          </a:p>
+          <a:p>
+            <a:pPr algn="l" defTabSz="457200">
+              <a:lnSpc>
+                <a:spcPct val="80000"/>
+              </a:lnSpc>
+              <a:spcBef>
+                <a:spcPts val="3600"/>
+              </a:spcBef>
+              <a:defRPr sz="9000">
+                <a:solidFill>
+                  <a:srgbClr val="313836"/>
+                </a:solidFill>
+                <a:latin typeface="Proxima Nova Regular"/>
+                <a:ea typeface="Proxima Nova Regular"/>
+                <a:cs typeface="Proxima Nova Regular"/>
+                <a:sym typeface="Proxima Nova Regular"/>
+              </a:defRPr>
+            </a:pPr>
+            <a:endParaRPr lang="en-US" sz="2800" dirty="0">
+              <a:solidFill>
+                <a:schemeClr val="tx1"/>
+              </a:solidFill>
+              <a:latin typeface="Proxima Nova" panose="02000506030000020004" pitchFamily="2" charset="0"/>
+            </a:endParaRPr>
+          </a:p>
+          <a:p>
+            <a:pPr algn="l" defTabSz="457200">
+              <a:lnSpc>
+                <a:spcPct val="80000"/>
+              </a:lnSpc>
+              <a:spcBef>
+                <a:spcPts val="3600"/>
+              </a:spcBef>
+              <a:defRPr sz="9000">
+                <a:solidFill>
+                  <a:srgbClr val="313836"/>
+                </a:solidFill>
+                <a:latin typeface="Proxima Nova Regular"/>
+                <a:ea typeface="Proxima Nova Regular"/>
+                <a:cs typeface="Proxima Nova Regular"/>
+                <a:sym typeface="Proxima Nova Regular"/>
+              </a:defRPr>
+            </a:pPr>
+            <a:r>
+              <a:rPr lang="en-US" sz="8000" dirty="0">
+                <a:solidFill>
+                  <a:schemeClr val="tx1"/>
+                </a:solidFill>
+                <a:latin typeface="Proxima Nova" panose="02000506030000020004" pitchFamily="2" charset="0"/>
+              </a:rPr>
+              <a:t>Worked with </a:t>
+            </a:r>
+            <a:r>
+              <a:rPr lang="en-US" sz="8000" dirty="0" smtClean="0">
+                <a:solidFill>
+                  <a:schemeClr val="tx1"/>
+                </a:solidFill>
+                <a:latin typeface="Proxima Nova" panose="02000506030000020004" pitchFamily="2" charset="0"/>
+              </a:rPr>
+              <a:t>Clark Associates      </a:t>
+            </a:r>
+            <a:r>
+              <a:rPr lang="en-US" sz="8000" dirty="0">
+                <a:solidFill>
+                  <a:schemeClr val="tx1"/>
+                </a:solidFill>
+                <a:latin typeface="Proxima Nova" panose="02000506030000020004" pitchFamily="2" charset="0"/>
+              </a:rPr>
+              <a:t>since 2016</a:t>
             </a:r>
           </a:p>
         </p:txBody>
       </p:sp>
+      <p:grpSp>
+        <p:nvGrpSpPr>
+          <p:cNvPr id="47" name="Image"/>
+          <p:cNvGrpSpPr/>
+          <p:nvPr/>
+        </p:nvGrpSpPr>
+        <p:grpSpPr>
+          <a:xfrm rot="192277">
+            <a:off x="15083527" y="1450183"/>
+            <a:ext cx="6225234" cy="4972846"/>
+            <a:chOff x="0" y="0"/>
+            <a:chExt cx="6225233" cy="4972844"/>
+          </a:xfrm>
+        </p:grpSpPr>
+        <p:pic>
+          <p:nvPicPr>
+            <p:cNvPr id="46" name="Image" descr="Image"/>
+            <p:cNvPicPr>
+              <a:picLocks noChangeAspect="1"/>
+            </p:cNvPicPr>
+            <p:nvPr/>
+          </p:nvPicPr>
+          <p:blipFill>
+            <a:blip r:embed="rId2">
+              <a:extLst/>
+            </a:blip>
+            <a:stretch>
+              <a:fillRect/>
+            </a:stretch>
+          </p:blipFill>
+          <p:spPr>
+            <a:xfrm>
+              <a:off x="215899" y="139699"/>
+              <a:ext cx="5793435" cy="4414046"/>
+            </a:xfrm>
+            <a:prstGeom prst="rect">
+              <a:avLst/>
+            </a:prstGeom>
+            <a:ln>
+              <a:noFill/>
+            </a:ln>
+            <a:effectLst/>
+          </p:spPr>
+        </p:pic>
+        <p:pic>
+          <p:nvPicPr>
+            <p:cNvPr id="45" name="Image" descr="Image"/>
+            <p:cNvPicPr>
+              <a:picLocks/>
+            </p:cNvPicPr>
+            <p:nvPr/>
+          </p:nvPicPr>
+          <p:blipFill>
+            <a:blip r:embed="rId3">
+              <a:extLst/>
+            </a:blip>
+            <a:stretch>
+              <a:fillRect/>
+            </a:stretch>
+          </p:blipFill>
+          <p:spPr>
+            <a:xfrm>
+              <a:off x="-1" y="-1"/>
+              <a:ext cx="6225235" cy="4972846"/>
+            </a:xfrm>
+            <a:prstGeom prst="rect">
+              <a:avLst/>
+            </a:prstGeom>
+            <a:effectLst/>
+          </p:spPr>
+        </p:pic>
+      </p:grpSp>
+      <p:pic>
+        <p:nvPicPr>
+          <p:cNvPr id="48" name="Image" descr="Image"/>
+          <p:cNvPicPr>
+            <a:picLocks/>
+          </p:cNvPicPr>
+          <p:nvPr/>
+        </p:nvPicPr>
+        <p:blipFill>
+          <a:blip r:embed="rId4">
+            <a:extLst/>
+          </a:blip>
+          <a:stretch>
+            <a:fillRect/>
+          </a:stretch>
+        </p:blipFill>
+        <p:spPr>
+          <a:xfrm rot="508414">
+            <a:off x="17916868" y="6035664"/>
+            <a:ext cx="4491893" cy="3546415"/>
+          </a:xfrm>
+          <a:prstGeom prst="rect">
+            <a:avLst/>
+          </a:prstGeom>
+          <a:effectLst>
+            <a:outerShdw blurRad="63500" dist="67294" dir="5400000" rotWithShape="0">
+              <a:srgbClr val="000000">
+                <a:alpha val="21993"/>
+              </a:srgbClr>
+            </a:outerShdw>
+          </a:effectLst>
+        </p:spPr>
+      </p:pic>
       <p:sp>
         <p:nvSpPr>
-          <p:cNvPr id="41" name="Graduated USF in 2010…"/>
+          <p:cNvPr id="11" name="A LITTLE ABOUT ME">
+            <a:extLst>
+              <a:ext uri="{FF2B5EF4-FFF2-40B4-BE49-F238E27FC236}">
+                <a16:creationId xmlns="" xmlns:a16="http://schemas.microsoft.com/office/drawing/2014/main" id="{79F60BA5-D2A6-ED42-865B-AA7AE93FBDCC}"/>
+              </a:ext>
+            </a:extLst>
+          </p:cNvPr>
           <p:cNvSpPr txBox="1"/>
           <p:nvPr/>
         </p:nvSpPr>
         <p:spPr>
           <a:xfrm>
-            <a:off x="1732686" y="5642962"/>
-            <a:ext cx="13902345" cy="4191001"/>
+            <a:off x="1748864" y="1805517"/>
+            <a:ext cx="21408932" cy="1333698"/>
           </a:xfrm>
           <a:prstGeom prst="rect">
             <a:avLst/>
@@ -4303,57 +5945,38 @@
           </a:ln>
           <a:extLst>
             <a:ext uri="{C572A759-6A51-4108-AA02-DFA0A04FC94B}">
-              <ma14:wrappingTextBoxFlag xmlns:ma14="http://schemas.microsoft.com/office/mac/drawingml/2011/main" val="1"/>
+              <ma14:wrappingTextBoxFlag xmlns="" xmlns:ma14="http://schemas.microsoft.com/office/mac/drawingml/2011/main" val="1"/>
             </a:ext>
           </a:extLst>
         </p:spPr>
         <p:txBody>
-          <a:bodyPr lIns="50800" tIns="50800" rIns="50800" bIns="50800" anchor="ctr">
+          <a:bodyPr wrap="square" lIns="50800" tIns="50800" rIns="50800" bIns="50800" anchor="ctr">
             <a:spAutoFit/>
           </a:bodyPr>
-          <a:lstStyle/>
-          <a:p>
-            <a:pPr algn="l" defTabSz="457200">
+          <a:lstStyle>
+            <a:lvl1pPr algn="l" defTabSz="457200">
               <a:lnSpc>
                 <a:spcPct val="80000"/>
               </a:lnSpc>
-              <a:spcBef>
-                <a:spcPts val="3600"/>
-              </a:spcBef>
-              <a:defRPr sz="9000">
+              <a:defRPr sz="6000">
                 <a:solidFill>
                   <a:srgbClr val="313836"/>
                 </a:solidFill>
-                <a:latin typeface="Proxima Nova Regular"/>
-                <a:ea typeface="Proxima Nova Regular"/>
-                <a:cs typeface="Proxima Nova Regular"/>
-                <a:sym typeface="Proxima Nova Regular"/>
+                <a:latin typeface="Proxima Nova Bold"/>
+                <a:ea typeface="Proxima Nova Bold"/>
+                <a:cs typeface="Proxima Nova Bold"/>
+                <a:sym typeface="Proxima Nova Bold"/>
               </a:defRPr>
-            </a:pPr>
-            <a:r>
-              <a:t>Graduated USF in 2010</a:t>
-            </a:r>
-          </a:p>
-          <a:p>
-            <a:pPr algn="l" defTabSz="457200">
-              <a:lnSpc>
-                <a:spcPct val="80000"/>
-              </a:lnSpc>
-              <a:spcBef>
-                <a:spcPts val="3600"/>
-              </a:spcBef>
-              <a:defRPr sz="9000">
-                <a:solidFill>
-                  <a:srgbClr val="313836"/>
-                </a:solidFill>
-                <a:latin typeface="Proxima Nova Regular"/>
-                <a:ea typeface="Proxima Nova Regular"/>
-                <a:cs typeface="Proxima Nova Regular"/>
-                <a:sym typeface="Proxima Nova Regular"/>
-              </a:defRPr>
-            </a:pPr>
-            <a:r>
-              <a:t>Worked with Clark Associates since 2016</a:t>
+            </a:lvl1pPr>
+          </a:lstStyle>
+          <a:p>
+            <a:r>
+              <a:rPr lang="en-US" sz="10000" dirty="0">
+                <a:solidFill>
+                  <a:schemeClr val="tx1"/>
+                </a:solidFill>
+              </a:rPr>
+              <a:t>About Me</a:t>
             </a:r>
           </a:p>
         </p:txBody>
@@ -4366,7 +5989,7 @@
         </p:nvGrpSpPr>
         <p:grpSpPr>
           <a:xfrm rot="21160197">
-            <a:off x="15125457" y="2471874"/>
+            <a:off x="13903989" y="5495881"/>
             <a:ext cx="3655764" cy="6335069"/>
             <a:chOff x="0" y="0"/>
             <a:chExt cx="3655762" cy="6335067"/>
@@ -4381,7 +6004,7 @@
             <p:nvPr/>
           </p:nvPicPr>
           <p:blipFill>
-            <a:blip r:embed="rId2">
+            <a:blip r:embed="rId5">
               <a:extLst/>
             </a:blip>
             <a:stretch>
@@ -4411,7 +6034,7 @@
             <p:nvPr/>
           </p:nvPicPr>
           <p:blipFill>
-            <a:blip r:embed="rId3">
+            <a:blip r:embed="rId6">
               <a:extLst/>
             </a:blip>
             <a:stretch>
@@ -4430,117 +6053,19 @@
           </p:spPr>
         </p:pic>
       </p:grpSp>
-      <p:grpSp>
-        <p:nvGrpSpPr>
-          <p:cNvPr id="47" name="Image"/>
-          <p:cNvGrpSpPr/>
-          <p:nvPr/>
-        </p:nvGrpSpPr>
-        <p:grpSpPr>
-          <a:xfrm rot="192277">
-            <a:off x="17309498" y="4371577"/>
-            <a:ext cx="6225234" cy="4972846"/>
-            <a:chOff x="0" y="0"/>
-            <a:chExt cx="6225233" cy="4972844"/>
-          </a:xfrm>
-        </p:grpSpPr>
-        <p:pic>
-          <p:nvPicPr>
-            <p:cNvPr id="46" name="Image" descr="Image"/>
-            <p:cNvPicPr>
-              <a:picLocks noChangeAspect="1"/>
-            </p:cNvPicPr>
-            <p:nvPr/>
-          </p:nvPicPr>
-          <p:blipFill>
-            <a:blip r:embed="rId4">
-              <a:extLst/>
-            </a:blip>
-            <a:stretch>
-              <a:fillRect/>
-            </a:stretch>
-          </p:blipFill>
-          <p:spPr>
-            <a:xfrm>
-              <a:off x="215899" y="139699"/>
-              <a:ext cx="5793435" cy="4414046"/>
-            </a:xfrm>
-            <a:prstGeom prst="rect">
-              <a:avLst/>
-            </a:prstGeom>
-            <a:ln>
-              <a:noFill/>
-            </a:ln>
-            <a:effectLst/>
-          </p:spPr>
-        </p:pic>
-        <p:pic>
-          <p:nvPicPr>
-            <p:cNvPr id="45" name="Image" descr="Image"/>
-            <p:cNvPicPr>
-              <a:picLocks/>
-            </p:cNvPicPr>
-            <p:nvPr/>
-          </p:nvPicPr>
-          <p:blipFill>
-            <a:blip r:embed="rId5">
-              <a:extLst/>
-            </a:blip>
-            <a:stretch>
-              <a:fillRect/>
-            </a:stretch>
-          </p:blipFill>
-          <p:spPr>
-            <a:xfrm>
-              <a:off x="-1" y="-1"/>
-              <a:ext cx="6225235" cy="4972846"/>
-            </a:xfrm>
-            <a:prstGeom prst="rect">
-              <a:avLst/>
-            </a:prstGeom>
-            <a:effectLst/>
-          </p:spPr>
-        </p:pic>
-      </p:grpSp>
-      <p:pic>
-        <p:nvPicPr>
-          <p:cNvPr id="48" name="Image" descr="Image"/>
-          <p:cNvPicPr>
-            <a:picLocks/>
-          </p:cNvPicPr>
-          <p:nvPr/>
-        </p:nvPicPr>
-        <p:blipFill>
-          <a:blip r:embed="rId6">
-            <a:extLst/>
-          </a:blip>
-          <a:stretch>
-            <a:fillRect/>
-          </a:stretch>
-        </p:blipFill>
-        <p:spPr>
-          <a:xfrm rot="508414">
-            <a:off x="18429132" y="1678567"/>
-            <a:ext cx="4491893" cy="3546415"/>
-          </a:xfrm>
-          <a:prstGeom prst="rect">
-            <a:avLst/>
-          </a:prstGeom>
-          <a:effectLst>
-            <a:outerShdw blurRad="63500" dist="67294" dir="5400000" rotWithShape="0">
-              <a:srgbClr val="000000">
-                <a:alpha val="21993"/>
-              </a:srgbClr>
-            </a:outerShdw>
-          </a:effectLst>
-        </p:spPr>
-      </p:pic>
     </p:spTree>
   </p:cSld>
   <p:clrMapOvr>
     <a:masterClrMapping/>
   </p:clrMapOvr>
   <p:transition spd="med"/>
+  <p:timing>
+    <p:tnLst>
+      <p:par>
+        <p:cTn id="1" dur="indefinite" restart="never" nodeType="tmRoot"/>
+      </p:par>
+    </p:tnLst>
+  </p:timing>
 </p:sld>
 </file>
 
@@ -4569,7 +6094,7 @@
         </p:nvSpPr>
         <p:spPr>
           <a:xfrm>
-            <a:off x="2464804" y="3352327"/>
+            <a:off x="1702985" y="1938651"/>
             <a:ext cx="20547233" cy="1333698"/>
           </a:xfrm>
           <a:prstGeom prst="rect">
@@ -4580,7 +6105,7 @@
           </a:ln>
           <a:extLst>
             <a:ext uri="{C572A759-6A51-4108-AA02-DFA0A04FC94B}">
-              <ma14:wrappingTextBoxFlag xmlns:ma14="http://schemas.microsoft.com/office/mac/drawingml/2011/main" val="1"/>
+              <ma14:wrappingTextBoxFlag xmlns="" xmlns:ma14="http://schemas.microsoft.com/office/mac/drawingml/2011/main" val="1"/>
             </a:ext>
           </a:extLst>
         </p:spPr>
@@ -4606,26 +6131,13 @@
           </a:lstStyle>
           <a:p>
             <a:r>
-              <a:rPr lang="en-US" dirty="0" smtClean="0"/>
-              <a:t>What is</a:t>
-            </a:r>
-            <a:r>
-              <a:rPr dirty="0" smtClean="0"/>
-              <a:t> </a:t>
-            </a:r>
-            <a:r>
-              <a:rPr dirty="0"/>
-              <a:t>Dependency </a:t>
-            </a:r>
-            <a:r>
-              <a:rPr dirty="0" smtClean="0"/>
-              <a:t>Injection</a:t>
-            </a:r>
-            <a:r>
-              <a:rPr lang="en-US" dirty="0" smtClean="0"/>
-              <a:t> (DI)?</a:t>
-            </a:r>
-            <a:endParaRPr dirty="0"/>
+              <a:rPr lang="en-US" dirty="0">
+                <a:solidFill>
+                  <a:schemeClr val="tx1"/>
+                </a:solidFill>
+              </a:rPr>
+              <a:t>What is Dependency Injection (DI)?</a:t>
+            </a:r>
           </a:p>
         </p:txBody>
       </p:sp>
@@ -4637,8 +6149,8 @@
         </p:nvSpPr>
         <p:spPr>
           <a:xfrm>
-            <a:off x="2542178" y="5457904"/>
-            <a:ext cx="17762837" cy="4591000"/>
+            <a:off x="1702985" y="3786699"/>
+            <a:ext cx="17766116" cy="4591000"/>
           </a:xfrm>
           <a:prstGeom prst="rect">
             <a:avLst/>
@@ -4648,12 +6160,12 @@
           </a:ln>
           <a:extLst>
             <a:ext uri="{C572A759-6A51-4108-AA02-DFA0A04FC94B}">
-              <ma14:wrappingTextBoxFlag xmlns:ma14="http://schemas.microsoft.com/office/mac/drawingml/2011/main" val="1"/>
+              <ma14:wrappingTextBoxFlag xmlns="" xmlns:ma14="http://schemas.microsoft.com/office/mac/drawingml/2011/main" val="1"/>
             </a:ext>
           </a:extLst>
         </p:spPr>
         <p:txBody>
-          <a:bodyPr lIns="50800" tIns="50800" rIns="50800" bIns="50800" anchor="ctr">
+          <a:bodyPr wrap="square" lIns="50800" tIns="50800" rIns="50800" bIns="50800" anchor="ctr">
             <a:spAutoFit/>
           </a:bodyPr>
           <a:lstStyle/>
@@ -4678,7 +6190,12 @@
               </a:defRPr>
             </a:pPr>
             <a:r>
-              <a:rPr lang="en-US" dirty="0" smtClean="0"/>
+              <a:rPr lang="en-US" dirty="0">
+                <a:solidFill>
+                  <a:schemeClr val="tx1"/>
+                </a:solidFill>
+                <a:latin typeface="Proxima Nova Regular"/>
+              </a:rPr>
               <a:t>Design Pattern in which one object supplies the dependencies of another object</a:t>
             </a:r>
           </a:p>
@@ -4703,10 +6220,14 @@
               </a:defRPr>
             </a:pPr>
             <a:r>
-              <a:rPr lang="en-US" dirty="0" smtClean="0"/>
+              <a:rPr lang="en-US" dirty="0">
+                <a:solidFill>
+                  <a:schemeClr val="tx1"/>
+                </a:solidFill>
+                <a:latin typeface="Proxima Nova Regular"/>
+              </a:rPr>
               <a:t>Allows for decoupled logic between layers	</a:t>
             </a:r>
-            <a:endParaRPr dirty="0" smtClean="0"/>
           </a:p>
           <a:p>
             <a:pPr marL="732692" indent="-732692" algn="l" defTabSz="457200">
@@ -4729,10 +6250,14 @@
               </a:defRPr>
             </a:pPr>
             <a:r>
-              <a:rPr lang="en-US" dirty="0" smtClean="0"/>
+              <a:rPr lang="en-US" dirty="0">
+                <a:solidFill>
+                  <a:schemeClr val="tx1"/>
+                </a:solidFill>
+                <a:latin typeface="Proxima Nova Regular"/>
+              </a:rPr>
               <a:t>Requires the use of an injector to resolve dependency types when constructing objects</a:t>
             </a:r>
-            <a:endParaRPr dirty="0" smtClean="0"/>
           </a:p>
         </p:txBody>
       </p:sp>
@@ -4742,6 +6267,13 @@
     <a:masterClrMapping/>
   </p:clrMapOvr>
   <p:transition spd="med"/>
+  <p:timing>
+    <p:tnLst>
+      <p:par>
+        <p:cTn id="1" dur="indefinite" restart="never" nodeType="tmRoot"/>
+      </p:par>
+    </p:tnLst>
+  </p:timing>
 </p:sld>
 </file>
 
@@ -4770,8 +6302,8 @@
         </p:nvSpPr>
         <p:spPr>
           <a:xfrm>
-            <a:off x="2464804" y="3193676"/>
-            <a:ext cx="20547233" cy="1651001"/>
+            <a:off x="1702985" y="1952489"/>
+            <a:ext cx="20547233" cy="1402435"/>
           </a:xfrm>
           <a:prstGeom prst="rect">
             <a:avLst/>
@@ -4781,7 +6313,7 @@
           </a:ln>
           <a:extLst>
             <a:ext uri="{C572A759-6A51-4108-AA02-DFA0A04FC94B}">
-              <ma14:wrappingTextBoxFlag xmlns:ma14="http://schemas.microsoft.com/office/mac/drawingml/2011/main" val="1"/>
+              <ma14:wrappingTextBoxFlag xmlns="" xmlns:ma14="http://schemas.microsoft.com/office/mac/drawingml/2011/main" val="1"/>
             </a:ext>
           </a:extLst>
         </p:spPr>
@@ -4807,6 +6339,11 @@
           </a:lstStyle>
           <a:p>
             <a:r>
+              <a:rPr dirty="0">
+                <a:solidFill>
+                  <a:schemeClr val="tx1"/>
+                </a:solidFill>
+              </a:rPr>
               <a:t>Benefits of Dependency Injection </a:t>
             </a:r>
           </a:p>
@@ -4820,8 +6357,8 @@
         </p:nvSpPr>
         <p:spPr>
           <a:xfrm>
-            <a:off x="2542178" y="5322623"/>
-            <a:ext cx="17762837" cy="4861561"/>
+            <a:off x="1702985" y="3754974"/>
+            <a:ext cx="16966015" cy="3778150"/>
           </a:xfrm>
           <a:prstGeom prst="rect">
             <a:avLst/>
@@ -4831,12 +6368,12 @@
           </a:ln>
           <a:extLst>
             <a:ext uri="{C572A759-6A51-4108-AA02-DFA0A04FC94B}">
-              <ma14:wrappingTextBoxFlag xmlns:ma14="http://schemas.microsoft.com/office/mac/drawingml/2011/main" val="1"/>
+              <ma14:wrappingTextBoxFlag xmlns="" xmlns:ma14="http://schemas.microsoft.com/office/mac/drawingml/2011/main" val="1"/>
             </a:ext>
           </a:extLst>
         </p:spPr>
         <p:txBody>
-          <a:bodyPr lIns="50800" tIns="50800" rIns="50800" bIns="50800" anchor="ctr">
+          <a:bodyPr wrap="square" lIns="50800" tIns="50800" rIns="50800" bIns="50800" anchor="ctr">
             <a:spAutoFit/>
           </a:bodyPr>
           <a:lstStyle/>
@@ -4861,31 +6398,12 @@
               </a:defRPr>
             </a:pPr>
             <a:r>
+              <a:rPr dirty="0">
+                <a:solidFill>
+                  <a:schemeClr val="tx1"/>
+                </a:solidFill>
+              </a:rPr>
               <a:t>Single Responsibility Principle</a:t>
-            </a:r>
-          </a:p>
-          <a:p>
-            <a:pPr marL="1367692" lvl="1" indent="-732692" algn="l" defTabSz="457200">
-              <a:lnSpc>
-                <a:spcPct val="90000"/>
-              </a:lnSpc>
-              <a:spcBef>
-                <a:spcPts val="1300"/>
-              </a:spcBef>
-              <a:buSzPct val="75000"/>
-              <a:buChar char="•"/>
-              <a:defRPr sz="6000">
-                <a:solidFill>
-                  <a:srgbClr val="313836"/>
-                </a:solidFill>
-                <a:latin typeface="Proxima Nova Regular"/>
-                <a:ea typeface="Proxima Nova Regular"/>
-                <a:cs typeface="Proxima Nova Regular"/>
-                <a:sym typeface="Proxima Nova Regular"/>
-              </a:defRPr>
-            </a:pPr>
-            <a:r>
-              <a:t>Break logic into individual dependencies</a:t>
             </a:r>
           </a:p>
           <a:p>
@@ -4909,6 +6427,11 @@
               </a:defRPr>
             </a:pPr>
             <a:r>
+              <a:rPr dirty="0">
+                <a:solidFill>
+                  <a:schemeClr val="tx1"/>
+                </a:solidFill>
+              </a:rPr>
               <a:t>Isolate components for unit tests</a:t>
             </a:r>
           </a:p>
@@ -4933,6 +6456,11 @@
               </a:defRPr>
             </a:pPr>
             <a:r>
+              <a:rPr dirty="0">
+                <a:solidFill>
+                  <a:schemeClr val="tx1"/>
+                </a:solidFill>
+              </a:rPr>
               <a:t>Substitute different implementations of dependencies without breaking anything</a:t>
             </a:r>
           </a:p>
@@ -4941,7 +6469,7 @@
     </p:spTree>
     <p:extLst>
       <p:ext uri="{BB962C8B-B14F-4D97-AF65-F5344CB8AC3E}">
-        <p14:creationId xmlns:p14="http://schemas.microsoft.com/office/powerpoint/2010/main" val="4153670757"/>
+        <p14:creationId xmlns:p14="http://schemas.microsoft.com/office/powerpoint/2010/main" val="3986437735"/>
       </p:ext>
     </p:extLst>
   </p:cSld>
@@ -4949,6 +6477,13 @@
     <a:masterClrMapping/>
   </p:clrMapOvr>
   <p:transition spd="med"/>
+  <p:timing>
+    <p:tnLst>
+      <p:par>
+        <p:cTn id="1" dur="indefinite" restart="never" nodeType="tmRoot"/>
+      </p:par>
+    </p:tnLst>
+  </p:timing>
 </p:sld>
 </file>
 
@@ -4958,7 +6493,7 @@
     <p:bg>
       <p:bgPr>
         <a:solidFill>
-          <a:srgbClr val="1E1E1E"/>
+          <a:srgbClr val="1D1F21"/>
         </a:solidFill>
         <a:effectLst/>
       </p:bgPr>
@@ -4977,26 +6512,16 @@
           <a:chExt cx="0" cy="0"/>
         </a:xfrm>
       </p:grpSpPr>
-      <p:pic>
-        <p:nvPicPr>
-          <p:cNvPr id="54" name="clark-logo.png" descr="clark-logo.png"/>
-          <p:cNvPicPr>
-            <a:picLocks noChangeAspect="1"/>
-          </p:cNvPicPr>
+      <p:sp>
+        <p:nvSpPr>
+          <p:cNvPr id="50" name="Benefits of Dependency Injection"/>
+          <p:cNvSpPr txBox="1"/>
           <p:nvPr/>
-        </p:nvPicPr>
-        <p:blipFill>
-          <a:blip r:embed="rId2">
-            <a:extLst/>
-          </a:blip>
-          <a:stretch>
-            <a:fillRect/>
-          </a:stretch>
-        </p:blipFill>
+        </p:nvSpPr>
         <p:spPr>
           <a:xfrm>
-            <a:off x="20730826" y="11831917"/>
-            <a:ext cx="3514892" cy="1590489"/>
+            <a:off x="2340111" y="4552744"/>
+            <a:ext cx="20547233" cy="1402435"/>
           </a:xfrm>
           <a:prstGeom prst="rect">
             <a:avLst/>
@@ -5004,39 +6529,177 @@
           <a:ln w="12700">
             <a:miter lim="400000"/>
           </a:ln>
-          <a:effectLst>
-            <a:outerShdw blurRad="63500" dist="67294" dir="5400000" rotWithShape="0">
-              <a:srgbClr val="000000">
-                <a:alpha val="21993"/>
-              </a:srgbClr>
-            </a:outerShdw>
-          </a:effectLst>
+          <a:extLst>
+            <a:ext uri="{C572A759-6A51-4108-AA02-DFA0A04FC94B}">
+              <ma14:wrappingTextBoxFlag xmlns="" xmlns:ma14="http://schemas.microsoft.com/office/mac/drawingml/2011/main" val="1"/>
+            </a:ext>
+          </a:extLst>
         </p:spPr>
-      </p:pic>
+        <p:txBody>
+          <a:bodyPr lIns="50800" tIns="50800" rIns="50800" bIns="50800" anchor="ctr">
+            <a:spAutoFit/>
+          </a:bodyPr>
+          <a:lstStyle>
+            <a:lvl1pPr algn="l" defTabSz="457200">
+              <a:lnSpc>
+                <a:spcPct val="80000"/>
+              </a:lnSpc>
+              <a:defRPr sz="10000">
+                <a:solidFill>
+                  <a:srgbClr val="313836"/>
+                </a:solidFill>
+                <a:latin typeface="Proxima Nova Bold"/>
+                <a:ea typeface="Proxima Nova Bold"/>
+                <a:cs typeface="Proxima Nova Bold"/>
+                <a:sym typeface="Proxima Nova Bold"/>
+              </a:defRPr>
+            </a:lvl1pPr>
+          </a:lstStyle>
+          <a:p>
+            <a:endParaRPr dirty="0">
+              <a:solidFill>
+                <a:schemeClr val="tx1"/>
+              </a:solidFill>
+            </a:endParaRPr>
+          </a:p>
+        </p:txBody>
+      </p:sp>
+      <p:sp>
+        <p:nvSpPr>
+          <p:cNvPr id="51" name="Single Responsibility Principle…"/>
+          <p:cNvSpPr txBox="1"/>
+          <p:nvPr/>
+        </p:nvSpPr>
+        <p:spPr>
+          <a:xfrm>
+            <a:off x="2340111" y="7115753"/>
+            <a:ext cx="19272978" cy="1025922"/>
+          </a:xfrm>
+          <a:prstGeom prst="rect">
+            <a:avLst/>
+          </a:prstGeom>
+          <a:ln w="12700">
+            <a:miter lim="400000"/>
+          </a:ln>
+          <a:extLst>
+            <a:ext uri="{C572A759-6A51-4108-AA02-DFA0A04FC94B}">
+              <ma14:wrappingTextBoxFlag xmlns="" xmlns:ma14="http://schemas.microsoft.com/office/mac/drawingml/2011/main" val="1"/>
+            </a:ext>
+          </a:extLst>
+        </p:spPr>
+        <p:txBody>
+          <a:bodyPr wrap="square" lIns="50800" tIns="50800" rIns="50800" bIns="50800" anchor="ctr">
+            <a:spAutoFit/>
+          </a:bodyPr>
+          <a:lstStyle/>
+          <a:p>
+            <a:pPr defTabSz="457200">
+              <a:spcBef>
+                <a:spcPts val="1300"/>
+              </a:spcBef>
+              <a:buSzPct val="75000"/>
+              <a:defRPr sz="6000">
+                <a:solidFill>
+                  <a:srgbClr val="313836"/>
+                </a:solidFill>
+                <a:latin typeface="Proxima Nova Regular"/>
+                <a:ea typeface="Proxima Nova Regular"/>
+                <a:cs typeface="Proxima Nova Regular"/>
+                <a:sym typeface="Proxima Nova Regular"/>
+              </a:defRPr>
+            </a:pPr>
+            <a:endParaRPr dirty="0">
+              <a:solidFill>
+                <a:schemeClr val="tx1"/>
+              </a:solidFill>
+            </a:endParaRPr>
+          </a:p>
+        </p:txBody>
+      </p:sp>
+      <p:sp>
+        <p:nvSpPr>
+          <p:cNvPr id="4" name="Benefits of Dependency Injection">
+            <a:extLst>
+              <a:ext uri="{FF2B5EF4-FFF2-40B4-BE49-F238E27FC236}">
+                <a16:creationId xmlns="" xmlns:a16="http://schemas.microsoft.com/office/drawing/2014/main" id="{8EA67313-1D79-EE49-8B15-9D7C9D51D360}"/>
+              </a:ext>
+            </a:extLst>
+          </p:cNvPr>
+          <p:cNvSpPr txBox="1"/>
+          <p:nvPr/>
+        </p:nvSpPr>
+        <p:spPr>
+          <a:xfrm>
+            <a:off x="1702983" y="2722461"/>
+            <a:ext cx="20547233" cy="882486"/>
+          </a:xfrm>
+          <a:prstGeom prst="rect">
+            <a:avLst/>
+          </a:prstGeom>
+          <a:ln w="12700">
+            <a:miter lim="400000"/>
+          </a:ln>
+          <a:extLst>
+            <a:ext uri="{C572A759-6A51-4108-AA02-DFA0A04FC94B}">
+              <ma14:wrappingTextBoxFlag xmlns="" xmlns:ma14="http://schemas.microsoft.com/office/mac/drawingml/2011/main" val="1"/>
+            </a:ext>
+          </a:extLst>
+        </p:spPr>
+        <p:txBody>
+          <a:bodyPr lIns="50800" tIns="50800" rIns="50800" bIns="50800" anchor="ctr">
+            <a:spAutoFit/>
+          </a:bodyPr>
+          <a:lstStyle>
+            <a:lvl1pPr algn="l" defTabSz="457200">
+              <a:lnSpc>
+                <a:spcPct val="80000"/>
+              </a:lnSpc>
+              <a:defRPr sz="10000">
+                <a:solidFill>
+                  <a:srgbClr val="313836"/>
+                </a:solidFill>
+                <a:latin typeface="Proxima Nova Bold"/>
+                <a:ea typeface="Proxima Nova Bold"/>
+                <a:cs typeface="Proxima Nova Bold"/>
+                <a:sym typeface="Proxima Nova Bold"/>
+              </a:defRPr>
+            </a:lvl1pPr>
+          </a:lstStyle>
+          <a:p>
+            <a:pPr algn="ctr"/>
+            <a:endParaRPr sz="6000" spc="600" dirty="0">
+              <a:solidFill>
+                <a:schemeClr val="tx1"/>
+              </a:solidFill>
+              <a:latin typeface="Proxima Nova Light" panose="02000506030000020004" pitchFamily="2" charset="0"/>
+            </a:endParaRPr>
+          </a:p>
+        </p:txBody>
+      </p:sp>
       <p:pic>
         <p:nvPicPr>
-          <p:cNvPr id="2" name="Picture 1"/>
+          <p:cNvPr id="2" name="Picture 1">
+            <a:extLst>
+              <a:ext uri="{FF2B5EF4-FFF2-40B4-BE49-F238E27FC236}">
+                <a16:creationId xmlns="" xmlns:a16="http://schemas.microsoft.com/office/drawing/2014/main" id="{E339F186-D3B5-AB4B-B849-655576734758}"/>
+              </a:ext>
+            </a:extLst>
+          </p:cNvPr>
           <p:cNvPicPr>
             <a:picLocks noChangeAspect="1"/>
           </p:cNvPicPr>
           <p:nvPr/>
         </p:nvPicPr>
         <p:blipFill>
-          <a:blip r:embed="rId3">
-            <a:extLst>
-              <a:ext uri="{28A0092B-C50C-407E-A947-70E740481C1C}">
-                <a14:useLocalDpi xmlns:a14="http://schemas.microsoft.com/office/drawing/2010/main" val="0"/>
-              </a:ext>
-            </a:extLst>
-          </a:blip>
+          <a:blip r:embed="rId3"/>
           <a:stretch>
             <a:fillRect/>
           </a:stretch>
         </p:blipFill>
         <p:spPr>
           <a:xfrm>
-            <a:off x="762000" y="440459"/>
-            <a:ext cx="11963400" cy="13504141"/>
+            <a:off x="945572" y="633268"/>
+            <a:ext cx="11353800" cy="12407900"/>
           </a:xfrm>
           <a:prstGeom prst="rect">
             <a:avLst/>
@@ -5044,11 +6707,23 @@
         </p:spPr>
       </p:pic>
     </p:spTree>
+    <p:extLst>
+      <p:ext uri="{BB962C8B-B14F-4D97-AF65-F5344CB8AC3E}">
+        <p14:creationId xmlns:p14="http://schemas.microsoft.com/office/powerpoint/2010/main" val="2195025950"/>
+      </p:ext>
+    </p:extLst>
   </p:cSld>
   <p:clrMapOvr>
     <a:masterClrMapping/>
   </p:clrMapOvr>
   <p:transition spd="med"/>
+  <p:timing>
+    <p:tnLst>
+      <p:par>
+        <p:cTn id="1" dur="indefinite" restart="never" nodeType="tmRoot"/>
+      </p:par>
+    </p:tnLst>
+  </p:timing>
 </p:sld>
 </file>
 
@@ -5058,7 +6733,7 @@
     <p:bg>
       <p:bgPr>
         <a:solidFill>
-          <a:srgbClr val="1E1E1E"/>
+          <a:srgbClr val="1D1F21"/>
         </a:solidFill>
         <a:effectLst/>
       </p:bgPr>
@@ -5077,26 +6752,16 @@
           <a:chExt cx="0" cy="0"/>
         </a:xfrm>
       </p:grpSpPr>
-      <p:pic>
-        <p:nvPicPr>
-          <p:cNvPr id="54" name="clark-logo.png" descr="clark-logo.png"/>
-          <p:cNvPicPr>
-            <a:picLocks noChangeAspect="1"/>
-          </p:cNvPicPr>
+      <p:sp>
+        <p:nvSpPr>
+          <p:cNvPr id="50" name="Benefits of Dependency Injection"/>
+          <p:cNvSpPr txBox="1"/>
           <p:nvPr/>
-        </p:nvPicPr>
-        <p:blipFill>
-          <a:blip r:embed="rId2">
-            <a:extLst/>
-          </a:blip>
-          <a:stretch>
-            <a:fillRect/>
-          </a:stretch>
-        </p:blipFill>
+        </p:nvSpPr>
         <p:spPr>
           <a:xfrm>
-            <a:off x="20730826" y="11831917"/>
-            <a:ext cx="3514892" cy="1590489"/>
+            <a:off x="2340111" y="4552744"/>
+            <a:ext cx="20547233" cy="1402435"/>
           </a:xfrm>
           <a:prstGeom prst="rect">
             <a:avLst/>
@@ -5104,18 +6769,156 @@
           <a:ln w="12700">
             <a:miter lim="400000"/>
           </a:ln>
-          <a:effectLst>
-            <a:outerShdw blurRad="63500" dist="67294" dir="5400000" rotWithShape="0">
-              <a:srgbClr val="000000">
-                <a:alpha val="21993"/>
-              </a:srgbClr>
-            </a:outerShdw>
-          </a:effectLst>
+          <a:extLst>
+            <a:ext uri="{C572A759-6A51-4108-AA02-DFA0A04FC94B}">
+              <ma14:wrappingTextBoxFlag xmlns="" xmlns:ma14="http://schemas.microsoft.com/office/mac/drawingml/2011/main" val="1"/>
+            </a:ext>
+          </a:extLst>
         </p:spPr>
-      </p:pic>
+        <p:txBody>
+          <a:bodyPr lIns="50800" tIns="50800" rIns="50800" bIns="50800" anchor="ctr">
+            <a:spAutoFit/>
+          </a:bodyPr>
+          <a:lstStyle>
+            <a:lvl1pPr algn="l" defTabSz="457200">
+              <a:lnSpc>
+                <a:spcPct val="80000"/>
+              </a:lnSpc>
+              <a:defRPr sz="10000">
+                <a:solidFill>
+                  <a:srgbClr val="313836"/>
+                </a:solidFill>
+                <a:latin typeface="Proxima Nova Bold"/>
+                <a:ea typeface="Proxima Nova Bold"/>
+                <a:cs typeface="Proxima Nova Bold"/>
+                <a:sym typeface="Proxima Nova Bold"/>
+              </a:defRPr>
+            </a:lvl1pPr>
+          </a:lstStyle>
+          <a:p>
+            <a:endParaRPr dirty="0">
+              <a:solidFill>
+                <a:schemeClr val="tx1"/>
+              </a:solidFill>
+            </a:endParaRPr>
+          </a:p>
+        </p:txBody>
+      </p:sp>
+      <p:sp>
+        <p:nvSpPr>
+          <p:cNvPr id="51" name="Single Responsibility Principle…"/>
+          <p:cNvSpPr txBox="1"/>
+          <p:nvPr/>
+        </p:nvSpPr>
+        <p:spPr>
+          <a:xfrm>
+            <a:off x="2340111" y="7115753"/>
+            <a:ext cx="19272978" cy="1025922"/>
+          </a:xfrm>
+          <a:prstGeom prst="rect">
+            <a:avLst/>
+          </a:prstGeom>
+          <a:ln w="12700">
+            <a:miter lim="400000"/>
+          </a:ln>
+          <a:extLst>
+            <a:ext uri="{C572A759-6A51-4108-AA02-DFA0A04FC94B}">
+              <ma14:wrappingTextBoxFlag xmlns="" xmlns:ma14="http://schemas.microsoft.com/office/mac/drawingml/2011/main" val="1"/>
+            </a:ext>
+          </a:extLst>
+        </p:spPr>
+        <p:txBody>
+          <a:bodyPr wrap="square" lIns="50800" tIns="50800" rIns="50800" bIns="50800" anchor="ctr">
+            <a:spAutoFit/>
+          </a:bodyPr>
+          <a:lstStyle/>
+          <a:p>
+            <a:pPr defTabSz="457200">
+              <a:spcBef>
+                <a:spcPts val="1300"/>
+              </a:spcBef>
+              <a:buSzPct val="75000"/>
+              <a:defRPr sz="6000">
+                <a:solidFill>
+                  <a:srgbClr val="313836"/>
+                </a:solidFill>
+                <a:latin typeface="Proxima Nova Regular"/>
+                <a:ea typeface="Proxima Nova Regular"/>
+                <a:cs typeface="Proxima Nova Regular"/>
+                <a:sym typeface="Proxima Nova Regular"/>
+              </a:defRPr>
+            </a:pPr>
+            <a:endParaRPr dirty="0">
+              <a:solidFill>
+                <a:schemeClr val="tx1"/>
+              </a:solidFill>
+            </a:endParaRPr>
+          </a:p>
+        </p:txBody>
+      </p:sp>
+      <p:sp>
+        <p:nvSpPr>
+          <p:cNvPr id="4" name="Benefits of Dependency Injection">
+            <a:extLst>
+              <a:ext uri="{FF2B5EF4-FFF2-40B4-BE49-F238E27FC236}">
+                <a16:creationId xmlns="" xmlns:a16="http://schemas.microsoft.com/office/drawing/2014/main" id="{8EA67313-1D79-EE49-8B15-9D7C9D51D360}"/>
+              </a:ext>
+            </a:extLst>
+          </p:cNvPr>
+          <p:cNvSpPr txBox="1"/>
+          <p:nvPr/>
+        </p:nvSpPr>
+        <p:spPr>
+          <a:xfrm>
+            <a:off x="1702983" y="2722461"/>
+            <a:ext cx="20547233" cy="882486"/>
+          </a:xfrm>
+          <a:prstGeom prst="rect">
+            <a:avLst/>
+          </a:prstGeom>
+          <a:ln w="12700">
+            <a:miter lim="400000"/>
+          </a:ln>
+          <a:extLst>
+            <a:ext uri="{C572A759-6A51-4108-AA02-DFA0A04FC94B}">
+              <ma14:wrappingTextBoxFlag xmlns="" xmlns:ma14="http://schemas.microsoft.com/office/mac/drawingml/2011/main" val="1"/>
+            </a:ext>
+          </a:extLst>
+        </p:spPr>
+        <p:txBody>
+          <a:bodyPr lIns="50800" tIns="50800" rIns="50800" bIns="50800" anchor="ctr">
+            <a:spAutoFit/>
+          </a:bodyPr>
+          <a:lstStyle>
+            <a:lvl1pPr algn="l" defTabSz="457200">
+              <a:lnSpc>
+                <a:spcPct val="80000"/>
+              </a:lnSpc>
+              <a:defRPr sz="10000">
+                <a:solidFill>
+                  <a:srgbClr val="313836"/>
+                </a:solidFill>
+                <a:latin typeface="Proxima Nova Bold"/>
+                <a:ea typeface="Proxima Nova Bold"/>
+                <a:cs typeface="Proxima Nova Bold"/>
+                <a:sym typeface="Proxima Nova Bold"/>
+              </a:defRPr>
+            </a:lvl1pPr>
+          </a:lstStyle>
+          <a:p>
+            <a:pPr algn="ctr"/>
+            <a:endParaRPr sz="6000" spc="600" dirty="0">
+              <a:solidFill>
+                <a:schemeClr val="tx1"/>
+              </a:solidFill>
+              <a:latin typeface="Proxima Nova Light" panose="02000506030000020004" pitchFamily="2" charset="0"/>
+            </a:endParaRPr>
+          </a:p>
+        </p:txBody>
+      </p:sp>
       <p:pic>
         <p:nvPicPr>
-          <p:cNvPr id="1026" name="Picture 2"/>
+          <p:cNvPr id="6" name="Picture 2"/>
           <p:cNvPicPr>
             <a:picLocks noChangeAspect="1" noChangeArrowheads="1"/>
           </p:cNvPicPr>
@@ -5134,7 +6937,7 @@
         </p:blipFill>
         <p:spPr bwMode="auto">
           <a:xfrm>
-            <a:off x="1143000" y="304800"/>
+            <a:off x="503853" y="298580"/>
             <a:ext cx="12505964" cy="8534400"/>
           </a:xfrm>
           <a:prstGeom prst="rect">
@@ -5168,7 +6971,7 @@
     </p:spTree>
     <p:extLst>
       <p:ext uri="{BB962C8B-B14F-4D97-AF65-F5344CB8AC3E}">
-        <p14:creationId xmlns:p14="http://schemas.microsoft.com/office/powerpoint/2010/main" val="4285367521"/>
+        <p14:creationId xmlns:p14="http://schemas.microsoft.com/office/powerpoint/2010/main" val="335970063"/>
       </p:ext>
     </p:extLst>
   </p:cSld>
@@ -5176,6 +6979,13 @@
     <a:masterClrMapping/>
   </p:clrMapOvr>
   <p:transition spd="med"/>
+  <p:timing>
+    <p:tnLst>
+      <p:par>
+        <p:cTn id="1" dur="indefinite" restart="never" nodeType="tmRoot"/>
+      </p:par>
+    </p:tnLst>
+  </p:timing>
 </p:sld>
 </file>
 
@@ -5198,14 +7008,14 @@
       </p:grpSpPr>
       <p:sp>
         <p:nvSpPr>
-          <p:cNvPr id="56" name="But How Do We Unit Test with DI?"/>
+          <p:cNvPr id="50" name="Benefits of Dependency Injection"/>
           <p:cNvSpPr txBox="1"/>
           <p:nvPr/>
         </p:nvSpPr>
         <p:spPr>
           <a:xfrm>
-            <a:off x="2727898" y="4080061"/>
-            <a:ext cx="18536312" cy="876301"/>
+            <a:off x="1893482" y="4282181"/>
+            <a:ext cx="20547233" cy="5095754"/>
           </a:xfrm>
           <a:prstGeom prst="rect">
             <a:avLst/>
@@ -5215,7 +7025,91 @@
           </a:ln>
           <a:extLst>
             <a:ext uri="{C572A759-6A51-4108-AA02-DFA0A04FC94B}">
-              <ma14:wrappingTextBoxFlag xmlns:ma14="http://schemas.microsoft.com/office/mac/drawingml/2011/main" val="1"/>
+              <ma14:wrappingTextBoxFlag xmlns="" xmlns:ma14="http://schemas.microsoft.com/office/mac/drawingml/2011/main" val="1"/>
+            </a:ext>
+          </a:extLst>
+        </p:spPr>
+        <p:txBody>
+          <a:bodyPr wrap="square" lIns="50800" tIns="50800" rIns="50800" bIns="50800" anchor="ctr">
+            <a:spAutoFit/>
+          </a:bodyPr>
+          <a:lstStyle>
+            <a:lvl1pPr algn="l" defTabSz="457200">
+              <a:lnSpc>
+                <a:spcPct val="80000"/>
+              </a:lnSpc>
+              <a:defRPr sz="10000">
+                <a:solidFill>
+                  <a:srgbClr val="313836"/>
+                </a:solidFill>
+                <a:latin typeface="Proxima Nova Bold"/>
+                <a:ea typeface="Proxima Nova Bold"/>
+                <a:cs typeface="Proxima Nova Bold"/>
+                <a:sym typeface="Proxima Nova Bold"/>
+              </a:defRPr>
+            </a:lvl1pPr>
+          </a:lstStyle>
+          <a:p>
+            <a:pPr algn="ctr"/>
+            <a:r>
+              <a:rPr lang="en-US" dirty="0">
+                <a:solidFill>
+                  <a:schemeClr val="tx1"/>
+                </a:solidFill>
+              </a:rPr>
+              <a:t>How do we mock a</a:t>
+            </a:r>
+          </a:p>
+          <a:p>
+            <a:pPr algn="ctr"/>
+            <a:r>
+              <a:rPr lang="en-US" dirty="0">
+                <a:solidFill>
+                  <a:schemeClr val="tx1"/>
+                </a:solidFill>
+              </a:rPr>
+              <a:t>dependency to assure correct functionality of the</a:t>
+            </a:r>
+          </a:p>
+          <a:p>
+            <a:pPr algn="ctr"/>
+            <a:r>
+              <a:rPr lang="en-US" dirty="0">
+                <a:solidFill>
+                  <a:schemeClr val="tx1"/>
+                </a:solidFill>
+              </a:rPr>
+              <a:t>System Under Test (SUT)?</a:t>
+            </a:r>
+          </a:p>
+        </p:txBody>
+      </p:sp>
+      <p:sp>
+        <p:nvSpPr>
+          <p:cNvPr id="4" name="Benefits of Dependency Injection">
+            <a:extLst>
+              <a:ext uri="{FF2B5EF4-FFF2-40B4-BE49-F238E27FC236}">
+                <a16:creationId xmlns="" xmlns:a16="http://schemas.microsoft.com/office/drawing/2014/main" id="{8EA67313-1D79-EE49-8B15-9D7C9D51D360}"/>
+              </a:ext>
+            </a:extLst>
+          </p:cNvPr>
+          <p:cNvSpPr txBox="1"/>
+          <p:nvPr/>
+        </p:nvSpPr>
+        <p:spPr>
+          <a:xfrm>
+            <a:off x="1893482" y="2704939"/>
+            <a:ext cx="20547233" cy="882486"/>
+          </a:xfrm>
+          <a:prstGeom prst="rect">
+            <a:avLst/>
+          </a:prstGeom>
+          <a:ln w="12700">
+            <a:miter lim="400000"/>
+          </a:ln>
+          <a:extLst>
+            <a:ext uri="{C572A759-6A51-4108-AA02-DFA0A04FC94B}">
+              <ma14:wrappingTextBoxFlag xmlns="" xmlns:ma14="http://schemas.microsoft.com/office/mac/drawingml/2011/main" val="1"/>
             </a:ext>
           </a:extLst>
         </p:spPr>
@@ -5228,7 +7122,7 @@
               <a:lnSpc>
                 <a:spcPct val="80000"/>
               </a:lnSpc>
-              <a:defRPr cap="all">
+              <a:defRPr sz="10000">
                 <a:solidFill>
                   <a:srgbClr val="313836"/>
                 </a:solidFill>
@@ -5240,69 +7134,43 @@
             </a:lvl1pPr>
           </a:lstStyle>
           <a:p>
-            <a:r>
-              <a:rPr dirty="0"/>
-              <a:t>But How Do We Unit Test with DI? </a:t>
-            </a:r>
-          </a:p>
-        </p:txBody>
-      </p:sp>
-      <p:sp>
-        <p:nvSpPr>
-          <p:cNvPr id="57" name="How do we mock a dependency to assure correct functionality of the System Under Test (SUT)?"/>
-          <p:cNvSpPr txBox="1"/>
-          <p:nvPr/>
-        </p:nvSpPr>
-        <p:spPr>
-          <a:xfrm>
-            <a:off x="2779636" y="5021174"/>
-            <a:ext cx="19003155" cy="4439921"/>
-          </a:xfrm>
-          <a:prstGeom prst="rect">
-            <a:avLst/>
-          </a:prstGeom>
-          <a:ln w="12700">
-            <a:miter lim="400000"/>
-          </a:ln>
-          <a:extLst>
-            <a:ext uri="{C572A759-6A51-4108-AA02-DFA0A04FC94B}">
-              <ma14:wrappingTextBoxFlag xmlns:ma14="http://schemas.microsoft.com/office/mac/drawingml/2011/main" val="1"/>
-            </a:ext>
-          </a:extLst>
-        </p:spPr>
-        <p:txBody>
-          <a:bodyPr lIns="50800" tIns="50800" rIns="50800" bIns="50800" anchor="ctr">
-            <a:spAutoFit/>
-          </a:bodyPr>
-          <a:lstStyle>
-            <a:lvl1pPr algn="l" defTabSz="457200">
-              <a:lnSpc>
-                <a:spcPct val="90000"/>
-              </a:lnSpc>
-              <a:defRPr sz="10000">
-                <a:solidFill>
-                  <a:srgbClr val="313836"/>
-                </a:solidFill>
-                <a:latin typeface="Proxima Nova Regular"/>
-                <a:ea typeface="Proxima Nova Regular"/>
-                <a:cs typeface="Proxima Nova Regular"/>
-                <a:sym typeface="Proxima Nova Regular"/>
-              </a:defRPr>
-            </a:lvl1pPr>
-          </a:lstStyle>
-          <a:p>
-            <a:r>
-              <a:t>How do we mock a dependency to assure correct functionality of the System Under Test (SUT)?</a:t>
-            </a:r>
+            <a:pPr algn="ctr"/>
+            <a:r>
+              <a:rPr lang="en-US" sz="6000" spc="600" dirty="0">
+                <a:solidFill>
+                  <a:schemeClr val="tx1"/>
+                </a:solidFill>
+                <a:latin typeface="Proxima Nova Light" panose="02000506030000020004" pitchFamily="2" charset="0"/>
+              </a:rPr>
+              <a:t>BUT HOW DO WE UNIT TEST WITH DI?</a:t>
+            </a:r>
+            <a:endParaRPr sz="6000" spc="600" dirty="0">
+              <a:solidFill>
+                <a:schemeClr val="tx1"/>
+              </a:solidFill>
+              <a:latin typeface="Proxima Nova Light" panose="02000506030000020004" pitchFamily="2" charset="0"/>
+            </a:endParaRPr>
           </a:p>
         </p:txBody>
       </p:sp>
     </p:spTree>
+    <p:extLst>
+      <p:ext uri="{BB962C8B-B14F-4D97-AF65-F5344CB8AC3E}">
+        <p14:creationId xmlns:p14="http://schemas.microsoft.com/office/powerpoint/2010/main" val="3348042615"/>
+      </p:ext>
+    </p:extLst>
   </p:cSld>
   <p:clrMapOvr>
     <a:masterClrMapping/>
   </p:clrMapOvr>
   <p:transition spd="med"/>
+  <p:timing>
+    <p:tnLst>
+      <p:par>
+        <p:cTn id="1" dur="indefinite" restart="never" nodeType="tmRoot"/>
+      </p:par>
+    </p:tnLst>
+  </p:timing>
 </p:sld>
 </file>
 
@@ -5325,14 +7193,14 @@
       </p:grpSpPr>
       <p:sp>
         <p:nvSpPr>
-          <p:cNvPr id="59" name="But How Do We Unit Test with DI?"/>
+          <p:cNvPr id="50" name="Benefits of Dependency Injection"/>
           <p:cNvSpPr txBox="1"/>
           <p:nvPr/>
         </p:nvSpPr>
         <p:spPr>
           <a:xfrm>
-            <a:off x="2727898" y="4080061"/>
-            <a:ext cx="18536312" cy="876301"/>
+            <a:off x="1893482" y="4886357"/>
+            <a:ext cx="20547233" cy="4287840"/>
           </a:xfrm>
           <a:prstGeom prst="rect">
             <a:avLst/>
@@ -5342,7 +7210,7 @@
           </a:ln>
           <a:extLst>
             <a:ext uri="{C572A759-6A51-4108-AA02-DFA0A04FC94B}">
-              <ma14:wrappingTextBoxFlag xmlns:ma14="http://schemas.microsoft.com/office/mac/drawingml/2011/main" val="1"/>
+              <ma14:wrappingTextBoxFlag xmlns="" xmlns:ma14="http://schemas.microsoft.com/office/mac/drawingml/2011/main" val="1"/>
             </a:ext>
           </a:extLst>
         </p:spPr>
@@ -5355,7 +7223,7 @@
               <a:lnSpc>
                 <a:spcPct val="80000"/>
               </a:lnSpc>
-              <a:defRPr cap="all">
+              <a:defRPr sz="10000">
                 <a:solidFill>
                   <a:srgbClr val="313836"/>
                 </a:solidFill>
@@ -5367,22 +7235,95 @@
             </a:lvl1pPr>
           </a:lstStyle>
           <a:p>
-            <a:r>
-              <a:t>But How Do We Unit Test with DI? </a:t>
+            <a:pPr algn="ctr">
+              <a:lnSpc>
+                <a:spcPct val="90000"/>
+              </a:lnSpc>
+              <a:defRPr sz="10000">
+                <a:solidFill>
+                  <a:srgbClr val="313836"/>
+                </a:solidFill>
+                <a:latin typeface="Proxima Nova Regular"/>
+                <a:ea typeface="Proxima Nova Regular"/>
+                <a:cs typeface="Proxima Nova Regular"/>
+                <a:sym typeface="Proxima Nova Regular"/>
+              </a:defRPr>
+            </a:pPr>
+            <a:r>
+              <a:rPr lang="en-US" dirty="0">
+                <a:solidFill>
+                  <a:schemeClr val="tx1"/>
+                </a:solidFill>
+              </a:rPr>
+              <a:t>How do we verify that</a:t>
+            </a:r>
+          </a:p>
+          <a:p>
+            <a:pPr algn="ctr">
+              <a:lnSpc>
+                <a:spcPct val="90000"/>
+              </a:lnSpc>
+              <a:defRPr sz="10000">
+                <a:solidFill>
+                  <a:srgbClr val="313836"/>
+                </a:solidFill>
+                <a:latin typeface="Proxima Nova Regular"/>
+                <a:ea typeface="Proxima Nova Regular"/>
+                <a:cs typeface="Proxima Nova Regular"/>
+                <a:sym typeface="Proxima Nova Regular"/>
+              </a:defRPr>
+            </a:pPr>
+            <a:r>
+              <a:rPr lang="en-US" dirty="0">
+                <a:solidFill>
+                  <a:schemeClr val="tx1"/>
+                </a:solidFill>
+              </a:rPr>
+              <a:t>the internal workings</a:t>
+            </a:r>
+          </a:p>
+          <a:p>
+            <a:pPr algn="ctr">
+              <a:lnSpc>
+                <a:spcPct val="90000"/>
+              </a:lnSpc>
+              <a:defRPr sz="10000">
+                <a:solidFill>
+                  <a:srgbClr val="313836"/>
+                </a:solidFill>
+                <a:latin typeface="Proxima Nova Regular"/>
+                <a:ea typeface="Proxima Nova Regular"/>
+                <a:cs typeface="Proxima Nova Regular"/>
+                <a:sym typeface="Proxima Nova Regular"/>
+              </a:defRPr>
+            </a:pPr>
+            <a:r>
+              <a:rPr lang="en-US" dirty="0">
+                <a:solidFill>
+                  <a:schemeClr val="tx1"/>
+                </a:solidFill>
+              </a:rPr>
+              <a:t>of the SUT are correct?</a:t>
             </a:r>
           </a:p>
         </p:txBody>
       </p:sp>
       <p:sp>
         <p:nvSpPr>
-          <p:cNvPr id="60" name="How do we verify that the internal workings of the SUT…"/>
+          <p:cNvPr id="4" name="Benefits of Dependency Injection">
+            <a:extLst>
+              <a:ext uri="{FF2B5EF4-FFF2-40B4-BE49-F238E27FC236}">
+                <a16:creationId xmlns="" xmlns:a16="http://schemas.microsoft.com/office/drawing/2014/main" id="{8EA67313-1D79-EE49-8B15-9D7C9D51D360}"/>
+              </a:ext>
+            </a:extLst>
+          </p:cNvPr>
           <p:cNvSpPr txBox="1"/>
           <p:nvPr/>
         </p:nvSpPr>
         <p:spPr>
           <a:xfrm>
-            <a:off x="2779635" y="5021174"/>
-            <a:ext cx="18062328" cy="4439921"/>
+            <a:off x="1893482" y="3506604"/>
+            <a:ext cx="20547233" cy="841256"/>
           </a:xfrm>
           <a:prstGeom prst="rect">
             <a:avLst/>
@@ -5392,7 +7333,7 @@
           </a:ln>
           <a:extLst>
             <a:ext uri="{C572A759-6A51-4108-AA02-DFA0A04FC94B}">
-              <ma14:wrappingTextBoxFlag xmlns:ma14="http://schemas.microsoft.com/office/mac/drawingml/2011/main" val="1"/>
+              <ma14:wrappingTextBoxFlag xmlns="" xmlns:ma14="http://schemas.microsoft.com/office/mac/drawingml/2011/main" val="1"/>
             </a:ext>
           </a:extLst>
         </p:spPr>
@@ -5400,53 +7341,60 @@
           <a:bodyPr lIns="50800" tIns="50800" rIns="50800" bIns="50800" anchor="ctr">
             <a:spAutoFit/>
           </a:bodyPr>
-          <a:lstStyle/>
-          <a:p>
-            <a:pPr algn="l" defTabSz="457200">
+          <a:lstStyle>
+            <a:lvl1pPr algn="l" defTabSz="457200">
               <a:lnSpc>
-                <a:spcPct val="90000"/>
+                <a:spcPct val="80000"/>
               </a:lnSpc>
               <a:defRPr sz="10000">
                 <a:solidFill>
                   <a:srgbClr val="313836"/>
                 </a:solidFill>
-                <a:latin typeface="Proxima Nova Regular"/>
-                <a:ea typeface="Proxima Nova Regular"/>
-                <a:cs typeface="Proxima Nova Regular"/>
-                <a:sym typeface="Proxima Nova Regular"/>
+                <a:latin typeface="Proxima Nova Bold"/>
+                <a:ea typeface="Proxima Nova Bold"/>
+                <a:cs typeface="Proxima Nova Bold"/>
+                <a:sym typeface="Proxima Nova Bold"/>
               </a:defRPr>
-            </a:pPr>
-            <a:r>
-              <a:t>How do we verify that the internal workings of the SUT </a:t>
-            </a:r>
-          </a:p>
-          <a:p>
-            <a:pPr algn="l" defTabSz="457200">
-              <a:lnSpc>
-                <a:spcPct val="90000"/>
-              </a:lnSpc>
-              <a:defRPr sz="10000">
-                <a:solidFill>
-                  <a:srgbClr val="313836"/>
-                </a:solidFill>
-                <a:latin typeface="Proxima Nova Regular"/>
-                <a:ea typeface="Proxima Nova Regular"/>
-                <a:cs typeface="Proxima Nova Regular"/>
-                <a:sym typeface="Proxima Nova Regular"/>
-              </a:defRPr>
-            </a:pPr>
-            <a:r>
-              <a:t>are correct?</a:t>
-            </a:r>
+            </a:lvl1pPr>
+          </a:lstStyle>
+          <a:p>
+            <a:pPr algn="ctr"/>
+            <a:r>
+              <a:rPr lang="en-US" sz="6000" spc="600" dirty="0">
+                <a:solidFill>
+                  <a:schemeClr val="tx1"/>
+                </a:solidFill>
+                <a:latin typeface="Proxima Nova Light" panose="02000506030000020004" pitchFamily="2" charset="0"/>
+              </a:rPr>
+              <a:t>BUT HOW DO WE UNIT TEST WITH DI?</a:t>
+            </a:r>
+            <a:endParaRPr sz="6000" spc="600" dirty="0">
+              <a:solidFill>
+                <a:schemeClr val="tx1"/>
+              </a:solidFill>
+              <a:latin typeface="Proxima Nova Light" panose="02000506030000020004" pitchFamily="2" charset="0"/>
+            </a:endParaRPr>
           </a:p>
         </p:txBody>
       </p:sp>
     </p:spTree>
+    <p:extLst>
+      <p:ext uri="{BB962C8B-B14F-4D97-AF65-F5344CB8AC3E}">
+        <p14:creationId xmlns:p14="http://schemas.microsoft.com/office/powerpoint/2010/main" val="4066198387"/>
+      </p:ext>
+    </p:extLst>
   </p:cSld>
   <p:clrMapOvr>
     <a:masterClrMapping/>
   </p:clrMapOvr>
   <p:transition spd="med"/>
+  <p:timing>
+    <p:tnLst>
+      <p:par>
+        <p:cTn id="1" dur="indefinite" restart="never" nodeType="tmRoot"/>
+      </p:par>
+    </p:tnLst>
+  </p:timing>
 </p:sld>
 </file>
 
